--- a/FinishingSchool-June.pptx
+++ b/FinishingSchool-June.pptx
@@ -12,6 +12,12 @@
     <p:sldId id="260" r:id="rId6"/>
     <p:sldId id="261" r:id="rId7"/>
     <p:sldId id="262" r:id="rId8"/>
+    <p:sldId id="263" r:id="rId9"/>
+    <p:sldId id="264" r:id="rId10"/>
+    <p:sldId id="265" r:id="rId11"/>
+    <p:sldId id="266" r:id="rId12"/>
+    <p:sldId id="267" r:id="rId13"/>
+    <p:sldId id="268" r:id="rId14"/>
   </p:sldIdLst>
   <p:sldSz cx="12192000" cy="6858000"/>
   <p:notesSz cx="6858000" cy="9144000"/>
@@ -110,6 +116,11 @@
       </a:defRPr>
     </a:lvl9pPr>
   </p:defaultTextStyle>
+  <p:extLst>
+    <p:ext uri="{EFAFB233-063F-42B5-8137-9DF3F51BA10A}">
+      <p15:sldGuideLst xmlns:p15="http://schemas.microsoft.com/office/powerpoint/2012/main"/>
+    </p:ext>
+  </p:extLst>
 </p:presentation>
 </file>
 
@@ -260,7 +271,7 @@
           <a:p>
             <a:fld id="{5B46E487-55E8-4463-B193-585373129239}" type="datetimeFigureOut">
               <a:rPr lang="en-US" smtClean="0"/>
-              <a:t>6/9/2020</a:t>
+              <a:t>6/11/2020</a:t>
             </a:fld>
             <a:endParaRPr lang="en-US"/>
           </a:p>
@@ -458,7 +469,7 @@
           <a:p>
             <a:fld id="{5B46E487-55E8-4463-B193-585373129239}" type="datetimeFigureOut">
               <a:rPr lang="en-US" smtClean="0"/>
-              <a:t>6/9/2020</a:t>
+              <a:t>6/11/2020</a:t>
             </a:fld>
             <a:endParaRPr lang="en-US"/>
           </a:p>
@@ -666,7 +677,7 @@
           <a:p>
             <a:fld id="{5B46E487-55E8-4463-B193-585373129239}" type="datetimeFigureOut">
               <a:rPr lang="en-US" smtClean="0"/>
-              <a:t>6/9/2020</a:t>
+              <a:t>6/11/2020</a:t>
             </a:fld>
             <a:endParaRPr lang="en-US"/>
           </a:p>
@@ -864,7 +875,7 @@
           <a:p>
             <a:fld id="{5B46E487-55E8-4463-B193-585373129239}" type="datetimeFigureOut">
               <a:rPr lang="en-US" smtClean="0"/>
-              <a:t>6/9/2020</a:t>
+              <a:t>6/11/2020</a:t>
             </a:fld>
             <a:endParaRPr lang="en-US"/>
           </a:p>
@@ -1139,7 +1150,7 @@
           <a:p>
             <a:fld id="{5B46E487-55E8-4463-B193-585373129239}" type="datetimeFigureOut">
               <a:rPr lang="en-US" smtClean="0"/>
-              <a:t>6/9/2020</a:t>
+              <a:t>6/11/2020</a:t>
             </a:fld>
             <a:endParaRPr lang="en-US"/>
           </a:p>
@@ -1404,7 +1415,7 @@
           <a:p>
             <a:fld id="{5B46E487-55E8-4463-B193-585373129239}" type="datetimeFigureOut">
               <a:rPr lang="en-US" smtClean="0"/>
-              <a:t>6/9/2020</a:t>
+              <a:t>6/11/2020</a:t>
             </a:fld>
             <a:endParaRPr lang="en-US"/>
           </a:p>
@@ -1816,7 +1827,7 @@
           <a:p>
             <a:fld id="{5B46E487-55E8-4463-B193-585373129239}" type="datetimeFigureOut">
               <a:rPr lang="en-US" smtClean="0"/>
-              <a:t>6/9/2020</a:t>
+              <a:t>6/11/2020</a:t>
             </a:fld>
             <a:endParaRPr lang="en-US"/>
           </a:p>
@@ -1957,7 +1968,7 @@
           <a:p>
             <a:fld id="{5B46E487-55E8-4463-B193-585373129239}" type="datetimeFigureOut">
               <a:rPr lang="en-US" smtClean="0"/>
-              <a:t>6/9/2020</a:t>
+              <a:t>6/11/2020</a:t>
             </a:fld>
             <a:endParaRPr lang="en-US"/>
           </a:p>
@@ -2070,7 +2081,7 @@
           <a:p>
             <a:fld id="{5B46E487-55E8-4463-B193-585373129239}" type="datetimeFigureOut">
               <a:rPr lang="en-US" smtClean="0"/>
-              <a:t>6/9/2020</a:t>
+              <a:t>6/11/2020</a:t>
             </a:fld>
             <a:endParaRPr lang="en-US"/>
           </a:p>
@@ -2381,7 +2392,7 @@
           <a:p>
             <a:fld id="{5B46E487-55E8-4463-B193-585373129239}" type="datetimeFigureOut">
               <a:rPr lang="en-US" smtClean="0"/>
-              <a:t>6/9/2020</a:t>
+              <a:t>6/11/2020</a:t>
             </a:fld>
             <a:endParaRPr lang="en-US"/>
           </a:p>
@@ -2669,7 +2680,7 @@
           <a:p>
             <a:fld id="{5B46E487-55E8-4463-B193-585373129239}" type="datetimeFigureOut">
               <a:rPr lang="en-US" smtClean="0"/>
-              <a:t>6/9/2020</a:t>
+              <a:t>6/11/2020</a:t>
             </a:fld>
             <a:endParaRPr lang="en-US"/>
           </a:p>
@@ -2910,7 +2921,7 @@
           <a:p>
             <a:fld id="{5B46E487-55E8-4463-B193-585373129239}" type="datetimeFigureOut">
               <a:rPr lang="en-US" smtClean="0"/>
-              <a:t>6/9/2020</a:t>
+              <a:t>6/11/2020</a:t>
             </a:fld>
             <a:endParaRPr lang="en-US"/>
           </a:p>
@@ -3393,6 +3404,516 @@
 </p:sld>
 </file>
 
+<file path=ppt/slides/slide10.xml><?xml version="1.0" encoding="utf-8"?>
+<p:sld xmlns:a="http://schemas.openxmlformats.org/drawingml/2006/main" xmlns:r="http://schemas.openxmlformats.org/officeDocument/2006/relationships" xmlns:p="http://schemas.openxmlformats.org/presentationml/2006/main">
+  <p:cSld>
+    <p:spTree>
+      <p:nvGrpSpPr>
+        <p:cNvPr id="1" name=""/>
+        <p:cNvGrpSpPr/>
+        <p:nvPr/>
+      </p:nvGrpSpPr>
+      <p:grpSpPr>
+        <a:xfrm>
+          <a:off x="0" y="0"/>
+          <a:ext cx="0" cy="0"/>
+          <a:chOff x="0" y="0"/>
+          <a:chExt cx="0" cy="0"/>
+        </a:xfrm>
+      </p:grpSpPr>
+      <p:sp>
+        <p:nvSpPr>
+          <p:cNvPr id="2" name="Title 1">
+            <a:extLst>
+              <a:ext uri="{FF2B5EF4-FFF2-40B4-BE49-F238E27FC236}">
+                <a16:creationId xmlns:a16="http://schemas.microsoft.com/office/drawing/2014/main" id="{327B1028-42D1-4056-8209-79DBCA0E4A50}"/>
+              </a:ext>
+            </a:extLst>
+          </p:cNvPr>
+          <p:cNvSpPr>
+            <a:spLocks noGrp="1"/>
+          </p:cNvSpPr>
+          <p:nvPr>
+            <p:ph type="title"/>
+          </p:nvPr>
+        </p:nvSpPr>
+        <p:spPr/>
+        <p:txBody>
+          <a:bodyPr/>
+          <a:lstStyle/>
+          <a:p>
+            <a:r>
+              <a:rPr lang="en-US" dirty="0"/>
+              <a:t>Spring CLI</a:t>
+            </a:r>
+          </a:p>
+        </p:txBody>
+      </p:sp>
+      <p:sp>
+        <p:nvSpPr>
+          <p:cNvPr id="3" name="Content Placeholder 2">
+            <a:extLst>
+              <a:ext uri="{FF2B5EF4-FFF2-40B4-BE49-F238E27FC236}">
+                <a16:creationId xmlns:a16="http://schemas.microsoft.com/office/drawing/2014/main" id="{2BF9CEC5-22D1-47E8-A508-54F28046DC87}"/>
+              </a:ext>
+            </a:extLst>
+          </p:cNvPr>
+          <p:cNvSpPr>
+            <a:spLocks noGrp="1"/>
+          </p:cNvSpPr>
+          <p:nvPr>
+            <p:ph idx="1"/>
+          </p:nvPr>
+        </p:nvSpPr>
+        <p:spPr/>
+        <p:txBody>
+          <a:bodyPr/>
+          <a:lstStyle/>
+          <a:p>
+            <a:r>
+              <a:rPr lang="en-US" dirty="0"/>
+              <a:t>JAVA</a:t>
+            </a:r>
+          </a:p>
+          <a:p>
+            <a:r>
+              <a:rPr lang="en-US" dirty="0"/>
+              <a:t>Maven</a:t>
+            </a:r>
+          </a:p>
+          <a:p>
+            <a:r>
+              <a:rPr lang="en-US" dirty="0"/>
+              <a:t>Spring CLI</a:t>
+            </a:r>
+          </a:p>
+          <a:p>
+            <a:endParaRPr lang="en-US" dirty="0"/>
+          </a:p>
+        </p:txBody>
+      </p:sp>
+    </p:spTree>
+    <p:extLst>
+      <p:ext uri="{BB962C8B-B14F-4D97-AF65-F5344CB8AC3E}">
+        <p14:creationId xmlns:p14="http://schemas.microsoft.com/office/powerpoint/2010/main" val="201643848"/>
+      </p:ext>
+    </p:extLst>
+  </p:cSld>
+  <p:clrMapOvr>
+    <a:masterClrMapping/>
+  </p:clrMapOvr>
+</p:sld>
+</file>
+
+<file path=ppt/slides/slide11.xml><?xml version="1.0" encoding="utf-8"?>
+<p:sld xmlns:a="http://schemas.openxmlformats.org/drawingml/2006/main" xmlns:r="http://schemas.openxmlformats.org/officeDocument/2006/relationships" xmlns:p="http://schemas.openxmlformats.org/presentationml/2006/main">
+  <p:cSld>
+    <p:spTree>
+      <p:nvGrpSpPr>
+        <p:cNvPr id="1" name=""/>
+        <p:cNvGrpSpPr/>
+        <p:nvPr/>
+      </p:nvGrpSpPr>
+      <p:grpSpPr>
+        <a:xfrm>
+          <a:off x="0" y="0"/>
+          <a:ext cx="0" cy="0"/>
+          <a:chOff x="0" y="0"/>
+          <a:chExt cx="0" cy="0"/>
+        </a:xfrm>
+      </p:grpSpPr>
+      <p:sp>
+        <p:nvSpPr>
+          <p:cNvPr id="2" name="Title 1">
+            <a:extLst>
+              <a:ext uri="{FF2B5EF4-FFF2-40B4-BE49-F238E27FC236}">
+                <a16:creationId xmlns:a16="http://schemas.microsoft.com/office/drawing/2014/main" id="{82C413A8-BE1C-4393-A3F3-160895D64840}"/>
+              </a:ext>
+            </a:extLst>
+          </p:cNvPr>
+          <p:cNvSpPr>
+            <a:spLocks noGrp="1"/>
+          </p:cNvSpPr>
+          <p:nvPr>
+            <p:ph type="title"/>
+          </p:nvPr>
+        </p:nvSpPr>
+        <p:spPr/>
+        <p:txBody>
+          <a:bodyPr/>
+          <a:lstStyle/>
+          <a:p>
+            <a:r>
+              <a:rPr lang="en-US" dirty="0"/>
+              <a:t>Spring Boot – App Build </a:t>
+            </a:r>
+          </a:p>
+        </p:txBody>
+      </p:sp>
+      <p:sp>
+        <p:nvSpPr>
+          <p:cNvPr id="3" name="Content Placeholder 2">
+            <a:extLst>
+              <a:ext uri="{FF2B5EF4-FFF2-40B4-BE49-F238E27FC236}">
+                <a16:creationId xmlns:a16="http://schemas.microsoft.com/office/drawing/2014/main" id="{B3529468-7730-4D4E-A454-08388D52A1F9}"/>
+              </a:ext>
+            </a:extLst>
+          </p:cNvPr>
+          <p:cNvSpPr>
+            <a:spLocks noGrp="1"/>
+          </p:cNvSpPr>
+          <p:nvPr>
+            <p:ph idx="1"/>
+          </p:nvPr>
+        </p:nvSpPr>
+        <p:spPr/>
+        <p:txBody>
+          <a:bodyPr/>
+          <a:lstStyle/>
+          <a:p>
+            <a:r>
+              <a:rPr lang="en-US" dirty="0">
+                <a:highlight>
+                  <a:srgbClr val="FFFF00"/>
+                </a:highlight>
+              </a:rPr>
+              <a:t>CLI</a:t>
+            </a:r>
+          </a:p>
+          <a:p>
+            <a:r>
+              <a:rPr lang="en-US" dirty="0"/>
+              <a:t>IDE</a:t>
+            </a:r>
+          </a:p>
+          <a:p>
+            <a:pPr lvl="1"/>
+            <a:r>
+              <a:rPr lang="en-US" dirty="0"/>
+              <a:t>Eclipse</a:t>
+            </a:r>
+          </a:p>
+          <a:p>
+            <a:pPr lvl="1"/>
+            <a:r>
+              <a:rPr lang="en-US" dirty="0">
+                <a:highlight>
+                  <a:srgbClr val="FFFF00"/>
+                </a:highlight>
+              </a:rPr>
+              <a:t>STS</a:t>
+            </a:r>
+          </a:p>
+          <a:p>
+            <a:r>
+              <a:rPr lang="en-US" dirty="0">
+                <a:highlight>
+                  <a:srgbClr val="FFFF00"/>
+                </a:highlight>
+              </a:rPr>
+              <a:t>Spring initializer </a:t>
+            </a:r>
+            <a:r>
+              <a:rPr lang="en-US" dirty="0">
+                <a:highlight>
+                  <a:srgbClr val="FFFF00"/>
+                </a:highlight>
+                <a:sym typeface="Wingdings" panose="05000000000000000000" pitchFamily="2" charset="2"/>
+              </a:rPr>
+              <a:t> Web Tool</a:t>
+            </a:r>
+          </a:p>
+          <a:p>
+            <a:pPr lvl="1"/>
+            <a:r>
+              <a:rPr lang="en-US" dirty="0">
+                <a:highlight>
+                  <a:srgbClr val="FFFF00"/>
+                </a:highlight>
+                <a:hlinkClick r:id="rId2"/>
+              </a:rPr>
+              <a:t>https://start.spring.io/</a:t>
+            </a:r>
+            <a:endParaRPr lang="en-US" dirty="0">
+              <a:highlight>
+                <a:srgbClr val="FFFF00"/>
+              </a:highlight>
+            </a:endParaRPr>
+          </a:p>
+          <a:p>
+            <a:r>
+              <a:rPr lang="en-US" dirty="0"/>
+              <a:t>Maven</a:t>
+            </a:r>
+          </a:p>
+          <a:p>
+            <a:r>
+              <a:rPr lang="en-US" dirty="0"/>
+              <a:t>Gradle</a:t>
+            </a:r>
+          </a:p>
+          <a:p>
+            <a:r>
+              <a:rPr lang="en-US" dirty="0">
+                <a:highlight>
+                  <a:srgbClr val="FFFF00"/>
+                </a:highlight>
+              </a:rPr>
+              <a:t>Manual</a:t>
+            </a:r>
+          </a:p>
+          <a:p>
+            <a:endParaRPr lang="en-US" dirty="0"/>
+          </a:p>
+        </p:txBody>
+      </p:sp>
+    </p:spTree>
+    <p:extLst>
+      <p:ext uri="{BB962C8B-B14F-4D97-AF65-F5344CB8AC3E}">
+        <p14:creationId xmlns:p14="http://schemas.microsoft.com/office/powerpoint/2010/main" val="501313543"/>
+      </p:ext>
+    </p:extLst>
+  </p:cSld>
+  <p:clrMapOvr>
+    <a:masterClrMapping/>
+  </p:clrMapOvr>
+</p:sld>
+</file>
+
+<file path=ppt/slides/slide12.xml><?xml version="1.0" encoding="utf-8"?>
+<p:sld xmlns:a="http://schemas.openxmlformats.org/drawingml/2006/main" xmlns:r="http://schemas.openxmlformats.org/officeDocument/2006/relationships" xmlns:p="http://schemas.openxmlformats.org/presentationml/2006/main">
+  <p:cSld>
+    <p:spTree>
+      <p:nvGrpSpPr>
+        <p:cNvPr id="1" name=""/>
+        <p:cNvGrpSpPr/>
+        <p:nvPr/>
+      </p:nvGrpSpPr>
+      <p:grpSpPr>
+        <a:xfrm>
+          <a:off x="0" y="0"/>
+          <a:ext cx="0" cy="0"/>
+          <a:chOff x="0" y="0"/>
+          <a:chExt cx="0" cy="0"/>
+        </a:xfrm>
+      </p:grpSpPr>
+      <p:sp>
+        <p:nvSpPr>
+          <p:cNvPr id="2" name="Title 1">
+            <a:extLst>
+              <a:ext uri="{FF2B5EF4-FFF2-40B4-BE49-F238E27FC236}">
+                <a16:creationId xmlns:a16="http://schemas.microsoft.com/office/drawing/2014/main" id="{E590EF0A-859A-45E9-972F-44BBD73A6D2C}"/>
+              </a:ext>
+            </a:extLst>
+          </p:cNvPr>
+          <p:cNvSpPr>
+            <a:spLocks noGrp="1"/>
+          </p:cNvSpPr>
+          <p:nvPr>
+            <p:ph type="title"/>
+          </p:nvPr>
+        </p:nvSpPr>
+        <p:spPr/>
+        <p:txBody>
+          <a:bodyPr/>
+          <a:lstStyle/>
+          <a:p>
+            <a:r>
+              <a:rPr lang="en-US" dirty="0"/>
+              <a:t>Task</a:t>
+            </a:r>
+          </a:p>
+        </p:txBody>
+      </p:sp>
+      <p:sp>
+        <p:nvSpPr>
+          <p:cNvPr id="3" name="Content Placeholder 2">
+            <a:extLst>
+              <a:ext uri="{FF2B5EF4-FFF2-40B4-BE49-F238E27FC236}">
+                <a16:creationId xmlns:a16="http://schemas.microsoft.com/office/drawing/2014/main" id="{F3A9BA27-6E68-44C7-BAE3-DEEB891279D3}"/>
+              </a:ext>
+            </a:extLst>
+          </p:cNvPr>
+          <p:cNvSpPr>
+            <a:spLocks noGrp="1"/>
+          </p:cNvSpPr>
+          <p:nvPr>
+            <p:ph idx="1"/>
+          </p:nvPr>
+        </p:nvSpPr>
+        <p:spPr/>
+        <p:txBody>
+          <a:bodyPr/>
+          <a:lstStyle/>
+          <a:p>
+            <a:r>
+              <a:rPr lang="en-US" dirty="0"/>
+              <a:t>Create one Registration Page</a:t>
+            </a:r>
+          </a:p>
+          <a:p>
+            <a:pPr lvl="1"/>
+            <a:r>
+              <a:rPr lang="en-US" dirty="0" err="1"/>
+              <a:t>firstName</a:t>
+            </a:r>
+            <a:endParaRPr lang="en-US" dirty="0"/>
+          </a:p>
+          <a:p>
+            <a:pPr lvl="1"/>
+            <a:r>
+              <a:rPr lang="en-US" dirty="0" err="1"/>
+              <a:t>lastName</a:t>
+            </a:r>
+            <a:endParaRPr lang="en-US" dirty="0"/>
+          </a:p>
+          <a:p>
+            <a:pPr lvl="1"/>
+            <a:r>
+              <a:rPr lang="en-US" dirty="0"/>
+              <a:t>Address</a:t>
+            </a:r>
+          </a:p>
+          <a:p>
+            <a:pPr lvl="1"/>
+            <a:r>
+              <a:rPr lang="en-US" dirty="0"/>
+              <a:t>city</a:t>
+            </a:r>
+          </a:p>
+          <a:p>
+            <a:pPr lvl="1"/>
+            <a:r>
+              <a:rPr lang="en-US" dirty="0" err="1"/>
+              <a:t>Contactno</a:t>
+            </a:r>
+            <a:endParaRPr lang="en-US" dirty="0"/>
+          </a:p>
+          <a:p>
+            <a:pPr lvl="1"/>
+            <a:r>
+              <a:rPr lang="en-US" dirty="0"/>
+              <a:t>Email</a:t>
+            </a:r>
+          </a:p>
+          <a:p>
+            <a:pPr lvl="1"/>
+            <a:r>
+              <a:rPr lang="en-US" dirty="0"/>
+              <a:t>Password</a:t>
+            </a:r>
+          </a:p>
+          <a:p>
+            <a:pPr lvl="1"/>
+            <a:r>
+              <a:rPr lang="en-US" dirty="0" err="1"/>
+              <a:t>ConfirmPassword</a:t>
+            </a:r>
+            <a:endParaRPr lang="en-US" dirty="0"/>
+          </a:p>
+          <a:p>
+            <a:pPr lvl="1"/>
+            <a:r>
+              <a:rPr lang="en-US" dirty="0" err="1"/>
+              <a:t>DateOfBirth</a:t>
+            </a:r>
+            <a:endParaRPr lang="en-US" dirty="0"/>
+          </a:p>
+        </p:txBody>
+      </p:sp>
+    </p:spTree>
+    <p:extLst>
+      <p:ext uri="{BB962C8B-B14F-4D97-AF65-F5344CB8AC3E}">
+        <p14:creationId xmlns:p14="http://schemas.microsoft.com/office/powerpoint/2010/main" val="438521034"/>
+      </p:ext>
+    </p:extLst>
+  </p:cSld>
+  <p:clrMapOvr>
+    <a:masterClrMapping/>
+  </p:clrMapOvr>
+</p:sld>
+</file>
+
+<file path=ppt/slides/slide13.xml><?xml version="1.0" encoding="utf-8"?>
+<p:sld xmlns:a="http://schemas.openxmlformats.org/drawingml/2006/main" xmlns:r="http://schemas.openxmlformats.org/officeDocument/2006/relationships" xmlns:p="http://schemas.openxmlformats.org/presentationml/2006/main">
+  <p:cSld>
+    <p:spTree>
+      <p:nvGrpSpPr>
+        <p:cNvPr id="1" name=""/>
+        <p:cNvGrpSpPr/>
+        <p:nvPr/>
+      </p:nvGrpSpPr>
+      <p:grpSpPr>
+        <a:xfrm>
+          <a:off x="0" y="0"/>
+          <a:ext cx="0" cy="0"/>
+          <a:chOff x="0" y="0"/>
+          <a:chExt cx="0" cy="0"/>
+        </a:xfrm>
+      </p:grpSpPr>
+      <p:sp>
+        <p:nvSpPr>
+          <p:cNvPr id="2" name="Title 1">
+            <a:extLst>
+              <a:ext uri="{FF2B5EF4-FFF2-40B4-BE49-F238E27FC236}">
+                <a16:creationId xmlns:a16="http://schemas.microsoft.com/office/drawing/2014/main" id="{F131D6F4-C631-4934-91CD-65C5C8F1D019}"/>
+              </a:ext>
+            </a:extLst>
+          </p:cNvPr>
+          <p:cNvSpPr>
+            <a:spLocks noGrp="1"/>
+          </p:cNvSpPr>
+          <p:nvPr>
+            <p:ph type="title"/>
+          </p:nvPr>
+        </p:nvSpPr>
+        <p:spPr/>
+        <p:txBody>
+          <a:bodyPr/>
+          <a:lstStyle/>
+          <a:p>
+            <a:endParaRPr lang="en-US"/>
+          </a:p>
+        </p:txBody>
+      </p:sp>
+      <p:sp>
+        <p:nvSpPr>
+          <p:cNvPr id="3" name="Content Placeholder 2">
+            <a:extLst>
+              <a:ext uri="{FF2B5EF4-FFF2-40B4-BE49-F238E27FC236}">
+                <a16:creationId xmlns:a16="http://schemas.microsoft.com/office/drawing/2014/main" id="{E6CE34C2-CB4C-4826-B043-9E0F37715658}"/>
+              </a:ext>
+            </a:extLst>
+          </p:cNvPr>
+          <p:cNvSpPr>
+            <a:spLocks noGrp="1"/>
+          </p:cNvSpPr>
+          <p:nvPr>
+            <p:ph idx="1"/>
+          </p:nvPr>
+        </p:nvSpPr>
+        <p:spPr/>
+        <p:txBody>
+          <a:bodyPr/>
+          <a:lstStyle/>
+          <a:p>
+            <a:endParaRPr lang="en-US"/>
+          </a:p>
+        </p:txBody>
+      </p:sp>
+    </p:spTree>
+    <p:extLst>
+      <p:ext uri="{BB962C8B-B14F-4D97-AF65-F5344CB8AC3E}">
+        <p14:creationId xmlns:p14="http://schemas.microsoft.com/office/powerpoint/2010/main" val="1074600617"/>
+      </p:ext>
+    </p:extLst>
+  </p:cSld>
+  <p:clrMapOvr>
+    <a:masterClrMapping/>
+  </p:clrMapOvr>
+</p:sld>
+</file>
+
 <file path=ppt/slides/slide2.xml><?xml version="1.0" encoding="utf-8"?>
 <p:sld xmlns:a="http://schemas.openxmlformats.org/drawingml/2006/main" xmlns:r="http://schemas.openxmlformats.org/officeDocument/2006/relationships" xmlns:p="http://schemas.openxmlformats.org/presentationml/2006/main">
   <p:cSld>
@@ -5418,6 +5939,495 @@
     <p:extLst>
       <p:ext uri="{BB962C8B-B14F-4D97-AF65-F5344CB8AC3E}">
         <p14:creationId xmlns:p14="http://schemas.microsoft.com/office/powerpoint/2010/main" val="1309441158"/>
+      </p:ext>
+    </p:extLst>
+  </p:cSld>
+  <p:clrMapOvr>
+    <a:masterClrMapping/>
+  </p:clrMapOvr>
+</p:sld>
+</file>
+
+<file path=ppt/slides/slide8.xml><?xml version="1.0" encoding="utf-8"?>
+<p:sld xmlns:a="http://schemas.openxmlformats.org/drawingml/2006/main" xmlns:r="http://schemas.openxmlformats.org/officeDocument/2006/relationships" xmlns:p="http://schemas.openxmlformats.org/presentationml/2006/main">
+  <p:cSld>
+    <p:spTree>
+      <p:nvGrpSpPr>
+        <p:cNvPr id="1" name=""/>
+        <p:cNvGrpSpPr/>
+        <p:nvPr/>
+      </p:nvGrpSpPr>
+      <p:grpSpPr>
+        <a:xfrm>
+          <a:off x="0" y="0"/>
+          <a:ext cx="0" cy="0"/>
+          <a:chOff x="0" y="0"/>
+          <a:chExt cx="0" cy="0"/>
+        </a:xfrm>
+      </p:grpSpPr>
+      <p:sp>
+        <p:nvSpPr>
+          <p:cNvPr id="2" name="Title 1">
+            <a:extLst>
+              <a:ext uri="{FF2B5EF4-FFF2-40B4-BE49-F238E27FC236}">
+                <a16:creationId xmlns:a16="http://schemas.microsoft.com/office/drawing/2014/main" id="{7A68C00F-6A90-4847-B46E-981F9F5FCC44}"/>
+              </a:ext>
+            </a:extLst>
+          </p:cNvPr>
+          <p:cNvSpPr>
+            <a:spLocks noGrp="1"/>
+          </p:cNvSpPr>
+          <p:nvPr>
+            <p:ph type="title"/>
+          </p:nvPr>
+        </p:nvSpPr>
+        <p:spPr/>
+        <p:txBody>
+          <a:bodyPr/>
+          <a:lstStyle/>
+          <a:p>
+            <a:r>
+              <a:rPr lang="en-US" dirty="0"/>
+              <a:t>Spring Boot</a:t>
+            </a:r>
+          </a:p>
+        </p:txBody>
+      </p:sp>
+      <p:sp>
+        <p:nvSpPr>
+          <p:cNvPr id="4" name="Oval 3">
+            <a:extLst>
+              <a:ext uri="{FF2B5EF4-FFF2-40B4-BE49-F238E27FC236}">
+                <a16:creationId xmlns:a16="http://schemas.microsoft.com/office/drawing/2014/main" id="{EE2951EA-B407-49A6-A905-2C976FA7F525}"/>
+              </a:ext>
+            </a:extLst>
+          </p:cNvPr>
+          <p:cNvSpPr/>
+          <p:nvPr/>
+        </p:nvSpPr>
+        <p:spPr>
+          <a:xfrm>
+            <a:off x="2743200" y="2465798"/>
+            <a:ext cx="4993240" cy="3575406"/>
+          </a:xfrm>
+          <a:prstGeom prst="ellipse">
+            <a:avLst/>
+          </a:prstGeom>
+        </p:spPr>
+        <p:style>
+          <a:lnRef idx="2">
+            <a:schemeClr val="accent1">
+              <a:shade val="50000"/>
+            </a:schemeClr>
+          </a:lnRef>
+          <a:fillRef idx="1">
+            <a:schemeClr val="accent1"/>
+          </a:fillRef>
+          <a:effectRef idx="0">
+            <a:schemeClr val="accent1"/>
+          </a:effectRef>
+          <a:fontRef idx="minor">
+            <a:schemeClr val="lt1"/>
+          </a:fontRef>
+        </p:style>
+        <p:txBody>
+          <a:bodyPr rtlCol="0" anchor="ctr"/>
+          <a:lstStyle/>
+          <a:p>
+            <a:pPr algn="ctr"/>
+            <a:endParaRPr lang="en-US"/>
+          </a:p>
+        </p:txBody>
+      </p:sp>
+      <p:sp>
+        <p:nvSpPr>
+          <p:cNvPr id="5" name="Oval 4">
+            <a:extLst>
+              <a:ext uri="{FF2B5EF4-FFF2-40B4-BE49-F238E27FC236}">
+                <a16:creationId xmlns:a16="http://schemas.microsoft.com/office/drawing/2014/main" id="{45A2D3DF-88C2-4930-B70D-B57C16D47554}"/>
+              </a:ext>
+            </a:extLst>
+          </p:cNvPr>
+          <p:cNvSpPr/>
+          <p:nvPr/>
+        </p:nvSpPr>
+        <p:spPr>
+          <a:xfrm>
+            <a:off x="3585680" y="3041151"/>
+            <a:ext cx="3308279" cy="2414427"/>
+          </a:xfrm>
+          <a:prstGeom prst="ellipse">
+            <a:avLst/>
+          </a:prstGeom>
+          <a:solidFill>
+            <a:schemeClr val="accent2"/>
+          </a:solidFill>
+        </p:spPr>
+        <p:style>
+          <a:lnRef idx="2">
+            <a:schemeClr val="accent1">
+              <a:shade val="50000"/>
+            </a:schemeClr>
+          </a:lnRef>
+          <a:fillRef idx="1">
+            <a:schemeClr val="accent1"/>
+          </a:fillRef>
+          <a:effectRef idx="0">
+            <a:schemeClr val="accent1"/>
+          </a:effectRef>
+          <a:fontRef idx="minor">
+            <a:schemeClr val="lt1"/>
+          </a:fontRef>
+        </p:style>
+        <p:txBody>
+          <a:bodyPr rtlCol="0" anchor="ctr"/>
+          <a:lstStyle/>
+          <a:p>
+            <a:pPr algn="ctr"/>
+            <a:endParaRPr lang="en-US"/>
+          </a:p>
+        </p:txBody>
+      </p:sp>
+      <p:sp>
+        <p:nvSpPr>
+          <p:cNvPr id="6" name="Oval 5">
+            <a:extLst>
+              <a:ext uri="{FF2B5EF4-FFF2-40B4-BE49-F238E27FC236}">
+                <a16:creationId xmlns:a16="http://schemas.microsoft.com/office/drawing/2014/main" id="{C5D78A16-B10E-46B9-A782-D844FBA26004}"/>
+              </a:ext>
+            </a:extLst>
+          </p:cNvPr>
+          <p:cNvSpPr/>
+          <p:nvPr/>
+        </p:nvSpPr>
+        <p:spPr>
+          <a:xfrm>
+            <a:off x="4623371" y="3698697"/>
+            <a:ext cx="1592494" cy="1150705"/>
+          </a:xfrm>
+          <a:prstGeom prst="ellipse">
+            <a:avLst/>
+          </a:prstGeom>
+        </p:spPr>
+        <p:style>
+          <a:lnRef idx="2">
+            <a:schemeClr val="accent1">
+              <a:shade val="50000"/>
+            </a:schemeClr>
+          </a:lnRef>
+          <a:fillRef idx="1">
+            <a:schemeClr val="accent1"/>
+          </a:fillRef>
+          <a:effectRef idx="0">
+            <a:schemeClr val="accent1"/>
+          </a:effectRef>
+          <a:fontRef idx="minor">
+            <a:schemeClr val="lt1"/>
+          </a:fontRef>
+        </p:style>
+        <p:txBody>
+          <a:bodyPr rtlCol="0" anchor="ctr"/>
+          <a:lstStyle/>
+          <a:p>
+            <a:pPr algn="ctr"/>
+            <a:r>
+              <a:rPr lang="en-US" dirty="0"/>
+              <a:t>Java11,8, 7,</a:t>
+            </a:r>
+          </a:p>
+          <a:p>
+            <a:pPr algn="ctr"/>
+            <a:r>
+              <a:rPr lang="en-US" dirty="0"/>
+              <a:t>+</a:t>
+            </a:r>
+          </a:p>
+          <a:p>
+            <a:pPr algn="ctr"/>
+            <a:r>
+              <a:rPr lang="en-US" dirty="0"/>
+              <a:t>J2EE</a:t>
+            </a:r>
+          </a:p>
+        </p:txBody>
+      </p:sp>
+      <p:sp>
+        <p:nvSpPr>
+          <p:cNvPr id="7" name="TextBox 6">
+            <a:extLst>
+              <a:ext uri="{FF2B5EF4-FFF2-40B4-BE49-F238E27FC236}">
+                <a16:creationId xmlns:a16="http://schemas.microsoft.com/office/drawing/2014/main" id="{416A1446-FFF8-4855-8F2F-2CE847314F84}"/>
+              </a:ext>
+            </a:extLst>
+          </p:cNvPr>
+          <p:cNvSpPr txBox="1"/>
+          <p:nvPr/>
+        </p:nvSpPr>
+        <p:spPr>
+          <a:xfrm>
+            <a:off x="4851731" y="3329365"/>
+            <a:ext cx="1540806" cy="369332"/>
+          </a:xfrm>
+          <a:prstGeom prst="rect">
+            <a:avLst/>
+          </a:prstGeom>
+          <a:noFill/>
+        </p:spPr>
+        <p:txBody>
+          <a:bodyPr wrap="none" rtlCol="0">
+            <a:spAutoFit/>
+          </a:bodyPr>
+          <a:lstStyle/>
+          <a:p>
+            <a:r>
+              <a:rPr lang="en-US" dirty="0"/>
+              <a:t>Spring 5.x, 4.x </a:t>
+            </a:r>
+          </a:p>
+        </p:txBody>
+      </p:sp>
+      <p:sp>
+        <p:nvSpPr>
+          <p:cNvPr id="8" name="TextBox 7">
+            <a:extLst>
+              <a:ext uri="{FF2B5EF4-FFF2-40B4-BE49-F238E27FC236}">
+                <a16:creationId xmlns:a16="http://schemas.microsoft.com/office/drawing/2014/main" id="{8F55EC88-2FAD-4478-BDDD-6BA3C71B9955}"/>
+              </a:ext>
+            </a:extLst>
+          </p:cNvPr>
+          <p:cNvSpPr txBox="1"/>
+          <p:nvPr/>
+        </p:nvSpPr>
+        <p:spPr>
+          <a:xfrm>
+            <a:off x="4406097" y="2568809"/>
+            <a:ext cx="2108269" cy="369332"/>
+          </a:xfrm>
+          <a:prstGeom prst="rect">
+            <a:avLst/>
+          </a:prstGeom>
+          <a:noFill/>
+        </p:spPr>
+        <p:txBody>
+          <a:bodyPr wrap="none" rtlCol="0">
+            <a:spAutoFit/>
+          </a:bodyPr>
+          <a:lstStyle/>
+          <a:p>
+            <a:r>
+              <a:rPr lang="en-US" dirty="0" err="1"/>
+              <a:t>SpringBoot</a:t>
+            </a:r>
+            <a:r>
+              <a:rPr lang="en-US" dirty="0"/>
+              <a:t> 2.x, 1.5.x</a:t>
+            </a:r>
+          </a:p>
+        </p:txBody>
+      </p:sp>
+    </p:spTree>
+    <p:extLst>
+      <p:ext uri="{BB962C8B-B14F-4D97-AF65-F5344CB8AC3E}">
+        <p14:creationId xmlns:p14="http://schemas.microsoft.com/office/powerpoint/2010/main" val="3227445916"/>
+      </p:ext>
+    </p:extLst>
+  </p:cSld>
+  <p:clrMapOvr>
+    <a:masterClrMapping/>
+  </p:clrMapOvr>
+</p:sld>
+</file>
+
+<file path=ppt/slides/slide9.xml><?xml version="1.0" encoding="utf-8"?>
+<p:sld xmlns:a="http://schemas.openxmlformats.org/drawingml/2006/main" xmlns:r="http://schemas.openxmlformats.org/officeDocument/2006/relationships" xmlns:p="http://schemas.openxmlformats.org/presentationml/2006/main">
+  <p:cSld>
+    <p:spTree>
+      <p:nvGrpSpPr>
+        <p:cNvPr id="1" name=""/>
+        <p:cNvGrpSpPr/>
+        <p:nvPr/>
+      </p:nvGrpSpPr>
+      <p:grpSpPr>
+        <a:xfrm>
+          <a:off x="0" y="0"/>
+          <a:ext cx="0" cy="0"/>
+          <a:chOff x="0" y="0"/>
+          <a:chExt cx="0" cy="0"/>
+        </a:xfrm>
+      </p:grpSpPr>
+      <p:sp>
+        <p:nvSpPr>
+          <p:cNvPr id="2" name="Title 1">
+            <a:extLst>
+              <a:ext uri="{FF2B5EF4-FFF2-40B4-BE49-F238E27FC236}">
+                <a16:creationId xmlns:a16="http://schemas.microsoft.com/office/drawing/2014/main" id="{6CAA408F-51CE-492E-81F5-90F1CF40FEC3}"/>
+              </a:ext>
+            </a:extLst>
+          </p:cNvPr>
+          <p:cNvSpPr>
+            <a:spLocks noGrp="1"/>
+          </p:cNvSpPr>
+          <p:nvPr>
+            <p:ph type="title"/>
+          </p:nvPr>
+        </p:nvSpPr>
+        <p:spPr/>
+        <p:txBody>
+          <a:bodyPr/>
+          <a:lstStyle/>
+          <a:p>
+            <a:r>
+              <a:rPr lang="en-US" dirty="0"/>
+              <a:t>Features</a:t>
+            </a:r>
+          </a:p>
+        </p:txBody>
+      </p:sp>
+      <p:sp>
+        <p:nvSpPr>
+          <p:cNvPr id="3" name="Content Placeholder 2">
+            <a:extLst>
+              <a:ext uri="{FF2B5EF4-FFF2-40B4-BE49-F238E27FC236}">
+                <a16:creationId xmlns:a16="http://schemas.microsoft.com/office/drawing/2014/main" id="{2A12563B-D395-4744-A442-43A01F22856D}"/>
+              </a:ext>
+            </a:extLst>
+          </p:cNvPr>
+          <p:cNvSpPr>
+            <a:spLocks noGrp="1"/>
+          </p:cNvSpPr>
+          <p:nvPr>
+            <p:ph idx="1"/>
+          </p:nvPr>
+        </p:nvSpPr>
+        <p:spPr/>
+        <p:txBody>
+          <a:bodyPr>
+            <a:normAutofit fontScale="77500" lnSpcReduction="20000"/>
+          </a:bodyPr>
+          <a:lstStyle/>
+          <a:p>
+            <a:r>
+              <a:rPr lang="en-US" dirty="0"/>
+              <a:t>Cloudier</a:t>
+            </a:r>
+          </a:p>
+          <a:p>
+            <a:r>
+              <a:rPr lang="en-US" dirty="0"/>
+              <a:t>Microservices</a:t>
+            </a:r>
+          </a:p>
+          <a:p>
+            <a:r>
+              <a:rPr lang="en-US" dirty="0" err="1"/>
+              <a:t>AutoConfiguration</a:t>
+            </a:r>
+            <a:endParaRPr lang="en-US" dirty="0"/>
+          </a:p>
+          <a:p>
+            <a:r>
+              <a:rPr lang="en-US" dirty="0"/>
+              <a:t>Spring Starters</a:t>
+            </a:r>
+          </a:p>
+          <a:p>
+            <a:r>
+              <a:rPr lang="en-US" dirty="0">
+                <a:highlight>
+                  <a:srgbClr val="FFFF00"/>
+                </a:highlight>
+              </a:rPr>
+              <a:t>Spring CLI</a:t>
+            </a:r>
+          </a:p>
+          <a:p>
+            <a:r>
+              <a:rPr lang="en-US" dirty="0" err="1">
+                <a:highlight>
+                  <a:srgbClr val="FFFF00"/>
+                </a:highlight>
+              </a:rPr>
+              <a:t>Embbeded</a:t>
+            </a:r>
+            <a:r>
+              <a:rPr lang="en-US" dirty="0">
+                <a:highlight>
+                  <a:srgbClr val="FFFF00"/>
+                </a:highlight>
+              </a:rPr>
+              <a:t> Server </a:t>
+            </a:r>
+            <a:r>
+              <a:rPr lang="en-US" dirty="0">
+                <a:highlight>
+                  <a:srgbClr val="FFFF00"/>
+                </a:highlight>
+                <a:sym typeface="Wingdings" panose="05000000000000000000" pitchFamily="2" charset="2"/>
+              </a:rPr>
+              <a:t> Tomcat, Jetty, undertow</a:t>
+            </a:r>
+          </a:p>
+          <a:p>
+            <a:r>
+              <a:rPr lang="en-US" b="1" dirty="0">
+                <a:sym typeface="Wingdings" panose="05000000000000000000" pitchFamily="2" charset="2"/>
+              </a:rPr>
+              <a:t>Actuator Support</a:t>
+            </a:r>
+          </a:p>
+          <a:p>
+            <a:r>
+              <a:rPr lang="en-US" b="1" dirty="0">
+                <a:sym typeface="Wingdings" panose="05000000000000000000" pitchFamily="2" charset="2"/>
+              </a:rPr>
+              <a:t>Dev Tool  Live</a:t>
+            </a:r>
+            <a:r>
+              <a:rPr lang="en-US" dirty="0">
+                <a:sym typeface="Wingdings" panose="05000000000000000000" pitchFamily="2" charset="2"/>
+              </a:rPr>
+              <a:t> Reload</a:t>
+            </a:r>
+          </a:p>
+          <a:p>
+            <a:r>
+              <a:rPr lang="en-US" b="1" dirty="0">
+                <a:sym typeface="Wingdings" panose="05000000000000000000" pitchFamily="2" charset="2"/>
+              </a:rPr>
+              <a:t>Data JPA  ORM support</a:t>
+            </a:r>
+          </a:p>
+          <a:p>
+            <a:r>
+              <a:rPr lang="en-US" dirty="0">
+                <a:sym typeface="Wingdings" panose="05000000000000000000" pitchFamily="2" charset="2"/>
+              </a:rPr>
+              <a:t>YAML</a:t>
+            </a:r>
+          </a:p>
+          <a:p>
+            <a:r>
+              <a:rPr lang="en-US" dirty="0">
+                <a:sym typeface="Wingdings" panose="05000000000000000000" pitchFamily="2" charset="2"/>
+              </a:rPr>
+              <a:t>Spring Profiling</a:t>
+            </a:r>
+          </a:p>
+          <a:p>
+            <a:r>
+              <a:rPr lang="en-US" b="1" dirty="0">
+                <a:sym typeface="Wingdings" panose="05000000000000000000" pitchFamily="2" charset="2"/>
+              </a:rPr>
+              <a:t>Spring Cloud  Cloud, Microservices</a:t>
+            </a:r>
+            <a:endParaRPr lang="en-US" b="1" dirty="0"/>
+          </a:p>
+        </p:txBody>
+      </p:sp>
+    </p:spTree>
+    <p:extLst>
+      <p:ext uri="{BB962C8B-B14F-4D97-AF65-F5344CB8AC3E}">
+        <p14:creationId xmlns:p14="http://schemas.microsoft.com/office/powerpoint/2010/main" val="3184589111"/>
       </p:ext>
     </p:extLst>
   </p:cSld>

--- a/FinishingSchool-June.pptx
+++ b/FinishingSchool-June.pptx
@@ -18,6 +18,11 @@
     <p:sldId id="266" r:id="rId12"/>
     <p:sldId id="267" r:id="rId13"/>
     <p:sldId id="268" r:id="rId14"/>
+    <p:sldId id="269" r:id="rId15"/>
+    <p:sldId id="270" r:id="rId16"/>
+    <p:sldId id="271" r:id="rId17"/>
+    <p:sldId id="272" r:id="rId18"/>
+    <p:sldId id="273" r:id="rId19"/>
   </p:sldIdLst>
   <p:sldSz cx="12192000" cy="6858000"/>
   <p:notesSz cx="6858000" cy="9144000"/>
@@ -271,7 +276,7 @@
           <a:p>
             <a:fld id="{5B46E487-55E8-4463-B193-585373129239}" type="datetimeFigureOut">
               <a:rPr lang="en-US" smtClean="0"/>
-              <a:t>6/11/2020</a:t>
+              <a:t>6/12/2020</a:t>
             </a:fld>
             <a:endParaRPr lang="en-US"/>
           </a:p>
@@ -469,7 +474,7 @@
           <a:p>
             <a:fld id="{5B46E487-55E8-4463-B193-585373129239}" type="datetimeFigureOut">
               <a:rPr lang="en-US" smtClean="0"/>
-              <a:t>6/11/2020</a:t>
+              <a:t>6/12/2020</a:t>
             </a:fld>
             <a:endParaRPr lang="en-US"/>
           </a:p>
@@ -677,7 +682,7 @@
           <a:p>
             <a:fld id="{5B46E487-55E8-4463-B193-585373129239}" type="datetimeFigureOut">
               <a:rPr lang="en-US" smtClean="0"/>
-              <a:t>6/11/2020</a:t>
+              <a:t>6/12/2020</a:t>
             </a:fld>
             <a:endParaRPr lang="en-US"/>
           </a:p>
@@ -875,7 +880,7 @@
           <a:p>
             <a:fld id="{5B46E487-55E8-4463-B193-585373129239}" type="datetimeFigureOut">
               <a:rPr lang="en-US" smtClean="0"/>
-              <a:t>6/11/2020</a:t>
+              <a:t>6/12/2020</a:t>
             </a:fld>
             <a:endParaRPr lang="en-US"/>
           </a:p>
@@ -1150,7 +1155,7 @@
           <a:p>
             <a:fld id="{5B46E487-55E8-4463-B193-585373129239}" type="datetimeFigureOut">
               <a:rPr lang="en-US" smtClean="0"/>
-              <a:t>6/11/2020</a:t>
+              <a:t>6/12/2020</a:t>
             </a:fld>
             <a:endParaRPr lang="en-US"/>
           </a:p>
@@ -1415,7 +1420,7 @@
           <a:p>
             <a:fld id="{5B46E487-55E8-4463-B193-585373129239}" type="datetimeFigureOut">
               <a:rPr lang="en-US" smtClean="0"/>
-              <a:t>6/11/2020</a:t>
+              <a:t>6/12/2020</a:t>
             </a:fld>
             <a:endParaRPr lang="en-US"/>
           </a:p>
@@ -1827,7 +1832,7 @@
           <a:p>
             <a:fld id="{5B46E487-55E8-4463-B193-585373129239}" type="datetimeFigureOut">
               <a:rPr lang="en-US" smtClean="0"/>
-              <a:t>6/11/2020</a:t>
+              <a:t>6/12/2020</a:t>
             </a:fld>
             <a:endParaRPr lang="en-US"/>
           </a:p>
@@ -1968,7 +1973,7 @@
           <a:p>
             <a:fld id="{5B46E487-55E8-4463-B193-585373129239}" type="datetimeFigureOut">
               <a:rPr lang="en-US" smtClean="0"/>
-              <a:t>6/11/2020</a:t>
+              <a:t>6/12/2020</a:t>
             </a:fld>
             <a:endParaRPr lang="en-US"/>
           </a:p>
@@ -2081,7 +2086,7 @@
           <a:p>
             <a:fld id="{5B46E487-55E8-4463-B193-585373129239}" type="datetimeFigureOut">
               <a:rPr lang="en-US" smtClean="0"/>
-              <a:t>6/11/2020</a:t>
+              <a:t>6/12/2020</a:t>
             </a:fld>
             <a:endParaRPr lang="en-US"/>
           </a:p>
@@ -2392,7 +2397,7 @@
           <a:p>
             <a:fld id="{5B46E487-55E8-4463-B193-585373129239}" type="datetimeFigureOut">
               <a:rPr lang="en-US" smtClean="0"/>
-              <a:t>6/11/2020</a:t>
+              <a:t>6/12/2020</a:t>
             </a:fld>
             <a:endParaRPr lang="en-US"/>
           </a:p>
@@ -2680,7 +2685,7 @@
           <a:p>
             <a:fld id="{5B46E487-55E8-4463-B193-585373129239}" type="datetimeFigureOut">
               <a:rPr lang="en-US" smtClean="0"/>
-              <a:t>6/11/2020</a:t>
+              <a:t>6/12/2020</a:t>
             </a:fld>
             <a:endParaRPr lang="en-US"/>
           </a:p>
@@ -2921,7 +2926,7 @@
           <a:p>
             <a:fld id="{5B46E487-55E8-4463-B193-585373129239}" type="datetimeFigureOut">
               <a:rPr lang="en-US" smtClean="0"/>
-              <a:t>6/11/2020</a:t>
+              <a:t>6/12/2020</a:t>
             </a:fld>
             <a:endParaRPr lang="en-US"/>
           </a:p>
@@ -3872,7 +3877,10 @@
           <a:bodyPr/>
           <a:lstStyle/>
           <a:p>
-            <a:endParaRPr lang="en-US"/>
+            <a:r>
+              <a:rPr lang="en-US" dirty="0"/>
+              <a:t>Spring Boot Rest + Data JPA</a:t>
+            </a:r>
           </a:p>
         </p:txBody>
       </p:sp>
@@ -3892,12 +3900,521 @@
             <p:ph idx="1"/>
           </p:nvPr>
         </p:nvSpPr>
-        <p:spPr/>
-        <p:txBody>
-          <a:bodyPr/>
-          <a:lstStyle/>
-          <a:p>
-            <a:endParaRPr lang="en-US"/>
+        <p:spPr>
+          <a:xfrm>
+            <a:off x="838200" y="1825625"/>
+            <a:ext cx="6754402" cy="4351338"/>
+          </a:xfrm>
+        </p:spPr>
+        <p:txBody>
+          <a:bodyPr>
+            <a:normAutofit lnSpcReduction="10000"/>
+          </a:bodyPr>
+          <a:lstStyle/>
+          <a:p>
+            <a:r>
+              <a:rPr lang="en-US" dirty="0"/>
+              <a:t>Dependencies </a:t>
+            </a:r>
+          </a:p>
+          <a:p>
+            <a:pPr lvl="1"/>
+            <a:r>
+              <a:rPr lang="en-US" dirty="0"/>
+              <a:t>Web -</a:t>
+            </a:r>
+            <a:r>
+              <a:rPr lang="en-US" b="1" dirty="0">
+                <a:highlight>
+                  <a:srgbClr val="FFFF00"/>
+                </a:highlight>
+              </a:rPr>
+              <a:t>Jackson </a:t>
+            </a:r>
+            <a:r>
+              <a:rPr lang="en-US" b="1" dirty="0" err="1">
+                <a:highlight>
+                  <a:srgbClr val="FFFF00"/>
+                </a:highlight>
+              </a:rPr>
+              <a:t>Databind</a:t>
+            </a:r>
+            <a:endParaRPr lang="en-US" b="1" dirty="0">
+              <a:highlight>
+                <a:srgbClr val="FFFF00"/>
+              </a:highlight>
+            </a:endParaRPr>
+          </a:p>
+          <a:p>
+            <a:r>
+              <a:rPr lang="en-US" strike="sngStrike" dirty="0" err="1"/>
+              <a:t>DispatcherServlet</a:t>
+            </a:r>
+            <a:r>
+              <a:rPr lang="en-US" strike="sngStrike" dirty="0"/>
+              <a:t> </a:t>
+            </a:r>
+            <a:r>
+              <a:rPr lang="en-US" strike="sngStrike" dirty="0">
+                <a:sym typeface="Wingdings" panose="05000000000000000000" pitchFamily="2" charset="2"/>
+              </a:rPr>
+              <a:t> </a:t>
+            </a:r>
+            <a:r>
+              <a:rPr lang="en-US" dirty="0" err="1">
+                <a:sym typeface="Wingdings" panose="05000000000000000000" pitchFamily="2" charset="2"/>
+              </a:rPr>
+              <a:t>AutoConfiguration</a:t>
+            </a:r>
+            <a:endParaRPr lang="en-US" dirty="0">
+              <a:sym typeface="Wingdings" panose="05000000000000000000" pitchFamily="2" charset="2"/>
+            </a:endParaRPr>
+          </a:p>
+          <a:p>
+            <a:r>
+              <a:rPr lang="en-US" dirty="0">
+                <a:sym typeface="Wingdings" panose="05000000000000000000" pitchFamily="2" charset="2"/>
+              </a:rPr>
+              <a:t>@</a:t>
+            </a:r>
+            <a:r>
+              <a:rPr lang="en-US" dirty="0" err="1">
+                <a:sym typeface="Wingdings" panose="05000000000000000000" pitchFamily="2" charset="2"/>
+              </a:rPr>
+              <a:t>RestController</a:t>
+            </a:r>
+            <a:endParaRPr lang="en-US" dirty="0">
+              <a:sym typeface="Wingdings" panose="05000000000000000000" pitchFamily="2" charset="2"/>
+            </a:endParaRPr>
+          </a:p>
+          <a:p>
+            <a:r>
+              <a:rPr lang="en-US" dirty="0">
+                <a:sym typeface="Wingdings" panose="05000000000000000000" pitchFamily="2" charset="2"/>
+              </a:rPr>
+              <a:t>@</a:t>
+            </a:r>
+            <a:r>
+              <a:rPr lang="en-US" dirty="0" err="1">
+                <a:sym typeface="Wingdings" panose="05000000000000000000" pitchFamily="2" charset="2"/>
+              </a:rPr>
+              <a:t>Requestmapping</a:t>
+            </a:r>
+            <a:r>
+              <a:rPr lang="en-US" dirty="0">
+                <a:sym typeface="Wingdings" panose="05000000000000000000" pitchFamily="2" charset="2"/>
+              </a:rPr>
+              <a:t>  URI</a:t>
+            </a:r>
+          </a:p>
+          <a:p>
+            <a:pPr lvl="1"/>
+            <a:r>
+              <a:rPr lang="en-US" dirty="0">
+                <a:sym typeface="Wingdings" panose="05000000000000000000" pitchFamily="2" charset="2"/>
+              </a:rPr>
+              <a:t>@</a:t>
+            </a:r>
+            <a:r>
+              <a:rPr lang="en-US" dirty="0" err="1">
+                <a:sym typeface="Wingdings" panose="05000000000000000000" pitchFamily="2" charset="2"/>
+              </a:rPr>
+              <a:t>getMapping</a:t>
+            </a:r>
+            <a:r>
+              <a:rPr lang="en-US" dirty="0">
+                <a:sym typeface="Wingdings" panose="05000000000000000000" pitchFamily="2" charset="2"/>
+              </a:rPr>
+              <a:t> 	 get resources from server</a:t>
+            </a:r>
+          </a:p>
+          <a:p>
+            <a:pPr lvl="1"/>
+            <a:r>
+              <a:rPr lang="en-US" dirty="0">
+                <a:sym typeface="Wingdings" panose="05000000000000000000" pitchFamily="2" charset="2"/>
+              </a:rPr>
+              <a:t>@</a:t>
+            </a:r>
+            <a:r>
+              <a:rPr lang="en-US" dirty="0" err="1">
+                <a:sym typeface="Wingdings" panose="05000000000000000000" pitchFamily="2" charset="2"/>
+              </a:rPr>
+              <a:t>DeleteMapping</a:t>
+            </a:r>
+            <a:r>
+              <a:rPr lang="en-US" dirty="0">
+                <a:sym typeface="Wingdings" panose="05000000000000000000" pitchFamily="2" charset="2"/>
+              </a:rPr>
+              <a:t>  delete resource</a:t>
+            </a:r>
+          </a:p>
+          <a:p>
+            <a:pPr lvl="1"/>
+            <a:r>
+              <a:rPr lang="en-US" dirty="0">
+                <a:sym typeface="Wingdings" panose="05000000000000000000" pitchFamily="2" charset="2"/>
+              </a:rPr>
+              <a:t>@</a:t>
+            </a:r>
+            <a:r>
+              <a:rPr lang="en-US" dirty="0" err="1">
+                <a:sym typeface="Wingdings" panose="05000000000000000000" pitchFamily="2" charset="2"/>
+              </a:rPr>
+              <a:t>PutMapping</a:t>
+            </a:r>
+            <a:r>
+              <a:rPr lang="en-US" dirty="0">
+                <a:sym typeface="Wingdings" panose="05000000000000000000" pitchFamily="2" charset="2"/>
+              </a:rPr>
+              <a:t>  update resources</a:t>
+            </a:r>
+          </a:p>
+          <a:p>
+            <a:pPr lvl="1"/>
+            <a:r>
+              <a:rPr lang="en-US" dirty="0">
+                <a:sym typeface="Wingdings" panose="05000000000000000000" pitchFamily="2" charset="2"/>
+              </a:rPr>
+              <a:t>@</a:t>
+            </a:r>
+            <a:r>
+              <a:rPr lang="en-US" dirty="0" err="1">
+                <a:sym typeface="Wingdings" panose="05000000000000000000" pitchFamily="2" charset="2"/>
+              </a:rPr>
+              <a:t>PatchMapping</a:t>
+            </a:r>
+            <a:r>
+              <a:rPr lang="en-US" dirty="0">
+                <a:sym typeface="Wingdings" panose="05000000000000000000" pitchFamily="2" charset="2"/>
+              </a:rPr>
+              <a:t>  partial update</a:t>
+            </a:r>
+          </a:p>
+          <a:p>
+            <a:pPr lvl="1"/>
+            <a:r>
+              <a:rPr lang="en-US" dirty="0">
+                <a:sym typeface="Wingdings" panose="05000000000000000000" pitchFamily="2" charset="2"/>
+              </a:rPr>
+              <a:t>@</a:t>
+            </a:r>
+            <a:r>
+              <a:rPr lang="en-US" dirty="0" err="1">
+                <a:sym typeface="Wingdings" panose="05000000000000000000" pitchFamily="2" charset="2"/>
+              </a:rPr>
+              <a:t>PostMapping</a:t>
+            </a:r>
+            <a:r>
+              <a:rPr lang="en-US" dirty="0">
+                <a:sym typeface="Wingdings" panose="05000000000000000000" pitchFamily="2" charset="2"/>
+              </a:rPr>
+              <a:t> </a:t>
+            </a:r>
+            <a:r>
+              <a:rPr lang="en-US" dirty="0">
+                <a:highlight>
+                  <a:srgbClr val="FFFF00"/>
+                </a:highlight>
+                <a:sym typeface="Wingdings" panose="05000000000000000000" pitchFamily="2" charset="2"/>
+              </a:rPr>
+              <a:t> create resources</a:t>
+            </a:r>
+            <a:endParaRPr lang="en-US" dirty="0">
+              <a:highlight>
+                <a:srgbClr val="FFFF00"/>
+              </a:highlight>
+            </a:endParaRPr>
+          </a:p>
+        </p:txBody>
+      </p:sp>
+      <p:sp>
+        <p:nvSpPr>
+          <p:cNvPr id="4" name="Content Placeholder 2">
+            <a:extLst>
+              <a:ext uri="{FF2B5EF4-FFF2-40B4-BE49-F238E27FC236}">
+                <a16:creationId xmlns:a16="http://schemas.microsoft.com/office/drawing/2014/main" id="{8447244A-E468-461E-B155-1FED59809887}"/>
+              </a:ext>
+            </a:extLst>
+          </p:cNvPr>
+          <p:cNvSpPr txBox="1">
+            <a:spLocks/>
+          </p:cNvSpPr>
+          <p:nvPr/>
+        </p:nvSpPr>
+        <p:spPr>
+          <a:xfrm>
+            <a:off x="7203040" y="1690688"/>
+            <a:ext cx="4988960" cy="4351338"/>
+          </a:xfrm>
+          <a:prstGeom prst="rect">
+            <a:avLst/>
+          </a:prstGeom>
+        </p:spPr>
+        <p:txBody>
+          <a:bodyPr vert="horz" lIns="91440" tIns="45720" rIns="91440" bIns="45720" rtlCol="0">
+            <a:normAutofit/>
+          </a:bodyPr>
+          <a:lstStyle>
+            <a:lvl1pPr marL="228600" indent="-228600" algn="l" defTabSz="914400" rtl="0" eaLnBrk="1" latinLnBrk="0" hangingPunct="1">
+              <a:lnSpc>
+                <a:spcPct val="90000"/>
+              </a:lnSpc>
+              <a:spcBef>
+                <a:spcPts val="1000"/>
+              </a:spcBef>
+              <a:buFont typeface="Arial" panose="020B0604020202020204" pitchFamily="34" charset="0"/>
+              <a:buChar char="•"/>
+              <a:defRPr sz="2800" kern="1200">
+                <a:solidFill>
+                  <a:schemeClr val="tx1"/>
+                </a:solidFill>
+                <a:latin typeface="+mn-lt"/>
+                <a:ea typeface="+mn-ea"/>
+                <a:cs typeface="+mn-cs"/>
+              </a:defRPr>
+            </a:lvl1pPr>
+            <a:lvl2pPr marL="685800" indent="-228600" algn="l" defTabSz="914400" rtl="0" eaLnBrk="1" latinLnBrk="0" hangingPunct="1">
+              <a:lnSpc>
+                <a:spcPct val="90000"/>
+              </a:lnSpc>
+              <a:spcBef>
+                <a:spcPts val="500"/>
+              </a:spcBef>
+              <a:buFont typeface="Arial" panose="020B0604020202020204" pitchFamily="34" charset="0"/>
+              <a:buChar char="•"/>
+              <a:defRPr sz="2400" kern="1200">
+                <a:solidFill>
+                  <a:schemeClr val="tx1"/>
+                </a:solidFill>
+                <a:latin typeface="+mn-lt"/>
+                <a:ea typeface="+mn-ea"/>
+                <a:cs typeface="+mn-cs"/>
+              </a:defRPr>
+            </a:lvl2pPr>
+            <a:lvl3pPr marL="1143000" indent="-228600" algn="l" defTabSz="914400" rtl="0" eaLnBrk="1" latinLnBrk="0" hangingPunct="1">
+              <a:lnSpc>
+                <a:spcPct val="90000"/>
+              </a:lnSpc>
+              <a:spcBef>
+                <a:spcPts val="500"/>
+              </a:spcBef>
+              <a:buFont typeface="Arial" panose="020B0604020202020204" pitchFamily="34" charset="0"/>
+              <a:buChar char="•"/>
+              <a:defRPr sz="2000" kern="1200">
+                <a:solidFill>
+                  <a:schemeClr val="tx1"/>
+                </a:solidFill>
+                <a:latin typeface="+mn-lt"/>
+                <a:ea typeface="+mn-ea"/>
+                <a:cs typeface="+mn-cs"/>
+              </a:defRPr>
+            </a:lvl3pPr>
+            <a:lvl4pPr marL="1600200" indent="-228600" algn="l" defTabSz="914400" rtl="0" eaLnBrk="1" latinLnBrk="0" hangingPunct="1">
+              <a:lnSpc>
+                <a:spcPct val="90000"/>
+              </a:lnSpc>
+              <a:spcBef>
+                <a:spcPts val="500"/>
+              </a:spcBef>
+              <a:buFont typeface="Arial" panose="020B0604020202020204" pitchFamily="34" charset="0"/>
+              <a:buChar char="•"/>
+              <a:defRPr sz="1800" kern="1200">
+                <a:solidFill>
+                  <a:schemeClr val="tx1"/>
+                </a:solidFill>
+                <a:latin typeface="+mn-lt"/>
+                <a:ea typeface="+mn-ea"/>
+                <a:cs typeface="+mn-cs"/>
+              </a:defRPr>
+            </a:lvl4pPr>
+            <a:lvl5pPr marL="2057400" indent="-228600" algn="l" defTabSz="914400" rtl="0" eaLnBrk="1" latinLnBrk="0" hangingPunct="1">
+              <a:lnSpc>
+                <a:spcPct val="90000"/>
+              </a:lnSpc>
+              <a:spcBef>
+                <a:spcPts val="500"/>
+              </a:spcBef>
+              <a:buFont typeface="Arial" panose="020B0604020202020204" pitchFamily="34" charset="0"/>
+              <a:buChar char="•"/>
+              <a:defRPr sz="1800" kern="1200">
+                <a:solidFill>
+                  <a:schemeClr val="tx1"/>
+                </a:solidFill>
+                <a:latin typeface="+mn-lt"/>
+                <a:ea typeface="+mn-ea"/>
+                <a:cs typeface="+mn-cs"/>
+              </a:defRPr>
+            </a:lvl5pPr>
+            <a:lvl6pPr marL="2514600" indent="-228600" algn="l" defTabSz="914400" rtl="0" eaLnBrk="1" latinLnBrk="0" hangingPunct="1">
+              <a:lnSpc>
+                <a:spcPct val="90000"/>
+              </a:lnSpc>
+              <a:spcBef>
+                <a:spcPts val="500"/>
+              </a:spcBef>
+              <a:buFont typeface="Arial" panose="020B0604020202020204" pitchFamily="34" charset="0"/>
+              <a:buChar char="•"/>
+              <a:defRPr sz="1800" kern="1200">
+                <a:solidFill>
+                  <a:schemeClr val="tx1"/>
+                </a:solidFill>
+                <a:latin typeface="+mn-lt"/>
+                <a:ea typeface="+mn-ea"/>
+                <a:cs typeface="+mn-cs"/>
+              </a:defRPr>
+            </a:lvl6pPr>
+            <a:lvl7pPr marL="2971800" indent="-228600" algn="l" defTabSz="914400" rtl="0" eaLnBrk="1" latinLnBrk="0" hangingPunct="1">
+              <a:lnSpc>
+                <a:spcPct val="90000"/>
+              </a:lnSpc>
+              <a:spcBef>
+                <a:spcPts val="500"/>
+              </a:spcBef>
+              <a:buFont typeface="Arial" panose="020B0604020202020204" pitchFamily="34" charset="0"/>
+              <a:buChar char="•"/>
+              <a:defRPr sz="1800" kern="1200">
+                <a:solidFill>
+                  <a:schemeClr val="tx1"/>
+                </a:solidFill>
+                <a:latin typeface="+mn-lt"/>
+                <a:ea typeface="+mn-ea"/>
+                <a:cs typeface="+mn-cs"/>
+              </a:defRPr>
+            </a:lvl7pPr>
+            <a:lvl8pPr marL="3429000" indent="-228600" algn="l" defTabSz="914400" rtl="0" eaLnBrk="1" latinLnBrk="0" hangingPunct="1">
+              <a:lnSpc>
+                <a:spcPct val="90000"/>
+              </a:lnSpc>
+              <a:spcBef>
+                <a:spcPts val="500"/>
+              </a:spcBef>
+              <a:buFont typeface="Arial" panose="020B0604020202020204" pitchFamily="34" charset="0"/>
+              <a:buChar char="•"/>
+              <a:defRPr sz="1800" kern="1200">
+                <a:solidFill>
+                  <a:schemeClr val="tx1"/>
+                </a:solidFill>
+                <a:latin typeface="+mn-lt"/>
+                <a:ea typeface="+mn-ea"/>
+                <a:cs typeface="+mn-cs"/>
+              </a:defRPr>
+            </a:lvl8pPr>
+            <a:lvl9pPr marL="3886200" indent="-228600" algn="l" defTabSz="914400" rtl="0" eaLnBrk="1" latinLnBrk="0" hangingPunct="1">
+              <a:lnSpc>
+                <a:spcPct val="90000"/>
+              </a:lnSpc>
+              <a:spcBef>
+                <a:spcPts val="500"/>
+              </a:spcBef>
+              <a:buFont typeface="Arial" panose="020B0604020202020204" pitchFamily="34" charset="0"/>
+              <a:buChar char="•"/>
+              <a:defRPr sz="1800" kern="1200">
+                <a:solidFill>
+                  <a:schemeClr val="tx1"/>
+                </a:solidFill>
+                <a:latin typeface="+mn-lt"/>
+                <a:ea typeface="+mn-ea"/>
+                <a:cs typeface="+mn-cs"/>
+              </a:defRPr>
+            </a:lvl9pPr>
+          </a:lstStyle>
+          <a:p>
+            <a:r>
+              <a:rPr lang="en-US" dirty="0"/>
+              <a:t>Response Entity</a:t>
+            </a:r>
+          </a:p>
+          <a:p>
+            <a:pPr lvl="1"/>
+            <a:r>
+              <a:rPr lang="en-US" dirty="0" err="1"/>
+              <a:t>ResponseBody</a:t>
+            </a:r>
+            <a:r>
+              <a:rPr lang="en-US" dirty="0"/>
+              <a:t> + </a:t>
+            </a:r>
+            <a:r>
+              <a:rPr lang="en-US" dirty="0" err="1"/>
+              <a:t>HttpStatus</a:t>
+            </a:r>
+            <a:endParaRPr lang="en-US" dirty="0"/>
+          </a:p>
+          <a:p>
+            <a:r>
+              <a:rPr lang="en-US" dirty="0"/>
+              <a:t>@</a:t>
+            </a:r>
+            <a:r>
+              <a:rPr lang="en-US" dirty="0" err="1"/>
+              <a:t>RequestBody</a:t>
+            </a:r>
+            <a:endParaRPr lang="en-US" dirty="0"/>
+          </a:p>
+          <a:p>
+            <a:r>
+              <a:rPr lang="en-US" dirty="0"/>
+              <a:t>@</a:t>
+            </a:r>
+            <a:r>
+              <a:rPr lang="en-US" dirty="0" err="1"/>
+              <a:t>PathVariable</a:t>
+            </a:r>
+            <a:endParaRPr lang="en-US" dirty="0"/>
+          </a:p>
+          <a:p>
+            <a:pPr lvl="1"/>
+            <a:r>
+              <a:rPr lang="en-US" dirty="0"/>
+              <a:t>Retrieve URI parameters</a:t>
+            </a:r>
+          </a:p>
+          <a:p>
+            <a:r>
+              <a:rPr lang="en-US" b="1" dirty="0">
+                <a:highlight>
+                  <a:srgbClr val="FFFF00"/>
+                </a:highlight>
+              </a:rPr>
+              <a:t>Jackson </a:t>
+            </a:r>
+            <a:r>
+              <a:rPr lang="en-US" b="1" dirty="0" err="1">
+                <a:highlight>
+                  <a:srgbClr val="FFFF00"/>
+                </a:highlight>
+              </a:rPr>
+              <a:t>Databind</a:t>
+            </a:r>
+            <a:endParaRPr lang="en-US" b="1" dirty="0">
+              <a:highlight>
+                <a:srgbClr val="FFFF00"/>
+              </a:highlight>
+            </a:endParaRPr>
+          </a:p>
+          <a:p>
+            <a:pPr lvl="1"/>
+            <a:r>
+              <a:rPr lang="en-US" dirty="0"/>
+              <a:t> java </a:t>
+            </a:r>
+            <a:r>
+              <a:rPr lang="en-US" dirty="0">
+                <a:sym typeface="Wingdings" panose="05000000000000000000" pitchFamily="2" charset="2"/>
+              </a:rPr>
+              <a:t> JSON</a:t>
+            </a:r>
+          </a:p>
+          <a:p>
+            <a:pPr lvl="1"/>
+            <a:r>
+              <a:rPr lang="en-US" dirty="0">
+                <a:sym typeface="Wingdings" panose="05000000000000000000" pitchFamily="2" charset="2"/>
+              </a:rPr>
+              <a:t>JSON  java</a:t>
+            </a:r>
+            <a:endParaRPr lang="en-US" dirty="0"/>
           </a:p>
         </p:txBody>
       </p:sp>
@@ -3905,6 +4422,1291 @@
     <p:extLst>
       <p:ext uri="{BB962C8B-B14F-4D97-AF65-F5344CB8AC3E}">
         <p14:creationId xmlns:p14="http://schemas.microsoft.com/office/powerpoint/2010/main" val="1074600617"/>
+      </p:ext>
+    </p:extLst>
+  </p:cSld>
+  <p:clrMapOvr>
+    <a:masterClrMapping/>
+  </p:clrMapOvr>
+</p:sld>
+</file>
+
+<file path=ppt/slides/slide14.xml><?xml version="1.0" encoding="utf-8"?>
+<p:sld xmlns:a="http://schemas.openxmlformats.org/drawingml/2006/main" xmlns:r="http://schemas.openxmlformats.org/officeDocument/2006/relationships" xmlns:p="http://schemas.openxmlformats.org/presentationml/2006/main">
+  <p:cSld>
+    <p:spTree>
+      <p:nvGrpSpPr>
+        <p:cNvPr id="1" name=""/>
+        <p:cNvGrpSpPr/>
+        <p:nvPr/>
+      </p:nvGrpSpPr>
+      <p:grpSpPr>
+        <a:xfrm>
+          <a:off x="0" y="0"/>
+          <a:ext cx="0" cy="0"/>
+          <a:chOff x="0" y="0"/>
+          <a:chExt cx="0" cy="0"/>
+        </a:xfrm>
+      </p:grpSpPr>
+      <p:sp>
+        <p:nvSpPr>
+          <p:cNvPr id="2" name="Title 1">
+            <a:extLst>
+              <a:ext uri="{FF2B5EF4-FFF2-40B4-BE49-F238E27FC236}">
+                <a16:creationId xmlns:a16="http://schemas.microsoft.com/office/drawing/2014/main" id="{2E40F395-4499-4096-98BC-35CE0689E7A7}"/>
+              </a:ext>
+            </a:extLst>
+          </p:cNvPr>
+          <p:cNvSpPr>
+            <a:spLocks noGrp="1"/>
+          </p:cNvSpPr>
+          <p:nvPr>
+            <p:ph type="title"/>
+          </p:nvPr>
+        </p:nvSpPr>
+        <p:spPr/>
+        <p:txBody>
+          <a:bodyPr/>
+          <a:lstStyle/>
+          <a:p>
+            <a:r>
+              <a:rPr lang="en-US" dirty="0"/>
+              <a:t>Spring Data JPA</a:t>
+            </a:r>
+          </a:p>
+        </p:txBody>
+      </p:sp>
+      <p:sp>
+        <p:nvSpPr>
+          <p:cNvPr id="3" name="Content Placeholder 2">
+            <a:extLst>
+              <a:ext uri="{FF2B5EF4-FFF2-40B4-BE49-F238E27FC236}">
+                <a16:creationId xmlns:a16="http://schemas.microsoft.com/office/drawing/2014/main" id="{B509B5AB-5054-4874-9684-8A565EB6A944}"/>
+              </a:ext>
+            </a:extLst>
+          </p:cNvPr>
+          <p:cNvSpPr>
+            <a:spLocks noGrp="1"/>
+          </p:cNvSpPr>
+          <p:nvPr>
+            <p:ph idx="1"/>
+          </p:nvPr>
+        </p:nvSpPr>
+        <p:spPr/>
+        <p:txBody>
+          <a:bodyPr>
+            <a:normAutofit lnSpcReduction="10000"/>
+          </a:bodyPr>
+          <a:lstStyle/>
+          <a:p>
+            <a:r>
+              <a:rPr lang="en-US" dirty="0"/>
+              <a:t>Sub Project of SB</a:t>
+            </a:r>
+          </a:p>
+          <a:p>
+            <a:r>
+              <a:rPr lang="en-US" dirty="0"/>
+              <a:t>Dependencies</a:t>
+            </a:r>
+          </a:p>
+          <a:p>
+            <a:pPr lvl="1"/>
+            <a:r>
+              <a:rPr lang="en-US" dirty="0"/>
+              <a:t>Data JPA + DB specific jar</a:t>
+            </a:r>
+          </a:p>
+          <a:p>
+            <a:r>
+              <a:rPr lang="en-US" strike="sngStrike" dirty="0"/>
+              <a:t>Configurations </a:t>
+            </a:r>
+            <a:r>
+              <a:rPr lang="en-US" strike="sngStrike" dirty="0">
+                <a:sym typeface="Wingdings" panose="05000000000000000000" pitchFamily="2" charset="2"/>
+              </a:rPr>
+              <a:t> Beans (</a:t>
+            </a:r>
+            <a:r>
+              <a:rPr lang="en-US" strike="sngStrike" dirty="0" err="1">
+                <a:sym typeface="Wingdings" panose="05000000000000000000" pitchFamily="2" charset="2"/>
+              </a:rPr>
+              <a:t>EntitymanagerFactory</a:t>
+            </a:r>
+            <a:r>
+              <a:rPr lang="en-US" strike="sngStrike" dirty="0">
+                <a:sym typeface="Wingdings" panose="05000000000000000000" pitchFamily="2" charset="2"/>
+              </a:rPr>
+              <a:t>, JPA </a:t>
+            </a:r>
+            <a:r>
+              <a:rPr lang="en-US" strike="sngStrike" dirty="0" err="1">
+                <a:sym typeface="Wingdings" panose="05000000000000000000" pitchFamily="2" charset="2"/>
+              </a:rPr>
+              <a:t>transactionmanager</a:t>
+            </a:r>
+            <a:r>
+              <a:rPr lang="en-US" strike="sngStrike" dirty="0">
+                <a:sym typeface="Wingdings" panose="05000000000000000000" pitchFamily="2" charset="2"/>
+              </a:rPr>
+              <a:t>, @</a:t>
+            </a:r>
+            <a:r>
+              <a:rPr lang="en-US" strike="sngStrike" dirty="0" err="1">
+                <a:sym typeface="Wingdings" panose="05000000000000000000" pitchFamily="2" charset="2"/>
+              </a:rPr>
+              <a:t>EnabeTransactionManagement</a:t>
+            </a:r>
+            <a:r>
+              <a:rPr lang="en-US" dirty="0">
+                <a:sym typeface="Wingdings" panose="05000000000000000000" pitchFamily="2" charset="2"/>
+              </a:rPr>
+              <a:t>)</a:t>
+            </a:r>
+          </a:p>
+          <a:p>
+            <a:r>
+              <a:rPr lang="en-US" dirty="0" err="1">
+                <a:sym typeface="Wingdings" panose="05000000000000000000" pitchFamily="2" charset="2"/>
+              </a:rPr>
+              <a:t>application.properties</a:t>
+            </a:r>
+            <a:r>
+              <a:rPr lang="en-US" dirty="0">
+                <a:sym typeface="Wingdings" panose="05000000000000000000" pitchFamily="2" charset="2"/>
+              </a:rPr>
+              <a:t>  </a:t>
+            </a:r>
+            <a:r>
+              <a:rPr lang="en-US" dirty="0" err="1">
+                <a:sym typeface="Wingdings" panose="05000000000000000000" pitchFamily="2" charset="2"/>
+              </a:rPr>
+              <a:t>url</a:t>
+            </a:r>
+            <a:r>
+              <a:rPr lang="en-US" dirty="0">
+                <a:sym typeface="Wingdings" panose="05000000000000000000" pitchFamily="2" charset="2"/>
+              </a:rPr>
+              <a:t>, username, </a:t>
+            </a:r>
+            <a:r>
+              <a:rPr lang="en-US" dirty="0" err="1">
+                <a:sym typeface="Wingdings" panose="05000000000000000000" pitchFamily="2" charset="2"/>
+              </a:rPr>
+              <a:t>pwd</a:t>
+            </a:r>
+            <a:r>
+              <a:rPr lang="en-US" dirty="0">
+                <a:sym typeface="Wingdings" panose="05000000000000000000" pitchFamily="2" charset="2"/>
+              </a:rPr>
+              <a:t>, </a:t>
+            </a:r>
+            <a:r>
+              <a:rPr lang="en-US" dirty="0" err="1">
+                <a:sym typeface="Wingdings" panose="05000000000000000000" pitchFamily="2" charset="2"/>
+              </a:rPr>
+              <a:t>dbname</a:t>
+            </a:r>
+            <a:r>
+              <a:rPr lang="en-US" dirty="0">
+                <a:sym typeface="Wingdings" panose="05000000000000000000" pitchFamily="2" charset="2"/>
+              </a:rPr>
+              <a:t>  </a:t>
+            </a:r>
+            <a:r>
+              <a:rPr lang="en-US" dirty="0" err="1">
+                <a:sym typeface="Wingdings" panose="05000000000000000000" pitchFamily="2" charset="2"/>
+              </a:rPr>
+              <a:t>datasource</a:t>
+            </a:r>
+            <a:endParaRPr lang="en-US" dirty="0">
+              <a:sym typeface="Wingdings" panose="05000000000000000000" pitchFamily="2" charset="2"/>
+            </a:endParaRPr>
+          </a:p>
+          <a:p>
+            <a:r>
+              <a:rPr lang="en-US" dirty="0">
+                <a:sym typeface="Wingdings" panose="05000000000000000000" pitchFamily="2" charset="2"/>
+              </a:rPr>
+              <a:t>DAO Layer</a:t>
+            </a:r>
+          </a:p>
+          <a:p>
+            <a:pPr lvl="1"/>
+            <a:r>
+              <a:rPr lang="en-US" dirty="0" err="1">
+                <a:sym typeface="Wingdings" panose="05000000000000000000" pitchFamily="2" charset="2"/>
+              </a:rPr>
+              <a:t>JPARepository</a:t>
+            </a:r>
+            <a:endParaRPr lang="en-US" dirty="0">
+              <a:sym typeface="Wingdings" panose="05000000000000000000" pitchFamily="2" charset="2"/>
+            </a:endParaRPr>
+          </a:p>
+          <a:p>
+            <a:pPr lvl="1"/>
+            <a:r>
+              <a:rPr lang="en-US" strike="sngStrike" dirty="0">
+                <a:sym typeface="Wingdings" panose="05000000000000000000" pitchFamily="2" charset="2"/>
+              </a:rPr>
+              <a:t>No </a:t>
+            </a:r>
+            <a:r>
+              <a:rPr lang="en-US" strike="sngStrike" dirty="0" err="1">
+                <a:sym typeface="Wingdings" panose="05000000000000000000" pitchFamily="2" charset="2"/>
+              </a:rPr>
+              <a:t>Daoimpl</a:t>
+            </a:r>
+            <a:r>
+              <a:rPr lang="en-US" strike="sngStrike" dirty="0">
+                <a:sym typeface="Wingdings" panose="05000000000000000000" pitchFamily="2" charset="2"/>
+              </a:rPr>
+              <a:t> Class</a:t>
+            </a:r>
+          </a:p>
+          <a:p>
+            <a:pPr lvl="1"/>
+            <a:r>
+              <a:rPr lang="en-US" dirty="0">
+                <a:sym typeface="Wingdings" panose="05000000000000000000" pitchFamily="2" charset="2"/>
+              </a:rPr>
+              <a:t>JPQL Query  method </a:t>
+            </a:r>
+          </a:p>
+          <a:p>
+            <a:endParaRPr lang="en-US" dirty="0"/>
+          </a:p>
+        </p:txBody>
+      </p:sp>
+    </p:spTree>
+    <p:extLst>
+      <p:ext uri="{BB962C8B-B14F-4D97-AF65-F5344CB8AC3E}">
+        <p14:creationId xmlns:p14="http://schemas.microsoft.com/office/powerpoint/2010/main" val="3240285780"/>
+      </p:ext>
+    </p:extLst>
+  </p:cSld>
+  <p:clrMapOvr>
+    <a:masterClrMapping/>
+  </p:clrMapOvr>
+</p:sld>
+</file>
+
+<file path=ppt/slides/slide15.xml><?xml version="1.0" encoding="utf-8"?>
+<p:sld xmlns:a="http://schemas.openxmlformats.org/drawingml/2006/main" xmlns:r="http://schemas.openxmlformats.org/officeDocument/2006/relationships" xmlns:p="http://schemas.openxmlformats.org/presentationml/2006/main">
+  <p:cSld>
+    <p:spTree>
+      <p:nvGrpSpPr>
+        <p:cNvPr id="1" name=""/>
+        <p:cNvGrpSpPr/>
+        <p:nvPr/>
+      </p:nvGrpSpPr>
+      <p:grpSpPr>
+        <a:xfrm>
+          <a:off x="0" y="0"/>
+          <a:ext cx="0" cy="0"/>
+          <a:chOff x="0" y="0"/>
+          <a:chExt cx="0" cy="0"/>
+        </a:xfrm>
+      </p:grpSpPr>
+      <p:sp>
+        <p:nvSpPr>
+          <p:cNvPr id="2" name="Title 1">
+            <a:extLst>
+              <a:ext uri="{FF2B5EF4-FFF2-40B4-BE49-F238E27FC236}">
+                <a16:creationId xmlns:a16="http://schemas.microsoft.com/office/drawing/2014/main" id="{16942FF1-1C72-432C-8D1B-2A27180C57EE}"/>
+              </a:ext>
+            </a:extLst>
+          </p:cNvPr>
+          <p:cNvSpPr>
+            <a:spLocks noGrp="1"/>
+          </p:cNvSpPr>
+          <p:nvPr>
+            <p:ph type="title"/>
+          </p:nvPr>
+        </p:nvSpPr>
+        <p:spPr/>
+        <p:txBody>
+          <a:bodyPr/>
+          <a:lstStyle/>
+          <a:p>
+            <a:r>
+              <a:rPr lang="en-US" dirty="0"/>
+              <a:t>Data JPA</a:t>
+            </a:r>
+          </a:p>
+        </p:txBody>
+      </p:sp>
+      <p:sp>
+        <p:nvSpPr>
+          <p:cNvPr id="4" name="Rectangle 3">
+            <a:extLst>
+              <a:ext uri="{FF2B5EF4-FFF2-40B4-BE49-F238E27FC236}">
+                <a16:creationId xmlns:a16="http://schemas.microsoft.com/office/drawing/2014/main" id="{E03B7F48-C509-484C-8041-18138FC56D08}"/>
+              </a:ext>
+            </a:extLst>
+          </p:cNvPr>
+          <p:cNvSpPr/>
+          <p:nvPr/>
+        </p:nvSpPr>
+        <p:spPr>
+          <a:xfrm>
+            <a:off x="3154166" y="1500027"/>
+            <a:ext cx="2578814" cy="729465"/>
+          </a:xfrm>
+          <a:prstGeom prst="rect">
+            <a:avLst/>
+          </a:prstGeom>
+        </p:spPr>
+        <p:style>
+          <a:lnRef idx="2">
+            <a:schemeClr val="accent1">
+              <a:shade val="50000"/>
+            </a:schemeClr>
+          </a:lnRef>
+          <a:fillRef idx="1">
+            <a:schemeClr val="accent1"/>
+          </a:fillRef>
+          <a:effectRef idx="0">
+            <a:schemeClr val="accent1"/>
+          </a:effectRef>
+          <a:fontRef idx="minor">
+            <a:schemeClr val="lt1"/>
+          </a:fontRef>
+        </p:style>
+        <p:txBody>
+          <a:bodyPr rtlCol="0" anchor="ctr"/>
+          <a:lstStyle/>
+          <a:p>
+            <a:pPr algn="ctr"/>
+            <a:r>
+              <a:rPr lang="en-US" dirty="0"/>
+              <a:t>Repository</a:t>
+            </a:r>
+          </a:p>
+        </p:txBody>
+      </p:sp>
+      <p:sp>
+        <p:nvSpPr>
+          <p:cNvPr id="5" name="Rectangle 4">
+            <a:extLst>
+              <a:ext uri="{FF2B5EF4-FFF2-40B4-BE49-F238E27FC236}">
+                <a16:creationId xmlns:a16="http://schemas.microsoft.com/office/drawing/2014/main" id="{1D6D72E5-4755-41D0-B2F5-37626AB468B8}"/>
+              </a:ext>
+            </a:extLst>
+          </p:cNvPr>
+          <p:cNvSpPr/>
+          <p:nvPr/>
+        </p:nvSpPr>
+        <p:spPr>
+          <a:xfrm>
+            <a:off x="3154166" y="2999661"/>
+            <a:ext cx="2578814" cy="729465"/>
+          </a:xfrm>
+          <a:prstGeom prst="rect">
+            <a:avLst/>
+          </a:prstGeom>
+        </p:spPr>
+        <p:style>
+          <a:lnRef idx="2">
+            <a:schemeClr val="accent1">
+              <a:shade val="50000"/>
+            </a:schemeClr>
+          </a:lnRef>
+          <a:fillRef idx="1">
+            <a:schemeClr val="accent1"/>
+          </a:fillRef>
+          <a:effectRef idx="0">
+            <a:schemeClr val="accent1"/>
+          </a:effectRef>
+          <a:fontRef idx="minor">
+            <a:schemeClr val="lt1"/>
+          </a:fontRef>
+        </p:style>
+        <p:txBody>
+          <a:bodyPr rtlCol="0" anchor="ctr"/>
+          <a:lstStyle/>
+          <a:p>
+            <a:pPr algn="ctr"/>
+            <a:r>
+              <a:rPr lang="en-US" dirty="0" err="1"/>
+              <a:t>CRUDRepository</a:t>
+            </a:r>
+            <a:endParaRPr lang="en-US" dirty="0"/>
+          </a:p>
+        </p:txBody>
+      </p:sp>
+      <p:sp>
+        <p:nvSpPr>
+          <p:cNvPr id="6" name="Rectangle 5">
+            <a:extLst>
+              <a:ext uri="{FF2B5EF4-FFF2-40B4-BE49-F238E27FC236}">
+                <a16:creationId xmlns:a16="http://schemas.microsoft.com/office/drawing/2014/main" id="{F94AF0B5-A609-4350-A33F-F08C9AC81CD5}"/>
+              </a:ext>
+            </a:extLst>
+          </p:cNvPr>
+          <p:cNvSpPr/>
+          <p:nvPr/>
+        </p:nvSpPr>
+        <p:spPr>
+          <a:xfrm>
+            <a:off x="3154166" y="4628508"/>
+            <a:ext cx="2578814" cy="729465"/>
+          </a:xfrm>
+          <a:prstGeom prst="rect">
+            <a:avLst/>
+          </a:prstGeom>
+        </p:spPr>
+        <p:style>
+          <a:lnRef idx="2">
+            <a:schemeClr val="accent1">
+              <a:shade val="50000"/>
+            </a:schemeClr>
+          </a:lnRef>
+          <a:fillRef idx="1">
+            <a:schemeClr val="accent1"/>
+          </a:fillRef>
+          <a:effectRef idx="0">
+            <a:schemeClr val="accent1"/>
+          </a:effectRef>
+          <a:fontRef idx="minor">
+            <a:schemeClr val="lt1"/>
+          </a:fontRef>
+        </p:style>
+        <p:txBody>
+          <a:bodyPr rtlCol="0" anchor="ctr"/>
+          <a:lstStyle/>
+          <a:p>
+            <a:pPr algn="ctr"/>
+            <a:r>
+              <a:rPr lang="en-US" dirty="0" err="1"/>
+              <a:t>JPARepository</a:t>
+            </a:r>
+            <a:endParaRPr lang="en-US" dirty="0"/>
+          </a:p>
+        </p:txBody>
+      </p:sp>
+      <p:cxnSp>
+        <p:nvCxnSpPr>
+          <p:cNvPr id="8" name="Straight Arrow Connector 7">
+            <a:extLst>
+              <a:ext uri="{FF2B5EF4-FFF2-40B4-BE49-F238E27FC236}">
+                <a16:creationId xmlns:a16="http://schemas.microsoft.com/office/drawing/2014/main" id="{69425223-1E4E-427E-8356-48187446B09A}"/>
+              </a:ext>
+            </a:extLst>
+          </p:cNvPr>
+          <p:cNvCxnSpPr>
+            <a:stCxn id="6" idx="0"/>
+            <a:endCxn id="5" idx="2"/>
+          </p:cNvCxnSpPr>
+          <p:nvPr/>
+        </p:nvCxnSpPr>
+        <p:spPr>
+          <a:xfrm flipV="1">
+            <a:off x="4443573" y="3729126"/>
+            <a:ext cx="0" cy="899382"/>
+          </a:xfrm>
+          <a:prstGeom prst="straightConnector1">
+            <a:avLst/>
+          </a:prstGeom>
+          <a:ln>
+            <a:tailEnd type="triangle"/>
+          </a:ln>
+        </p:spPr>
+        <p:style>
+          <a:lnRef idx="1">
+            <a:schemeClr val="accent1"/>
+          </a:lnRef>
+          <a:fillRef idx="0">
+            <a:schemeClr val="accent1"/>
+          </a:fillRef>
+          <a:effectRef idx="0">
+            <a:schemeClr val="accent1"/>
+          </a:effectRef>
+          <a:fontRef idx="minor">
+            <a:schemeClr val="tx1"/>
+          </a:fontRef>
+        </p:style>
+      </p:cxnSp>
+      <p:cxnSp>
+        <p:nvCxnSpPr>
+          <p:cNvPr id="10" name="Straight Arrow Connector 9">
+            <a:extLst>
+              <a:ext uri="{FF2B5EF4-FFF2-40B4-BE49-F238E27FC236}">
+                <a16:creationId xmlns:a16="http://schemas.microsoft.com/office/drawing/2014/main" id="{0FB5CCE9-EBF5-4A26-80A2-4B7BC900B44D}"/>
+              </a:ext>
+            </a:extLst>
+          </p:cNvPr>
+          <p:cNvCxnSpPr>
+            <a:stCxn id="5" idx="0"/>
+            <a:endCxn id="4" idx="2"/>
+          </p:cNvCxnSpPr>
+          <p:nvPr/>
+        </p:nvCxnSpPr>
+        <p:spPr>
+          <a:xfrm flipV="1">
+            <a:off x="4443573" y="2229492"/>
+            <a:ext cx="0" cy="770169"/>
+          </a:xfrm>
+          <a:prstGeom prst="straightConnector1">
+            <a:avLst/>
+          </a:prstGeom>
+          <a:ln>
+            <a:tailEnd type="triangle"/>
+          </a:ln>
+        </p:spPr>
+        <p:style>
+          <a:lnRef idx="1">
+            <a:schemeClr val="accent1"/>
+          </a:lnRef>
+          <a:fillRef idx="0">
+            <a:schemeClr val="accent1"/>
+          </a:fillRef>
+          <a:effectRef idx="0">
+            <a:schemeClr val="accent1"/>
+          </a:effectRef>
+          <a:fontRef idx="minor">
+            <a:schemeClr val="tx1"/>
+          </a:fontRef>
+        </p:style>
+      </p:cxnSp>
+      <p:sp>
+        <p:nvSpPr>
+          <p:cNvPr id="11" name="Rectangle 10">
+            <a:extLst>
+              <a:ext uri="{FF2B5EF4-FFF2-40B4-BE49-F238E27FC236}">
+                <a16:creationId xmlns:a16="http://schemas.microsoft.com/office/drawing/2014/main" id="{291230F6-7C98-469F-81D8-F7D367C43A91}"/>
+              </a:ext>
+            </a:extLst>
+          </p:cNvPr>
+          <p:cNvSpPr/>
+          <p:nvPr/>
+        </p:nvSpPr>
+        <p:spPr>
+          <a:xfrm>
+            <a:off x="234593" y="2999661"/>
+            <a:ext cx="2578814" cy="729465"/>
+          </a:xfrm>
+          <a:prstGeom prst="rect">
+            <a:avLst/>
+          </a:prstGeom>
+        </p:spPr>
+        <p:style>
+          <a:lnRef idx="2">
+            <a:schemeClr val="accent1">
+              <a:shade val="50000"/>
+            </a:schemeClr>
+          </a:lnRef>
+          <a:fillRef idx="1">
+            <a:schemeClr val="accent1"/>
+          </a:fillRef>
+          <a:effectRef idx="0">
+            <a:schemeClr val="accent1"/>
+          </a:effectRef>
+          <a:fontRef idx="minor">
+            <a:schemeClr val="lt1"/>
+          </a:fontRef>
+        </p:style>
+        <p:txBody>
+          <a:bodyPr rtlCol="0" anchor="ctr"/>
+          <a:lstStyle/>
+          <a:p>
+            <a:pPr algn="ctr"/>
+            <a:r>
+              <a:rPr lang="en-US" dirty="0" err="1"/>
+              <a:t>PagingAndSorting</a:t>
+            </a:r>
+            <a:endParaRPr lang="en-US" dirty="0"/>
+          </a:p>
+          <a:p>
+            <a:pPr algn="ctr"/>
+            <a:r>
+              <a:rPr lang="en-US" dirty="0"/>
+              <a:t>Repository</a:t>
+            </a:r>
+          </a:p>
+        </p:txBody>
+      </p:sp>
+      <p:cxnSp>
+        <p:nvCxnSpPr>
+          <p:cNvPr id="13" name="Straight Arrow Connector 12">
+            <a:extLst>
+              <a:ext uri="{FF2B5EF4-FFF2-40B4-BE49-F238E27FC236}">
+                <a16:creationId xmlns:a16="http://schemas.microsoft.com/office/drawing/2014/main" id="{FAAFA81C-7797-408D-BF3C-A43A50ED3718}"/>
+              </a:ext>
+            </a:extLst>
+          </p:cNvPr>
+          <p:cNvCxnSpPr>
+            <a:stCxn id="6" idx="0"/>
+            <a:endCxn id="11" idx="2"/>
+          </p:cNvCxnSpPr>
+          <p:nvPr/>
+        </p:nvCxnSpPr>
+        <p:spPr>
+          <a:xfrm flipH="1" flipV="1">
+            <a:off x="1524000" y="3729126"/>
+            <a:ext cx="2919573" cy="899382"/>
+          </a:xfrm>
+          <a:prstGeom prst="straightConnector1">
+            <a:avLst/>
+          </a:prstGeom>
+          <a:ln>
+            <a:tailEnd type="triangle"/>
+          </a:ln>
+        </p:spPr>
+        <p:style>
+          <a:lnRef idx="1">
+            <a:schemeClr val="accent1"/>
+          </a:lnRef>
+          <a:fillRef idx="0">
+            <a:schemeClr val="accent1"/>
+          </a:fillRef>
+          <a:effectRef idx="0">
+            <a:schemeClr val="accent1"/>
+          </a:effectRef>
+          <a:fontRef idx="minor">
+            <a:schemeClr val="tx1"/>
+          </a:fontRef>
+        </p:style>
+      </p:cxnSp>
+    </p:spTree>
+    <p:extLst>
+      <p:ext uri="{BB962C8B-B14F-4D97-AF65-F5344CB8AC3E}">
+        <p14:creationId xmlns:p14="http://schemas.microsoft.com/office/powerpoint/2010/main" val="3082134184"/>
+      </p:ext>
+    </p:extLst>
+  </p:cSld>
+  <p:clrMapOvr>
+    <a:masterClrMapping/>
+  </p:clrMapOvr>
+</p:sld>
+</file>
+
+<file path=ppt/slides/slide16.xml><?xml version="1.0" encoding="utf-8"?>
+<p:sld xmlns:a="http://schemas.openxmlformats.org/drawingml/2006/main" xmlns:r="http://schemas.openxmlformats.org/officeDocument/2006/relationships" xmlns:p="http://schemas.openxmlformats.org/presentationml/2006/main">
+  <p:cSld>
+    <p:spTree>
+      <p:nvGrpSpPr>
+        <p:cNvPr id="1" name=""/>
+        <p:cNvGrpSpPr/>
+        <p:nvPr/>
+      </p:nvGrpSpPr>
+      <p:grpSpPr>
+        <a:xfrm>
+          <a:off x="0" y="0"/>
+          <a:ext cx="0" cy="0"/>
+          <a:chOff x="0" y="0"/>
+          <a:chExt cx="0" cy="0"/>
+        </a:xfrm>
+      </p:grpSpPr>
+      <p:sp>
+        <p:nvSpPr>
+          <p:cNvPr id="2" name="Title 1">
+            <a:extLst>
+              <a:ext uri="{FF2B5EF4-FFF2-40B4-BE49-F238E27FC236}">
+                <a16:creationId xmlns:a16="http://schemas.microsoft.com/office/drawing/2014/main" id="{2CA940AF-D17F-4F2B-937F-E57C7BA12330}"/>
+              </a:ext>
+            </a:extLst>
+          </p:cNvPr>
+          <p:cNvSpPr>
+            <a:spLocks noGrp="1"/>
+          </p:cNvSpPr>
+          <p:nvPr>
+            <p:ph type="title"/>
+          </p:nvPr>
+        </p:nvSpPr>
+        <p:spPr/>
+        <p:txBody>
+          <a:bodyPr/>
+          <a:lstStyle/>
+          <a:p>
+            <a:r>
+              <a:rPr lang="en-US" dirty="0"/>
+              <a:t>H2 database</a:t>
+            </a:r>
+          </a:p>
+        </p:txBody>
+      </p:sp>
+      <p:sp>
+        <p:nvSpPr>
+          <p:cNvPr id="3" name="Content Placeholder 2">
+            <a:extLst>
+              <a:ext uri="{FF2B5EF4-FFF2-40B4-BE49-F238E27FC236}">
+                <a16:creationId xmlns:a16="http://schemas.microsoft.com/office/drawing/2014/main" id="{89BD3EEF-CA76-456C-A5B4-778A9265097D}"/>
+              </a:ext>
+            </a:extLst>
+          </p:cNvPr>
+          <p:cNvSpPr>
+            <a:spLocks noGrp="1"/>
+          </p:cNvSpPr>
+          <p:nvPr>
+            <p:ph idx="1"/>
+          </p:nvPr>
+        </p:nvSpPr>
+        <p:spPr/>
+        <p:txBody>
+          <a:bodyPr/>
+          <a:lstStyle/>
+          <a:p>
+            <a:r>
+              <a:rPr lang="en-US" dirty="0"/>
+              <a:t>In memory DB</a:t>
+            </a:r>
+          </a:p>
+          <a:p>
+            <a:endParaRPr lang="en-US" dirty="0"/>
+          </a:p>
+        </p:txBody>
+      </p:sp>
+    </p:spTree>
+    <p:extLst>
+      <p:ext uri="{BB962C8B-B14F-4D97-AF65-F5344CB8AC3E}">
+        <p14:creationId xmlns:p14="http://schemas.microsoft.com/office/powerpoint/2010/main" val="189065827"/>
+      </p:ext>
+    </p:extLst>
+  </p:cSld>
+  <p:clrMapOvr>
+    <a:masterClrMapping/>
+  </p:clrMapOvr>
+</p:sld>
+</file>
+
+<file path=ppt/slides/slide17.xml><?xml version="1.0" encoding="utf-8"?>
+<p:sld xmlns:a="http://schemas.openxmlformats.org/drawingml/2006/main" xmlns:r="http://schemas.openxmlformats.org/officeDocument/2006/relationships" xmlns:p="http://schemas.openxmlformats.org/presentationml/2006/main">
+  <p:cSld>
+    <p:spTree>
+      <p:nvGrpSpPr>
+        <p:cNvPr id="1" name=""/>
+        <p:cNvGrpSpPr/>
+        <p:nvPr/>
+      </p:nvGrpSpPr>
+      <p:grpSpPr>
+        <a:xfrm>
+          <a:off x="0" y="0"/>
+          <a:ext cx="0" cy="0"/>
+          <a:chOff x="0" y="0"/>
+          <a:chExt cx="0" cy="0"/>
+        </a:xfrm>
+      </p:grpSpPr>
+      <p:sp>
+        <p:nvSpPr>
+          <p:cNvPr id="2" name="Title 1">
+            <a:extLst>
+              <a:ext uri="{FF2B5EF4-FFF2-40B4-BE49-F238E27FC236}">
+                <a16:creationId xmlns:a16="http://schemas.microsoft.com/office/drawing/2014/main" id="{22318F30-3DE9-490F-817A-43A471E8FEB8}"/>
+              </a:ext>
+            </a:extLst>
+          </p:cNvPr>
+          <p:cNvSpPr>
+            <a:spLocks noGrp="1"/>
+          </p:cNvSpPr>
+          <p:nvPr>
+            <p:ph type="title"/>
+          </p:nvPr>
+        </p:nvSpPr>
+        <p:spPr/>
+        <p:txBody>
+          <a:bodyPr/>
+          <a:lstStyle/>
+          <a:p>
+            <a:r>
+              <a:rPr lang="en-US" dirty="0"/>
+              <a:t>Task</a:t>
+            </a:r>
+          </a:p>
+        </p:txBody>
+      </p:sp>
+      <p:sp>
+        <p:nvSpPr>
+          <p:cNvPr id="4" name="Rectangle 3">
+            <a:extLst>
+              <a:ext uri="{FF2B5EF4-FFF2-40B4-BE49-F238E27FC236}">
+                <a16:creationId xmlns:a16="http://schemas.microsoft.com/office/drawing/2014/main" id="{04BD9BD0-368E-47FD-BDB9-9E9A311D0943}"/>
+              </a:ext>
+            </a:extLst>
+          </p:cNvPr>
+          <p:cNvSpPr/>
+          <p:nvPr/>
+        </p:nvSpPr>
+        <p:spPr>
+          <a:xfrm>
+            <a:off x="2106202" y="1941816"/>
+            <a:ext cx="2856216" cy="3318553"/>
+          </a:xfrm>
+          <a:prstGeom prst="rect">
+            <a:avLst/>
+          </a:prstGeom>
+        </p:spPr>
+        <p:style>
+          <a:lnRef idx="2">
+            <a:schemeClr val="accent1">
+              <a:shade val="50000"/>
+            </a:schemeClr>
+          </a:lnRef>
+          <a:fillRef idx="1">
+            <a:schemeClr val="accent1"/>
+          </a:fillRef>
+          <a:effectRef idx="0">
+            <a:schemeClr val="accent1"/>
+          </a:effectRef>
+          <a:fontRef idx="minor">
+            <a:schemeClr val="lt1"/>
+          </a:fontRef>
+        </p:style>
+        <p:txBody>
+          <a:bodyPr rtlCol="0" anchor="ctr"/>
+          <a:lstStyle/>
+          <a:p>
+            <a:pPr algn="ctr"/>
+            <a:r>
+              <a:rPr lang="en-US" dirty="0" err="1"/>
+              <a:t>employeeId</a:t>
+            </a:r>
+            <a:endParaRPr lang="en-US" dirty="0"/>
+          </a:p>
+          <a:p>
+            <a:pPr algn="ctr"/>
+            <a:r>
+              <a:rPr lang="en-US" dirty="0" err="1"/>
+              <a:t>firstName</a:t>
+            </a:r>
+            <a:endParaRPr lang="en-US" dirty="0"/>
+          </a:p>
+          <a:p>
+            <a:pPr algn="ctr"/>
+            <a:r>
+              <a:rPr lang="en-US" dirty="0" err="1"/>
+              <a:t>lastName</a:t>
+            </a:r>
+            <a:endParaRPr lang="en-US" dirty="0"/>
+          </a:p>
+          <a:p>
+            <a:pPr algn="ctr"/>
+            <a:r>
+              <a:rPr lang="en-US" dirty="0"/>
+              <a:t>salary</a:t>
+            </a:r>
+          </a:p>
+          <a:p>
+            <a:pPr algn="ctr"/>
+            <a:r>
+              <a:rPr lang="en-US" dirty="0"/>
+              <a:t>Address</a:t>
+            </a:r>
+          </a:p>
+          <a:p>
+            <a:pPr algn="ctr"/>
+            <a:r>
+              <a:rPr lang="en-US" dirty="0"/>
+              <a:t>Department</a:t>
+            </a:r>
+          </a:p>
+        </p:txBody>
+      </p:sp>
+      <p:sp>
+        <p:nvSpPr>
+          <p:cNvPr id="5" name="Rectangle 4">
+            <a:extLst>
+              <a:ext uri="{FF2B5EF4-FFF2-40B4-BE49-F238E27FC236}">
+                <a16:creationId xmlns:a16="http://schemas.microsoft.com/office/drawing/2014/main" id="{11E42C81-CC5A-4DDB-AA6E-A4547E52E569}"/>
+              </a:ext>
+            </a:extLst>
+          </p:cNvPr>
+          <p:cNvSpPr/>
+          <p:nvPr/>
+        </p:nvSpPr>
+        <p:spPr>
+          <a:xfrm>
+            <a:off x="2106202" y="1941816"/>
+            <a:ext cx="2856216" cy="739739"/>
+          </a:xfrm>
+          <a:prstGeom prst="rect">
+            <a:avLst/>
+          </a:prstGeom>
+        </p:spPr>
+        <p:style>
+          <a:lnRef idx="2">
+            <a:schemeClr val="accent1">
+              <a:shade val="50000"/>
+            </a:schemeClr>
+          </a:lnRef>
+          <a:fillRef idx="1">
+            <a:schemeClr val="accent1"/>
+          </a:fillRef>
+          <a:effectRef idx="0">
+            <a:schemeClr val="accent1"/>
+          </a:effectRef>
+          <a:fontRef idx="minor">
+            <a:schemeClr val="lt1"/>
+          </a:fontRef>
+        </p:style>
+        <p:txBody>
+          <a:bodyPr rtlCol="0" anchor="ctr"/>
+          <a:lstStyle/>
+          <a:p>
+            <a:pPr algn="ctr"/>
+            <a:r>
+              <a:rPr lang="en-US" dirty="0"/>
+              <a:t>Employee</a:t>
+            </a:r>
+          </a:p>
+        </p:txBody>
+      </p:sp>
+      <p:sp>
+        <p:nvSpPr>
+          <p:cNvPr id="6" name="Rectangle 5">
+            <a:extLst>
+              <a:ext uri="{FF2B5EF4-FFF2-40B4-BE49-F238E27FC236}">
+                <a16:creationId xmlns:a16="http://schemas.microsoft.com/office/drawing/2014/main" id="{2427A666-7AE4-4D76-AF7D-D558AC06BABB}"/>
+              </a:ext>
+            </a:extLst>
+          </p:cNvPr>
+          <p:cNvSpPr/>
+          <p:nvPr/>
+        </p:nvSpPr>
+        <p:spPr>
+          <a:xfrm>
+            <a:off x="7530957" y="883578"/>
+            <a:ext cx="2554841" cy="2352782"/>
+          </a:xfrm>
+          <a:prstGeom prst="rect">
+            <a:avLst/>
+          </a:prstGeom>
+        </p:spPr>
+        <p:style>
+          <a:lnRef idx="2">
+            <a:schemeClr val="accent1">
+              <a:shade val="50000"/>
+            </a:schemeClr>
+          </a:lnRef>
+          <a:fillRef idx="1">
+            <a:schemeClr val="accent1"/>
+          </a:fillRef>
+          <a:effectRef idx="0">
+            <a:schemeClr val="accent1"/>
+          </a:effectRef>
+          <a:fontRef idx="minor">
+            <a:schemeClr val="lt1"/>
+          </a:fontRef>
+        </p:style>
+        <p:txBody>
+          <a:bodyPr rtlCol="0" anchor="ctr"/>
+          <a:lstStyle/>
+          <a:p>
+            <a:pPr algn="ctr"/>
+            <a:r>
+              <a:rPr lang="en-US" dirty="0" err="1"/>
+              <a:t>AddressId</a:t>
+            </a:r>
+            <a:endParaRPr lang="en-US" dirty="0"/>
+          </a:p>
+          <a:p>
+            <a:pPr algn="ctr"/>
+            <a:r>
+              <a:rPr lang="en-US" dirty="0" err="1"/>
+              <a:t>Streetname</a:t>
+            </a:r>
+            <a:endParaRPr lang="en-US" dirty="0"/>
+          </a:p>
+          <a:p>
+            <a:pPr algn="ctr"/>
+            <a:r>
+              <a:rPr lang="en-US" dirty="0"/>
+              <a:t>City</a:t>
+            </a:r>
+          </a:p>
+        </p:txBody>
+      </p:sp>
+      <p:sp>
+        <p:nvSpPr>
+          <p:cNvPr id="7" name="Rectangle 6">
+            <a:extLst>
+              <a:ext uri="{FF2B5EF4-FFF2-40B4-BE49-F238E27FC236}">
+                <a16:creationId xmlns:a16="http://schemas.microsoft.com/office/drawing/2014/main" id="{AAF79566-3884-4615-91B6-CEA3D13B2515}"/>
+              </a:ext>
+            </a:extLst>
+          </p:cNvPr>
+          <p:cNvSpPr/>
+          <p:nvPr/>
+        </p:nvSpPr>
+        <p:spPr>
+          <a:xfrm>
+            <a:off x="7229582" y="4202131"/>
+            <a:ext cx="3332252" cy="2290744"/>
+          </a:xfrm>
+          <a:prstGeom prst="rect">
+            <a:avLst/>
+          </a:prstGeom>
+        </p:spPr>
+        <p:style>
+          <a:lnRef idx="2">
+            <a:schemeClr val="accent1">
+              <a:shade val="50000"/>
+            </a:schemeClr>
+          </a:lnRef>
+          <a:fillRef idx="1">
+            <a:schemeClr val="accent1"/>
+          </a:fillRef>
+          <a:effectRef idx="0">
+            <a:schemeClr val="accent1"/>
+          </a:effectRef>
+          <a:fontRef idx="minor">
+            <a:schemeClr val="lt1"/>
+          </a:fontRef>
+        </p:style>
+        <p:txBody>
+          <a:bodyPr rtlCol="0" anchor="ctr"/>
+          <a:lstStyle/>
+          <a:p>
+            <a:pPr algn="ctr"/>
+            <a:r>
+              <a:rPr lang="en-US" dirty="0" err="1"/>
+              <a:t>departmentId</a:t>
+            </a:r>
+            <a:endParaRPr lang="en-US" dirty="0"/>
+          </a:p>
+          <a:p>
+            <a:pPr algn="ctr"/>
+            <a:r>
+              <a:rPr lang="en-US" dirty="0" err="1"/>
+              <a:t>Departmentname</a:t>
+            </a:r>
+            <a:endParaRPr lang="en-US" dirty="0"/>
+          </a:p>
+          <a:p>
+            <a:pPr algn="ctr"/>
+            <a:r>
+              <a:rPr lang="en-US" dirty="0"/>
+              <a:t>location</a:t>
+            </a:r>
+          </a:p>
+        </p:txBody>
+      </p:sp>
+      <p:cxnSp>
+        <p:nvCxnSpPr>
+          <p:cNvPr id="9" name="Straight Arrow Connector 8">
+            <a:extLst>
+              <a:ext uri="{FF2B5EF4-FFF2-40B4-BE49-F238E27FC236}">
+                <a16:creationId xmlns:a16="http://schemas.microsoft.com/office/drawing/2014/main" id="{331200F5-4138-4C9B-9D70-C0000D8AC66D}"/>
+              </a:ext>
+            </a:extLst>
+          </p:cNvPr>
+          <p:cNvCxnSpPr>
+            <a:endCxn id="6" idx="1"/>
+          </p:cNvCxnSpPr>
+          <p:nvPr/>
+        </p:nvCxnSpPr>
+        <p:spPr>
+          <a:xfrm flipV="1">
+            <a:off x="3945276" y="2059969"/>
+            <a:ext cx="3585681" cy="2080124"/>
+          </a:xfrm>
+          <a:prstGeom prst="straightConnector1">
+            <a:avLst/>
+          </a:prstGeom>
+          <a:ln>
+            <a:tailEnd type="triangle"/>
+          </a:ln>
+        </p:spPr>
+        <p:style>
+          <a:lnRef idx="1">
+            <a:schemeClr val="accent1"/>
+          </a:lnRef>
+          <a:fillRef idx="0">
+            <a:schemeClr val="accent1"/>
+          </a:fillRef>
+          <a:effectRef idx="0">
+            <a:schemeClr val="accent1"/>
+          </a:effectRef>
+          <a:fontRef idx="minor">
+            <a:schemeClr val="tx1"/>
+          </a:fontRef>
+        </p:style>
+      </p:cxnSp>
+      <p:cxnSp>
+        <p:nvCxnSpPr>
+          <p:cNvPr id="11" name="Straight Arrow Connector 10">
+            <a:extLst>
+              <a:ext uri="{FF2B5EF4-FFF2-40B4-BE49-F238E27FC236}">
+                <a16:creationId xmlns:a16="http://schemas.microsoft.com/office/drawing/2014/main" id="{DC76067F-C429-44BA-9A72-67456F6E75AA}"/>
+              </a:ext>
+            </a:extLst>
+          </p:cNvPr>
+          <p:cNvCxnSpPr>
+            <a:cxnSpLocks/>
+            <a:endCxn id="7" idx="1"/>
+          </p:cNvCxnSpPr>
+          <p:nvPr/>
+        </p:nvCxnSpPr>
+        <p:spPr>
+          <a:xfrm>
+            <a:off x="3945276" y="4258246"/>
+            <a:ext cx="3284306" cy="1089257"/>
+          </a:xfrm>
+          <a:prstGeom prst="straightConnector1">
+            <a:avLst/>
+          </a:prstGeom>
+          <a:ln>
+            <a:tailEnd type="triangle"/>
+          </a:ln>
+        </p:spPr>
+        <p:style>
+          <a:lnRef idx="1">
+            <a:schemeClr val="accent1"/>
+          </a:lnRef>
+          <a:fillRef idx="0">
+            <a:schemeClr val="accent1"/>
+          </a:fillRef>
+          <a:effectRef idx="0">
+            <a:schemeClr val="accent1"/>
+          </a:effectRef>
+          <a:fontRef idx="minor">
+            <a:schemeClr val="tx1"/>
+          </a:fontRef>
+        </p:style>
+      </p:cxnSp>
+    </p:spTree>
+    <p:extLst>
+      <p:ext uri="{BB962C8B-B14F-4D97-AF65-F5344CB8AC3E}">
+        <p14:creationId xmlns:p14="http://schemas.microsoft.com/office/powerpoint/2010/main" val="2452126653"/>
+      </p:ext>
+    </p:extLst>
+  </p:cSld>
+  <p:clrMapOvr>
+    <a:masterClrMapping/>
+  </p:clrMapOvr>
+</p:sld>
+</file>
+
+<file path=ppt/slides/slide18.xml><?xml version="1.0" encoding="utf-8"?>
+<p:sld xmlns:a="http://schemas.openxmlformats.org/drawingml/2006/main" xmlns:r="http://schemas.openxmlformats.org/officeDocument/2006/relationships" xmlns:p="http://schemas.openxmlformats.org/presentationml/2006/main">
+  <p:cSld>
+    <p:spTree>
+      <p:nvGrpSpPr>
+        <p:cNvPr id="1" name=""/>
+        <p:cNvGrpSpPr/>
+        <p:nvPr/>
+      </p:nvGrpSpPr>
+      <p:grpSpPr>
+        <a:xfrm>
+          <a:off x="0" y="0"/>
+          <a:ext cx="0" cy="0"/>
+          <a:chOff x="0" y="0"/>
+          <a:chExt cx="0" cy="0"/>
+        </a:xfrm>
+      </p:grpSpPr>
+      <p:sp>
+        <p:nvSpPr>
+          <p:cNvPr id="2" name="Title 1">
+            <a:extLst>
+              <a:ext uri="{FF2B5EF4-FFF2-40B4-BE49-F238E27FC236}">
+                <a16:creationId xmlns:a16="http://schemas.microsoft.com/office/drawing/2014/main" id="{A3A50ED4-B865-4D8C-A4A9-F2FCD208CF8C}"/>
+              </a:ext>
+            </a:extLst>
+          </p:cNvPr>
+          <p:cNvSpPr>
+            <a:spLocks noGrp="1"/>
+          </p:cNvSpPr>
+          <p:nvPr>
+            <p:ph type="title"/>
+          </p:nvPr>
+        </p:nvSpPr>
+        <p:spPr/>
+        <p:txBody>
+          <a:bodyPr/>
+          <a:lstStyle/>
+          <a:p>
+            <a:endParaRPr lang="en-US"/>
+          </a:p>
+        </p:txBody>
+      </p:sp>
+      <p:sp>
+        <p:nvSpPr>
+          <p:cNvPr id="3" name="Content Placeholder 2">
+            <a:extLst>
+              <a:ext uri="{FF2B5EF4-FFF2-40B4-BE49-F238E27FC236}">
+                <a16:creationId xmlns:a16="http://schemas.microsoft.com/office/drawing/2014/main" id="{CD9D89AC-AD93-492E-9283-E359B8792E17}"/>
+              </a:ext>
+            </a:extLst>
+          </p:cNvPr>
+          <p:cNvSpPr>
+            <a:spLocks noGrp="1"/>
+          </p:cNvSpPr>
+          <p:nvPr>
+            <p:ph idx="1"/>
+          </p:nvPr>
+        </p:nvSpPr>
+        <p:spPr/>
+        <p:txBody>
+          <a:bodyPr/>
+          <a:lstStyle/>
+          <a:p>
+            <a:r>
+              <a:rPr lang="en-US" dirty="0"/>
+              <a:t>CRUD operations</a:t>
+            </a:r>
+          </a:p>
+          <a:p>
+            <a:r>
+              <a:rPr lang="en-US" dirty="0"/>
+              <a:t>Filter employee byname using like operator (@Query/</a:t>
+            </a:r>
+            <a:r>
+              <a:rPr lang="en-US" dirty="0" err="1"/>
+              <a:t>methodname</a:t>
+            </a:r>
+            <a:r>
+              <a:rPr lang="en-US" dirty="0"/>
+              <a:t>)</a:t>
+            </a:r>
+          </a:p>
+          <a:p>
+            <a:r>
+              <a:rPr lang="en-US" dirty="0" err="1"/>
+              <a:t>Sumof</a:t>
+            </a:r>
+            <a:r>
+              <a:rPr lang="en-US" dirty="0"/>
+              <a:t> salary of all employees</a:t>
+            </a:r>
+          </a:p>
+          <a:p>
+            <a:r>
+              <a:rPr lang="en-US" dirty="0"/>
+              <a:t>Min Salary</a:t>
+            </a:r>
+          </a:p>
+          <a:p>
+            <a:r>
+              <a:rPr lang="en-US" dirty="0"/>
+              <a:t>Max Salary</a:t>
+            </a:r>
+          </a:p>
+          <a:p>
+            <a:r>
+              <a:rPr lang="en-US" dirty="0" err="1"/>
+              <a:t>SortBy</a:t>
+            </a:r>
+            <a:r>
+              <a:rPr lang="en-US" dirty="0"/>
+              <a:t> Employee FirstName</a:t>
+            </a:r>
+          </a:p>
+          <a:p>
+            <a:endParaRPr lang="en-US" dirty="0"/>
+          </a:p>
+          <a:p>
+            <a:r>
+              <a:rPr lang="en-US" dirty="0"/>
+              <a:t>Swagger2 Implementation</a:t>
+            </a:r>
+          </a:p>
+        </p:txBody>
+      </p:sp>
+    </p:spTree>
+    <p:extLst>
+      <p:ext uri="{BB962C8B-B14F-4D97-AF65-F5344CB8AC3E}">
+        <p14:creationId xmlns:p14="http://schemas.microsoft.com/office/powerpoint/2010/main" val="4251445434"/>
       </p:ext>
     </p:extLst>
   </p:cSld>

--- a/FinishingSchool-June.pptx
+++ b/FinishingSchool-June.pptx
@@ -23,6 +23,15 @@
     <p:sldId id="271" r:id="rId17"/>
     <p:sldId id="272" r:id="rId18"/>
     <p:sldId id="273" r:id="rId19"/>
+    <p:sldId id="274" r:id="rId20"/>
+    <p:sldId id="275" r:id="rId21"/>
+    <p:sldId id="276" r:id="rId22"/>
+    <p:sldId id="277" r:id="rId23"/>
+    <p:sldId id="278" r:id="rId24"/>
+    <p:sldId id="279" r:id="rId25"/>
+    <p:sldId id="280" r:id="rId26"/>
+    <p:sldId id="281" r:id="rId27"/>
+    <p:sldId id="282" r:id="rId28"/>
   </p:sldIdLst>
   <p:sldSz cx="12192000" cy="6858000"/>
   <p:notesSz cx="6858000" cy="9144000"/>
@@ -276,7 +285,7 @@
           <a:p>
             <a:fld id="{5B46E487-55E8-4463-B193-585373129239}" type="datetimeFigureOut">
               <a:rPr lang="en-US" smtClean="0"/>
-              <a:t>6/12/2020</a:t>
+              <a:t>6/16/2020</a:t>
             </a:fld>
             <a:endParaRPr lang="en-US"/>
           </a:p>
@@ -474,7 +483,7 @@
           <a:p>
             <a:fld id="{5B46E487-55E8-4463-B193-585373129239}" type="datetimeFigureOut">
               <a:rPr lang="en-US" smtClean="0"/>
-              <a:t>6/12/2020</a:t>
+              <a:t>6/16/2020</a:t>
             </a:fld>
             <a:endParaRPr lang="en-US"/>
           </a:p>
@@ -682,7 +691,7 @@
           <a:p>
             <a:fld id="{5B46E487-55E8-4463-B193-585373129239}" type="datetimeFigureOut">
               <a:rPr lang="en-US" smtClean="0"/>
-              <a:t>6/12/2020</a:t>
+              <a:t>6/16/2020</a:t>
             </a:fld>
             <a:endParaRPr lang="en-US"/>
           </a:p>
@@ -880,7 +889,7 @@
           <a:p>
             <a:fld id="{5B46E487-55E8-4463-B193-585373129239}" type="datetimeFigureOut">
               <a:rPr lang="en-US" smtClean="0"/>
-              <a:t>6/12/2020</a:t>
+              <a:t>6/16/2020</a:t>
             </a:fld>
             <a:endParaRPr lang="en-US"/>
           </a:p>
@@ -1155,7 +1164,7 @@
           <a:p>
             <a:fld id="{5B46E487-55E8-4463-B193-585373129239}" type="datetimeFigureOut">
               <a:rPr lang="en-US" smtClean="0"/>
-              <a:t>6/12/2020</a:t>
+              <a:t>6/16/2020</a:t>
             </a:fld>
             <a:endParaRPr lang="en-US"/>
           </a:p>
@@ -1420,7 +1429,7 @@
           <a:p>
             <a:fld id="{5B46E487-55E8-4463-B193-585373129239}" type="datetimeFigureOut">
               <a:rPr lang="en-US" smtClean="0"/>
-              <a:t>6/12/2020</a:t>
+              <a:t>6/16/2020</a:t>
             </a:fld>
             <a:endParaRPr lang="en-US"/>
           </a:p>
@@ -1832,7 +1841,7 @@
           <a:p>
             <a:fld id="{5B46E487-55E8-4463-B193-585373129239}" type="datetimeFigureOut">
               <a:rPr lang="en-US" smtClean="0"/>
-              <a:t>6/12/2020</a:t>
+              <a:t>6/16/2020</a:t>
             </a:fld>
             <a:endParaRPr lang="en-US"/>
           </a:p>
@@ -1973,7 +1982,7 @@
           <a:p>
             <a:fld id="{5B46E487-55E8-4463-B193-585373129239}" type="datetimeFigureOut">
               <a:rPr lang="en-US" smtClean="0"/>
-              <a:t>6/12/2020</a:t>
+              <a:t>6/16/2020</a:t>
             </a:fld>
             <a:endParaRPr lang="en-US"/>
           </a:p>
@@ -2086,7 +2095,7 @@
           <a:p>
             <a:fld id="{5B46E487-55E8-4463-B193-585373129239}" type="datetimeFigureOut">
               <a:rPr lang="en-US" smtClean="0"/>
-              <a:t>6/12/2020</a:t>
+              <a:t>6/16/2020</a:t>
             </a:fld>
             <a:endParaRPr lang="en-US"/>
           </a:p>
@@ -2397,7 +2406,7 @@
           <a:p>
             <a:fld id="{5B46E487-55E8-4463-B193-585373129239}" type="datetimeFigureOut">
               <a:rPr lang="en-US" smtClean="0"/>
-              <a:t>6/12/2020</a:t>
+              <a:t>6/16/2020</a:t>
             </a:fld>
             <a:endParaRPr lang="en-US"/>
           </a:p>
@@ -2685,7 +2694,7 @@
           <a:p>
             <a:fld id="{5B46E487-55E8-4463-B193-585373129239}" type="datetimeFigureOut">
               <a:rPr lang="en-US" smtClean="0"/>
-              <a:t>6/12/2020</a:t>
+              <a:t>6/16/2020</a:t>
             </a:fld>
             <a:endParaRPr lang="en-US"/>
           </a:p>
@@ -2926,7 +2935,7 @@
           <a:p>
             <a:fld id="{5B46E487-55E8-4463-B193-585373129239}" type="datetimeFigureOut">
               <a:rPr lang="en-US" smtClean="0"/>
-              <a:t>6/12/2020</a:t>
+              <a:t>6/16/2020</a:t>
             </a:fld>
             <a:endParaRPr lang="en-US"/>
           </a:p>
@@ -5642,7 +5651,11 @@
           <a:lstStyle/>
           <a:p>
             <a:r>
-              <a:rPr lang="en-US" dirty="0"/>
+              <a:rPr lang="en-US" dirty="0">
+                <a:highlight>
+                  <a:srgbClr val="FFFF00"/>
+                </a:highlight>
+              </a:rPr>
               <a:t>CRUD operations</a:t>
             </a:r>
           </a:p>
@@ -5693,7 +5706,14 @@
             </a:r>
           </a:p>
           <a:p>
-            <a:endParaRPr lang="en-US" dirty="0"/>
+            <a:r>
+              <a:rPr lang="en-US" dirty="0">
+                <a:highlight>
+                  <a:srgbClr val="FFFF00"/>
+                </a:highlight>
+              </a:rPr>
+              <a:t>How to handle circular dependency</a:t>
+            </a:r>
           </a:p>
           <a:p>
             <a:r>
@@ -5707,6 +5727,165 @@
     <p:extLst>
       <p:ext uri="{BB962C8B-B14F-4D97-AF65-F5344CB8AC3E}">
         <p14:creationId xmlns:p14="http://schemas.microsoft.com/office/powerpoint/2010/main" val="4251445434"/>
+      </p:ext>
+    </p:extLst>
+  </p:cSld>
+  <p:clrMapOvr>
+    <a:masterClrMapping/>
+  </p:clrMapOvr>
+</p:sld>
+</file>
+
+<file path=ppt/slides/slide19.xml><?xml version="1.0" encoding="utf-8"?>
+<p:sld xmlns:a="http://schemas.openxmlformats.org/drawingml/2006/main" xmlns:r="http://schemas.openxmlformats.org/officeDocument/2006/relationships" xmlns:p="http://schemas.openxmlformats.org/presentationml/2006/main">
+  <p:cSld>
+    <p:spTree>
+      <p:nvGrpSpPr>
+        <p:cNvPr id="1" name=""/>
+        <p:cNvGrpSpPr/>
+        <p:nvPr/>
+      </p:nvGrpSpPr>
+      <p:grpSpPr>
+        <a:xfrm>
+          <a:off x="0" y="0"/>
+          <a:ext cx="0" cy="0"/>
+          <a:chOff x="0" y="0"/>
+          <a:chExt cx="0" cy="0"/>
+        </a:xfrm>
+      </p:grpSpPr>
+      <p:sp>
+        <p:nvSpPr>
+          <p:cNvPr id="2" name="Title 1">
+            <a:extLst>
+              <a:ext uri="{FF2B5EF4-FFF2-40B4-BE49-F238E27FC236}">
+                <a16:creationId xmlns:a16="http://schemas.microsoft.com/office/drawing/2014/main" id="{E21B6BC2-ED7F-4AF1-9C3E-01B0A088EE2B}"/>
+              </a:ext>
+            </a:extLst>
+          </p:cNvPr>
+          <p:cNvSpPr>
+            <a:spLocks noGrp="1"/>
+          </p:cNvSpPr>
+          <p:nvPr>
+            <p:ph type="title"/>
+          </p:nvPr>
+        </p:nvSpPr>
+        <p:spPr/>
+        <p:txBody>
+          <a:bodyPr/>
+          <a:lstStyle/>
+          <a:p>
+            <a:r>
+              <a:rPr lang="en-US" dirty="0"/>
+              <a:t>YAML Configuration</a:t>
+            </a:r>
+          </a:p>
+        </p:txBody>
+      </p:sp>
+      <p:sp>
+        <p:nvSpPr>
+          <p:cNvPr id="3" name="Content Placeholder 2">
+            <a:extLst>
+              <a:ext uri="{FF2B5EF4-FFF2-40B4-BE49-F238E27FC236}">
+                <a16:creationId xmlns:a16="http://schemas.microsoft.com/office/drawing/2014/main" id="{C59050A8-EB0D-412F-8218-E76CFC916BE3}"/>
+              </a:ext>
+            </a:extLst>
+          </p:cNvPr>
+          <p:cNvSpPr>
+            <a:spLocks noGrp="1"/>
+          </p:cNvSpPr>
+          <p:nvPr>
+            <p:ph idx="1"/>
+          </p:nvPr>
+        </p:nvSpPr>
+        <p:spPr/>
+        <p:txBody>
+          <a:bodyPr>
+            <a:normAutofit lnSpcReduction="10000"/>
+          </a:bodyPr>
+          <a:lstStyle/>
+          <a:p>
+            <a:r>
+              <a:rPr lang="en-US" dirty="0"/>
+              <a:t>Hierarchy type</a:t>
+            </a:r>
+          </a:p>
+          <a:p>
+            <a:r>
+              <a:rPr lang="en-US" dirty="0"/>
+              <a:t>Indent space </a:t>
+            </a:r>
+          </a:p>
+          <a:p>
+            <a:r>
+              <a:rPr lang="en-US" dirty="0"/>
+              <a:t>Complex type</a:t>
+            </a:r>
+          </a:p>
+          <a:p>
+            <a:pPr lvl="1"/>
+            <a:r>
+              <a:rPr lang="en-US" dirty="0"/>
+              <a:t>List</a:t>
+            </a:r>
+          </a:p>
+          <a:p>
+            <a:pPr lvl="1"/>
+            <a:r>
+              <a:rPr lang="en-US" dirty="0"/>
+              <a:t>Array</a:t>
+            </a:r>
+          </a:p>
+          <a:p>
+            <a:pPr lvl="1"/>
+            <a:r>
+              <a:rPr lang="en-US" dirty="0"/>
+              <a:t>Key-value</a:t>
+            </a:r>
+          </a:p>
+          <a:p>
+            <a:pPr lvl="1"/>
+            <a:r>
+              <a:rPr lang="en-US" dirty="0"/>
+              <a:t>Scalar type</a:t>
+            </a:r>
+          </a:p>
+          <a:p>
+            <a:r>
+              <a:rPr lang="en-US" dirty="0"/>
+              <a:t>Inheritance </a:t>
+            </a:r>
+          </a:p>
+          <a:p>
+            <a:r>
+              <a:rPr lang="en-US" dirty="0">
+                <a:highlight>
+                  <a:srgbClr val="FFFF00"/>
+                </a:highlight>
+              </a:rPr>
+              <a:t>Profiling</a:t>
+            </a:r>
+          </a:p>
+          <a:p>
+            <a:pPr lvl="1"/>
+            <a:r>
+              <a:rPr lang="en-US" dirty="0">
+                <a:highlight>
+                  <a:srgbClr val="FFFF00"/>
+                </a:highlight>
+              </a:rPr>
+              <a:t>Multi Profile</a:t>
+            </a:r>
+          </a:p>
+          <a:p>
+            <a:pPr lvl="1"/>
+            <a:endParaRPr lang="en-US" dirty="0"/>
+          </a:p>
+        </p:txBody>
+      </p:sp>
+    </p:spTree>
+    <p:extLst>
+      <p:ext uri="{BB962C8B-B14F-4D97-AF65-F5344CB8AC3E}">
+        <p14:creationId xmlns:p14="http://schemas.microsoft.com/office/powerpoint/2010/main" val="1649602016"/>
       </p:ext>
     </p:extLst>
   </p:cSld>
@@ -5868,6 +6047,2234 @@
     <p:extLst>
       <p:ext uri="{BB962C8B-B14F-4D97-AF65-F5344CB8AC3E}">
         <p14:creationId xmlns:p14="http://schemas.microsoft.com/office/powerpoint/2010/main" val="1337685370"/>
+      </p:ext>
+    </p:extLst>
+  </p:cSld>
+  <p:clrMapOvr>
+    <a:masterClrMapping/>
+  </p:clrMapOvr>
+</p:sld>
+</file>
+
+<file path=ppt/slides/slide20.xml><?xml version="1.0" encoding="utf-8"?>
+<p:sld xmlns:a="http://schemas.openxmlformats.org/drawingml/2006/main" xmlns:r="http://schemas.openxmlformats.org/officeDocument/2006/relationships" xmlns:p="http://schemas.openxmlformats.org/presentationml/2006/main">
+  <p:cSld>
+    <p:spTree>
+      <p:nvGrpSpPr>
+        <p:cNvPr id="1" name=""/>
+        <p:cNvGrpSpPr/>
+        <p:nvPr/>
+      </p:nvGrpSpPr>
+      <p:grpSpPr>
+        <a:xfrm>
+          <a:off x="0" y="0"/>
+          <a:ext cx="0" cy="0"/>
+          <a:chOff x="0" y="0"/>
+          <a:chExt cx="0" cy="0"/>
+        </a:xfrm>
+      </p:grpSpPr>
+      <p:sp>
+        <p:nvSpPr>
+          <p:cNvPr id="2" name="Title 1">
+            <a:extLst>
+              <a:ext uri="{FF2B5EF4-FFF2-40B4-BE49-F238E27FC236}">
+                <a16:creationId xmlns:a16="http://schemas.microsoft.com/office/drawing/2014/main" id="{5326AB6D-4898-44E7-BDE2-FB3A56627C8F}"/>
+              </a:ext>
+            </a:extLst>
+          </p:cNvPr>
+          <p:cNvSpPr>
+            <a:spLocks noGrp="1"/>
+          </p:cNvSpPr>
+          <p:nvPr>
+            <p:ph type="title"/>
+          </p:nvPr>
+        </p:nvSpPr>
+        <p:spPr/>
+        <p:txBody>
+          <a:bodyPr/>
+          <a:lstStyle/>
+          <a:p>
+            <a:r>
+              <a:rPr lang="en-US" dirty="0"/>
+              <a:t>Spring Profiling</a:t>
+            </a:r>
+          </a:p>
+        </p:txBody>
+      </p:sp>
+      <p:sp>
+        <p:nvSpPr>
+          <p:cNvPr id="3" name="Content Placeholder 2">
+            <a:extLst>
+              <a:ext uri="{FF2B5EF4-FFF2-40B4-BE49-F238E27FC236}">
+                <a16:creationId xmlns:a16="http://schemas.microsoft.com/office/drawing/2014/main" id="{3DBF45C5-1574-495C-AA85-183DB4ED6F6E}"/>
+              </a:ext>
+            </a:extLst>
+          </p:cNvPr>
+          <p:cNvSpPr>
+            <a:spLocks noGrp="1"/>
+          </p:cNvSpPr>
+          <p:nvPr>
+            <p:ph idx="1"/>
+          </p:nvPr>
+        </p:nvSpPr>
+        <p:spPr/>
+        <p:txBody>
+          <a:bodyPr>
+            <a:normAutofit fontScale="92500" lnSpcReduction="20000"/>
+          </a:bodyPr>
+          <a:lstStyle/>
+          <a:p>
+            <a:r>
+              <a:rPr lang="en-US" dirty="0"/>
+              <a:t>Different Config for Env</a:t>
+            </a:r>
+          </a:p>
+          <a:p>
+            <a:pPr lvl="1"/>
+            <a:r>
+              <a:rPr lang="en-US" dirty="0">
+                <a:highlight>
+                  <a:srgbClr val="FFFF00"/>
+                </a:highlight>
+              </a:rPr>
+              <a:t>Dev </a:t>
+            </a:r>
+            <a:r>
+              <a:rPr lang="en-US" dirty="0">
+                <a:highlight>
+                  <a:srgbClr val="FFFF00"/>
+                </a:highlight>
+                <a:sym typeface="Wingdings" panose="05000000000000000000" pitchFamily="2" charset="2"/>
+              </a:rPr>
+              <a:t> </a:t>
+            </a:r>
+            <a:r>
+              <a:rPr lang="en-US" dirty="0" err="1">
+                <a:highlight>
+                  <a:srgbClr val="FFFF00"/>
+                </a:highlight>
+                <a:sym typeface="Wingdings" panose="05000000000000000000" pitchFamily="2" charset="2"/>
+              </a:rPr>
+              <a:t>mysql</a:t>
+            </a:r>
+            <a:endParaRPr lang="en-US" dirty="0">
+              <a:highlight>
+                <a:srgbClr val="FFFF00"/>
+              </a:highlight>
+            </a:endParaRPr>
+          </a:p>
+          <a:p>
+            <a:pPr lvl="1"/>
+            <a:r>
+              <a:rPr lang="en-US" dirty="0">
+                <a:highlight>
+                  <a:srgbClr val="FFFF00"/>
+                </a:highlight>
+              </a:rPr>
+              <a:t>Test </a:t>
+            </a:r>
+            <a:r>
+              <a:rPr lang="en-US" dirty="0">
+                <a:highlight>
+                  <a:srgbClr val="FFFF00"/>
+                </a:highlight>
+                <a:sym typeface="Wingdings" panose="05000000000000000000" pitchFamily="2" charset="2"/>
+              </a:rPr>
+              <a:t>h2 </a:t>
+            </a:r>
+            <a:r>
+              <a:rPr lang="en-US" dirty="0" err="1">
+                <a:highlight>
+                  <a:srgbClr val="FFFF00"/>
+                </a:highlight>
+                <a:sym typeface="Wingdings" panose="05000000000000000000" pitchFamily="2" charset="2"/>
+              </a:rPr>
+              <a:t>db</a:t>
+            </a:r>
+            <a:endParaRPr lang="en-US" dirty="0">
+              <a:highlight>
+                <a:srgbClr val="FFFF00"/>
+              </a:highlight>
+            </a:endParaRPr>
+          </a:p>
+          <a:p>
+            <a:pPr lvl="1"/>
+            <a:r>
+              <a:rPr lang="en-US" dirty="0"/>
+              <a:t>Prod </a:t>
+            </a:r>
+            <a:r>
+              <a:rPr lang="en-US" dirty="0">
+                <a:sym typeface="Wingdings" panose="05000000000000000000" pitchFamily="2" charset="2"/>
+              </a:rPr>
+              <a:t> Oracle/ </a:t>
+            </a:r>
+            <a:r>
+              <a:rPr lang="en-US" dirty="0" err="1">
+                <a:sym typeface="Wingdings" panose="05000000000000000000" pitchFamily="2" charset="2"/>
+              </a:rPr>
+              <a:t>postgres</a:t>
+            </a:r>
+            <a:endParaRPr lang="en-US" dirty="0">
+              <a:sym typeface="Wingdings" panose="05000000000000000000" pitchFamily="2" charset="2"/>
+            </a:endParaRPr>
+          </a:p>
+          <a:p>
+            <a:pPr lvl="1"/>
+            <a:endParaRPr lang="en-US" dirty="0">
+              <a:sym typeface="Wingdings" panose="05000000000000000000" pitchFamily="2" charset="2"/>
+            </a:endParaRPr>
+          </a:p>
+          <a:p>
+            <a:pPr lvl="1"/>
+            <a:r>
+              <a:rPr lang="en-US" u="sng" dirty="0">
+                <a:sym typeface="Wingdings" panose="05000000000000000000" pitchFamily="2" charset="2"/>
+              </a:rPr>
+              <a:t>Properties</a:t>
+            </a:r>
+          </a:p>
+          <a:p>
+            <a:pPr lvl="1"/>
+            <a:r>
+              <a:rPr lang="en-US" dirty="0">
+                <a:sym typeface="Wingdings" panose="05000000000000000000" pitchFamily="2" charset="2"/>
+              </a:rPr>
+              <a:t>application-</a:t>
+            </a:r>
+            <a:r>
+              <a:rPr lang="en-US" dirty="0" err="1">
+                <a:sym typeface="Wingdings" panose="05000000000000000000" pitchFamily="2" charset="2"/>
+              </a:rPr>
+              <a:t>dev.properties</a:t>
+            </a:r>
+            <a:endParaRPr lang="en-US" dirty="0">
+              <a:sym typeface="Wingdings" panose="05000000000000000000" pitchFamily="2" charset="2"/>
+            </a:endParaRPr>
+          </a:p>
+          <a:p>
+            <a:pPr lvl="1"/>
+            <a:r>
+              <a:rPr lang="en-US" dirty="0">
+                <a:sym typeface="Wingdings" panose="05000000000000000000" pitchFamily="2" charset="2"/>
+              </a:rPr>
+              <a:t>application-</a:t>
+            </a:r>
+            <a:r>
+              <a:rPr lang="en-US" dirty="0" err="1">
+                <a:sym typeface="Wingdings" panose="05000000000000000000" pitchFamily="2" charset="2"/>
+              </a:rPr>
+              <a:t>test.properties</a:t>
+            </a:r>
+            <a:endParaRPr lang="en-US" dirty="0">
+              <a:sym typeface="Wingdings" panose="05000000000000000000" pitchFamily="2" charset="2"/>
+            </a:endParaRPr>
+          </a:p>
+          <a:p>
+            <a:pPr lvl="1"/>
+            <a:r>
+              <a:rPr lang="en-US" dirty="0">
+                <a:sym typeface="Wingdings" panose="05000000000000000000" pitchFamily="2" charset="2"/>
+              </a:rPr>
+              <a:t>application-</a:t>
+            </a:r>
+            <a:r>
+              <a:rPr lang="en-US" dirty="0" err="1">
+                <a:sym typeface="Wingdings" panose="05000000000000000000" pitchFamily="2" charset="2"/>
+              </a:rPr>
+              <a:t>prod.properties</a:t>
+            </a:r>
+            <a:endParaRPr lang="en-US" dirty="0">
+              <a:sym typeface="Wingdings" panose="05000000000000000000" pitchFamily="2" charset="2"/>
+            </a:endParaRPr>
+          </a:p>
+          <a:p>
+            <a:pPr lvl="1"/>
+            <a:endParaRPr lang="en-US" dirty="0"/>
+          </a:p>
+          <a:p>
+            <a:pPr lvl="1"/>
+            <a:r>
+              <a:rPr lang="en-US" dirty="0" err="1">
+                <a:solidFill>
+                  <a:srgbClr val="FF0000"/>
+                </a:solidFill>
+              </a:rPr>
+              <a:t>spring.profile.active</a:t>
+            </a:r>
+            <a:r>
+              <a:rPr lang="en-US" dirty="0">
+                <a:solidFill>
+                  <a:srgbClr val="FF0000"/>
+                </a:solidFill>
+              </a:rPr>
+              <a:t> : dev</a:t>
+            </a:r>
+          </a:p>
+          <a:p>
+            <a:pPr lvl="1"/>
+            <a:r>
+              <a:rPr lang="en-US" dirty="0" err="1">
+                <a:solidFill>
+                  <a:srgbClr val="FF0000"/>
+                </a:solidFill>
+              </a:rPr>
+              <a:t>spring.profile.active</a:t>
+            </a:r>
+            <a:r>
+              <a:rPr lang="en-US" dirty="0">
+                <a:solidFill>
+                  <a:srgbClr val="FF0000"/>
+                </a:solidFill>
+              </a:rPr>
+              <a:t> : test</a:t>
+            </a:r>
+          </a:p>
+          <a:p>
+            <a:pPr lvl="1"/>
+            <a:r>
+              <a:rPr lang="en-US" dirty="0">
+                <a:solidFill>
+                  <a:srgbClr val="FF0000"/>
+                </a:solidFill>
+              </a:rPr>
+              <a:t>@</a:t>
+            </a:r>
+            <a:r>
+              <a:rPr lang="en-US" dirty="0" err="1">
+                <a:solidFill>
+                  <a:srgbClr val="FF0000"/>
+                </a:solidFill>
+              </a:rPr>
+              <a:t>ActiveProfile</a:t>
+            </a:r>
+            <a:r>
+              <a:rPr lang="en-US" dirty="0">
+                <a:solidFill>
+                  <a:srgbClr val="FF0000"/>
+                </a:solidFill>
+              </a:rPr>
+              <a:t>(${</a:t>
+            </a:r>
+            <a:r>
+              <a:rPr lang="en-US" dirty="0" err="1">
+                <a:solidFill>
+                  <a:srgbClr val="FF0000"/>
+                </a:solidFill>
+              </a:rPr>
+              <a:t>spring.myprofile</a:t>
+            </a:r>
+            <a:r>
+              <a:rPr lang="en-US" dirty="0">
+                <a:solidFill>
+                  <a:srgbClr val="FF0000"/>
+                </a:solidFill>
+              </a:rPr>
+              <a:t>})</a:t>
+            </a:r>
+          </a:p>
+          <a:p>
+            <a:pPr lvl="1"/>
+            <a:r>
+              <a:rPr lang="en-US" dirty="0">
+                <a:highlight>
+                  <a:srgbClr val="FFFF00"/>
+                </a:highlight>
+              </a:rPr>
+              <a:t>@Profile("dev")</a:t>
+            </a:r>
+            <a:endParaRPr lang="en-US" dirty="0">
+              <a:solidFill>
+                <a:srgbClr val="FF0000"/>
+              </a:solidFill>
+              <a:highlight>
+                <a:srgbClr val="FFFF00"/>
+              </a:highlight>
+            </a:endParaRPr>
+          </a:p>
+          <a:p>
+            <a:pPr lvl="1"/>
+            <a:endParaRPr lang="en-US" dirty="0"/>
+          </a:p>
+          <a:p>
+            <a:endParaRPr lang="en-US" dirty="0"/>
+          </a:p>
+        </p:txBody>
+      </p:sp>
+    </p:spTree>
+    <p:extLst>
+      <p:ext uri="{BB962C8B-B14F-4D97-AF65-F5344CB8AC3E}">
+        <p14:creationId xmlns:p14="http://schemas.microsoft.com/office/powerpoint/2010/main" val="2766910456"/>
+      </p:ext>
+    </p:extLst>
+  </p:cSld>
+  <p:clrMapOvr>
+    <a:masterClrMapping/>
+  </p:clrMapOvr>
+</p:sld>
+</file>
+
+<file path=ppt/slides/slide21.xml><?xml version="1.0" encoding="utf-8"?>
+<p:sld xmlns:a="http://schemas.openxmlformats.org/drawingml/2006/main" xmlns:r="http://schemas.openxmlformats.org/officeDocument/2006/relationships" xmlns:p="http://schemas.openxmlformats.org/presentationml/2006/main">
+  <p:cSld>
+    <p:spTree>
+      <p:nvGrpSpPr>
+        <p:cNvPr id="1" name=""/>
+        <p:cNvGrpSpPr/>
+        <p:nvPr/>
+      </p:nvGrpSpPr>
+      <p:grpSpPr>
+        <a:xfrm>
+          <a:off x="0" y="0"/>
+          <a:ext cx="0" cy="0"/>
+          <a:chOff x="0" y="0"/>
+          <a:chExt cx="0" cy="0"/>
+        </a:xfrm>
+      </p:grpSpPr>
+      <p:sp>
+        <p:nvSpPr>
+          <p:cNvPr id="4" name="Rectangle 3">
+            <a:extLst>
+              <a:ext uri="{FF2B5EF4-FFF2-40B4-BE49-F238E27FC236}">
+                <a16:creationId xmlns:a16="http://schemas.microsoft.com/office/drawing/2014/main" id="{E1371B7A-4F18-4AB1-98CA-83F9A8065E99}"/>
+              </a:ext>
+            </a:extLst>
+          </p:cNvPr>
+          <p:cNvSpPr/>
+          <p:nvPr/>
+        </p:nvSpPr>
+        <p:spPr>
+          <a:xfrm>
+            <a:off x="1068512" y="1315092"/>
+            <a:ext cx="9739901" cy="4469259"/>
+          </a:xfrm>
+          <a:prstGeom prst="rect">
+            <a:avLst/>
+          </a:prstGeom>
+        </p:spPr>
+        <p:style>
+          <a:lnRef idx="2">
+            <a:schemeClr val="accent1">
+              <a:shade val="50000"/>
+            </a:schemeClr>
+          </a:lnRef>
+          <a:fillRef idx="1">
+            <a:schemeClr val="accent1"/>
+          </a:fillRef>
+          <a:effectRef idx="0">
+            <a:schemeClr val="accent1"/>
+          </a:effectRef>
+          <a:fontRef idx="minor">
+            <a:schemeClr val="lt1"/>
+          </a:fontRef>
+        </p:style>
+        <p:txBody>
+          <a:bodyPr rtlCol="0" anchor="ctr"/>
+          <a:lstStyle/>
+          <a:p>
+            <a:pPr algn="ctr"/>
+            <a:r>
+              <a:rPr lang="en-US" dirty="0" err="1"/>
+              <a:t>springcontext</a:t>
+            </a:r>
+            <a:endParaRPr lang="en-US" dirty="0"/>
+          </a:p>
+        </p:txBody>
+      </p:sp>
+      <p:sp>
+        <p:nvSpPr>
+          <p:cNvPr id="5" name="Oval 4">
+            <a:extLst>
+              <a:ext uri="{FF2B5EF4-FFF2-40B4-BE49-F238E27FC236}">
+                <a16:creationId xmlns:a16="http://schemas.microsoft.com/office/drawing/2014/main" id="{6749A799-403C-4DBB-9CF9-D9CA1962C456}"/>
+              </a:ext>
+            </a:extLst>
+          </p:cNvPr>
+          <p:cNvSpPr/>
+          <p:nvPr/>
+        </p:nvSpPr>
+        <p:spPr>
+          <a:xfrm>
+            <a:off x="2921285" y="2537724"/>
+            <a:ext cx="1674687" cy="482886"/>
+          </a:xfrm>
+          <a:prstGeom prst="ellipse">
+            <a:avLst/>
+          </a:prstGeom>
+          <a:solidFill>
+            <a:schemeClr val="accent2"/>
+          </a:solidFill>
+        </p:spPr>
+        <p:style>
+          <a:lnRef idx="2">
+            <a:schemeClr val="accent1">
+              <a:shade val="50000"/>
+            </a:schemeClr>
+          </a:lnRef>
+          <a:fillRef idx="1">
+            <a:schemeClr val="accent1"/>
+          </a:fillRef>
+          <a:effectRef idx="0">
+            <a:schemeClr val="accent1"/>
+          </a:effectRef>
+          <a:fontRef idx="minor">
+            <a:schemeClr val="lt1"/>
+          </a:fontRef>
+        </p:style>
+        <p:txBody>
+          <a:bodyPr rtlCol="0" anchor="ctr"/>
+          <a:lstStyle/>
+          <a:p>
+            <a:pPr algn="ctr"/>
+            <a:r>
+              <a:rPr lang="en-US" dirty="0"/>
+              <a:t>bean</a:t>
+            </a:r>
+          </a:p>
+        </p:txBody>
+      </p:sp>
+      <p:sp>
+        <p:nvSpPr>
+          <p:cNvPr id="6" name="Oval 5">
+            <a:extLst>
+              <a:ext uri="{FF2B5EF4-FFF2-40B4-BE49-F238E27FC236}">
+                <a16:creationId xmlns:a16="http://schemas.microsoft.com/office/drawing/2014/main" id="{7F486A45-9AC8-41C7-9417-D520591F7518}"/>
+              </a:ext>
+            </a:extLst>
+          </p:cNvPr>
+          <p:cNvSpPr/>
+          <p:nvPr/>
+        </p:nvSpPr>
+        <p:spPr>
+          <a:xfrm>
+            <a:off x="2083942" y="1857911"/>
+            <a:ext cx="1674687" cy="482886"/>
+          </a:xfrm>
+          <a:prstGeom prst="ellipse">
+            <a:avLst/>
+          </a:prstGeom>
+          <a:solidFill>
+            <a:schemeClr val="accent2"/>
+          </a:solidFill>
+        </p:spPr>
+        <p:style>
+          <a:lnRef idx="2">
+            <a:schemeClr val="accent1">
+              <a:shade val="50000"/>
+            </a:schemeClr>
+          </a:lnRef>
+          <a:fillRef idx="1">
+            <a:schemeClr val="accent1"/>
+          </a:fillRef>
+          <a:effectRef idx="0">
+            <a:schemeClr val="accent1"/>
+          </a:effectRef>
+          <a:fontRef idx="minor">
+            <a:schemeClr val="lt1"/>
+          </a:fontRef>
+        </p:style>
+        <p:txBody>
+          <a:bodyPr rtlCol="0" anchor="ctr"/>
+          <a:lstStyle/>
+          <a:p>
+            <a:pPr algn="ctr"/>
+            <a:r>
+              <a:rPr lang="en-US" dirty="0"/>
+              <a:t>bean</a:t>
+            </a:r>
+          </a:p>
+        </p:txBody>
+      </p:sp>
+      <p:sp>
+        <p:nvSpPr>
+          <p:cNvPr id="7" name="Oval 6">
+            <a:extLst>
+              <a:ext uri="{FF2B5EF4-FFF2-40B4-BE49-F238E27FC236}">
+                <a16:creationId xmlns:a16="http://schemas.microsoft.com/office/drawing/2014/main" id="{61F10CC4-9FC3-4024-98B6-5B0ADC41AD18}"/>
+              </a:ext>
+            </a:extLst>
+          </p:cNvPr>
+          <p:cNvSpPr/>
+          <p:nvPr/>
+        </p:nvSpPr>
+        <p:spPr>
+          <a:xfrm>
+            <a:off x="1383587" y="2578816"/>
+            <a:ext cx="1674687" cy="482886"/>
+          </a:xfrm>
+          <a:prstGeom prst="ellipse">
+            <a:avLst/>
+          </a:prstGeom>
+          <a:solidFill>
+            <a:schemeClr val="accent2"/>
+          </a:solidFill>
+        </p:spPr>
+        <p:style>
+          <a:lnRef idx="2">
+            <a:schemeClr val="accent1">
+              <a:shade val="50000"/>
+            </a:schemeClr>
+          </a:lnRef>
+          <a:fillRef idx="1">
+            <a:schemeClr val="accent1"/>
+          </a:fillRef>
+          <a:effectRef idx="0">
+            <a:schemeClr val="accent1"/>
+          </a:effectRef>
+          <a:fontRef idx="minor">
+            <a:schemeClr val="lt1"/>
+          </a:fontRef>
+        </p:style>
+        <p:txBody>
+          <a:bodyPr rtlCol="0" anchor="ctr"/>
+          <a:lstStyle/>
+          <a:p>
+            <a:pPr algn="ctr"/>
+            <a:r>
+              <a:rPr lang="en-US" dirty="0"/>
+              <a:t>bean</a:t>
+            </a:r>
+          </a:p>
+        </p:txBody>
+      </p:sp>
+      <p:sp>
+        <p:nvSpPr>
+          <p:cNvPr id="8" name="Oval 7">
+            <a:extLst>
+              <a:ext uri="{FF2B5EF4-FFF2-40B4-BE49-F238E27FC236}">
+                <a16:creationId xmlns:a16="http://schemas.microsoft.com/office/drawing/2014/main" id="{39FC6A85-5728-47C5-9DF0-19CFCC978F6C}"/>
+              </a:ext>
+            </a:extLst>
+          </p:cNvPr>
+          <p:cNvSpPr/>
+          <p:nvPr/>
+        </p:nvSpPr>
+        <p:spPr>
+          <a:xfrm>
+            <a:off x="3631913" y="3241500"/>
+            <a:ext cx="1674687" cy="482886"/>
+          </a:xfrm>
+          <a:prstGeom prst="ellipse">
+            <a:avLst/>
+          </a:prstGeom>
+          <a:solidFill>
+            <a:schemeClr val="accent2"/>
+          </a:solidFill>
+        </p:spPr>
+        <p:style>
+          <a:lnRef idx="2">
+            <a:schemeClr val="accent1">
+              <a:shade val="50000"/>
+            </a:schemeClr>
+          </a:lnRef>
+          <a:fillRef idx="1">
+            <a:schemeClr val="accent1"/>
+          </a:fillRef>
+          <a:effectRef idx="0">
+            <a:schemeClr val="accent1"/>
+          </a:effectRef>
+          <a:fontRef idx="minor">
+            <a:schemeClr val="lt1"/>
+          </a:fontRef>
+        </p:style>
+        <p:txBody>
+          <a:bodyPr rtlCol="0" anchor="ctr"/>
+          <a:lstStyle/>
+          <a:p>
+            <a:pPr algn="ctr"/>
+            <a:r>
+              <a:rPr lang="en-US" dirty="0"/>
+              <a:t>bean</a:t>
+            </a:r>
+          </a:p>
+        </p:txBody>
+      </p:sp>
+      <p:sp>
+        <p:nvSpPr>
+          <p:cNvPr id="9" name="Oval 8">
+            <a:extLst>
+              <a:ext uri="{FF2B5EF4-FFF2-40B4-BE49-F238E27FC236}">
+                <a16:creationId xmlns:a16="http://schemas.microsoft.com/office/drawing/2014/main" id="{D8FD3D03-F89A-469E-BFC7-33F2BE5F6C74}"/>
+              </a:ext>
+            </a:extLst>
+          </p:cNvPr>
+          <p:cNvSpPr/>
+          <p:nvPr/>
+        </p:nvSpPr>
+        <p:spPr>
+          <a:xfrm>
+            <a:off x="1931541" y="3402460"/>
+            <a:ext cx="1674687" cy="482886"/>
+          </a:xfrm>
+          <a:prstGeom prst="ellipse">
+            <a:avLst/>
+          </a:prstGeom>
+          <a:solidFill>
+            <a:schemeClr val="accent2"/>
+          </a:solidFill>
+        </p:spPr>
+        <p:style>
+          <a:lnRef idx="2">
+            <a:schemeClr val="accent1">
+              <a:shade val="50000"/>
+            </a:schemeClr>
+          </a:lnRef>
+          <a:fillRef idx="1">
+            <a:schemeClr val="accent1"/>
+          </a:fillRef>
+          <a:effectRef idx="0">
+            <a:schemeClr val="accent1"/>
+          </a:effectRef>
+          <a:fontRef idx="minor">
+            <a:schemeClr val="lt1"/>
+          </a:fontRef>
+        </p:style>
+        <p:txBody>
+          <a:bodyPr rtlCol="0" anchor="ctr"/>
+          <a:lstStyle/>
+          <a:p>
+            <a:pPr algn="ctr"/>
+            <a:r>
+              <a:rPr lang="en-US" dirty="0"/>
+              <a:t>bean</a:t>
+            </a:r>
+          </a:p>
+        </p:txBody>
+      </p:sp>
+      <p:sp>
+        <p:nvSpPr>
+          <p:cNvPr id="10" name="Oval 9">
+            <a:extLst>
+              <a:ext uri="{FF2B5EF4-FFF2-40B4-BE49-F238E27FC236}">
+                <a16:creationId xmlns:a16="http://schemas.microsoft.com/office/drawing/2014/main" id="{7922C230-9E54-4AF2-996C-F22FB84623EF}"/>
+              </a:ext>
+            </a:extLst>
+          </p:cNvPr>
+          <p:cNvSpPr/>
+          <p:nvPr/>
+        </p:nvSpPr>
+        <p:spPr>
+          <a:xfrm>
+            <a:off x="4303159" y="1847639"/>
+            <a:ext cx="1674687" cy="482886"/>
+          </a:xfrm>
+          <a:prstGeom prst="ellipse">
+            <a:avLst/>
+          </a:prstGeom>
+          <a:solidFill>
+            <a:schemeClr val="accent2"/>
+          </a:solidFill>
+        </p:spPr>
+        <p:style>
+          <a:lnRef idx="2">
+            <a:schemeClr val="accent1">
+              <a:shade val="50000"/>
+            </a:schemeClr>
+          </a:lnRef>
+          <a:fillRef idx="1">
+            <a:schemeClr val="accent1"/>
+          </a:fillRef>
+          <a:effectRef idx="0">
+            <a:schemeClr val="accent1"/>
+          </a:effectRef>
+          <a:fontRef idx="minor">
+            <a:schemeClr val="lt1"/>
+          </a:fontRef>
+        </p:style>
+        <p:txBody>
+          <a:bodyPr rtlCol="0" anchor="ctr"/>
+          <a:lstStyle/>
+          <a:p>
+            <a:pPr algn="ctr"/>
+            <a:r>
+              <a:rPr lang="en-US" dirty="0"/>
+              <a:t>bean</a:t>
+            </a:r>
+          </a:p>
+        </p:txBody>
+      </p:sp>
+      <p:sp>
+        <p:nvSpPr>
+          <p:cNvPr id="11" name="Rectangle 10">
+            <a:extLst>
+              <a:ext uri="{FF2B5EF4-FFF2-40B4-BE49-F238E27FC236}">
+                <a16:creationId xmlns:a16="http://schemas.microsoft.com/office/drawing/2014/main" id="{4DE18E6C-EF8B-40FA-98DA-42C511F32F26}"/>
+              </a:ext>
+            </a:extLst>
+          </p:cNvPr>
+          <p:cNvSpPr/>
+          <p:nvPr/>
+        </p:nvSpPr>
+        <p:spPr>
+          <a:xfrm>
+            <a:off x="6780944" y="1517153"/>
+            <a:ext cx="3479515" cy="2068528"/>
+          </a:xfrm>
+          <a:prstGeom prst="rect">
+            <a:avLst/>
+          </a:prstGeom>
+          <a:solidFill>
+            <a:schemeClr val="accent6">
+              <a:lumMod val="60000"/>
+              <a:lumOff val="40000"/>
+            </a:schemeClr>
+          </a:solidFill>
+        </p:spPr>
+        <p:style>
+          <a:lnRef idx="2">
+            <a:schemeClr val="accent1">
+              <a:shade val="50000"/>
+            </a:schemeClr>
+          </a:lnRef>
+          <a:fillRef idx="1">
+            <a:schemeClr val="accent1"/>
+          </a:fillRef>
+          <a:effectRef idx="0">
+            <a:schemeClr val="accent1"/>
+          </a:effectRef>
+          <a:fontRef idx="minor">
+            <a:schemeClr val="lt1"/>
+          </a:fontRef>
+        </p:style>
+        <p:txBody>
+          <a:bodyPr rtlCol="0" anchor="ctr"/>
+          <a:lstStyle/>
+          <a:p>
+            <a:pPr algn="ctr"/>
+            <a:r>
+              <a:rPr lang="en-US" dirty="0"/>
+              <a:t>dev</a:t>
+            </a:r>
+          </a:p>
+        </p:txBody>
+      </p:sp>
+      <p:sp>
+        <p:nvSpPr>
+          <p:cNvPr id="12" name="Rectangle 11">
+            <a:extLst>
+              <a:ext uri="{FF2B5EF4-FFF2-40B4-BE49-F238E27FC236}">
+                <a16:creationId xmlns:a16="http://schemas.microsoft.com/office/drawing/2014/main" id="{5EB53B91-2AB1-463F-8430-4990BEBA51F4}"/>
+              </a:ext>
+            </a:extLst>
+          </p:cNvPr>
+          <p:cNvSpPr/>
+          <p:nvPr/>
+        </p:nvSpPr>
+        <p:spPr>
+          <a:xfrm>
+            <a:off x="4595971" y="3736369"/>
+            <a:ext cx="3479515" cy="2068528"/>
+          </a:xfrm>
+          <a:prstGeom prst="rect">
+            <a:avLst/>
+          </a:prstGeom>
+          <a:solidFill>
+            <a:schemeClr val="accent4">
+              <a:lumMod val="60000"/>
+              <a:lumOff val="40000"/>
+            </a:schemeClr>
+          </a:solidFill>
+        </p:spPr>
+        <p:style>
+          <a:lnRef idx="2">
+            <a:schemeClr val="accent1">
+              <a:shade val="50000"/>
+            </a:schemeClr>
+          </a:lnRef>
+          <a:fillRef idx="1">
+            <a:schemeClr val="accent1"/>
+          </a:fillRef>
+          <a:effectRef idx="0">
+            <a:schemeClr val="accent1"/>
+          </a:effectRef>
+          <a:fontRef idx="minor">
+            <a:schemeClr val="lt1"/>
+          </a:fontRef>
+        </p:style>
+        <p:txBody>
+          <a:bodyPr rtlCol="0" anchor="ctr"/>
+          <a:lstStyle/>
+          <a:p>
+            <a:pPr algn="ctr"/>
+            <a:r>
+              <a:rPr lang="en-US" dirty="0"/>
+              <a:t>test</a:t>
+            </a:r>
+          </a:p>
+        </p:txBody>
+      </p:sp>
+      <p:sp>
+        <p:nvSpPr>
+          <p:cNvPr id="13" name="Oval 12">
+            <a:extLst>
+              <a:ext uri="{FF2B5EF4-FFF2-40B4-BE49-F238E27FC236}">
+                <a16:creationId xmlns:a16="http://schemas.microsoft.com/office/drawing/2014/main" id="{52E41F6B-C8EC-4C60-8C4E-3E9CD5F9BD94}"/>
+              </a:ext>
+            </a:extLst>
+          </p:cNvPr>
+          <p:cNvSpPr/>
+          <p:nvPr/>
+        </p:nvSpPr>
+        <p:spPr>
+          <a:xfrm>
+            <a:off x="7683357" y="1857911"/>
+            <a:ext cx="1674687" cy="482886"/>
+          </a:xfrm>
+          <a:prstGeom prst="ellipse">
+            <a:avLst/>
+          </a:prstGeom>
+          <a:solidFill>
+            <a:schemeClr val="accent2"/>
+          </a:solidFill>
+        </p:spPr>
+        <p:style>
+          <a:lnRef idx="2">
+            <a:schemeClr val="accent1">
+              <a:shade val="50000"/>
+            </a:schemeClr>
+          </a:lnRef>
+          <a:fillRef idx="1">
+            <a:schemeClr val="accent1"/>
+          </a:fillRef>
+          <a:effectRef idx="0">
+            <a:schemeClr val="accent1"/>
+          </a:effectRef>
+          <a:fontRef idx="minor">
+            <a:schemeClr val="lt1"/>
+          </a:fontRef>
+        </p:style>
+        <p:txBody>
+          <a:bodyPr rtlCol="0" anchor="ctr"/>
+          <a:lstStyle/>
+          <a:p>
+            <a:pPr algn="ctr"/>
+            <a:r>
+              <a:rPr lang="en-US" dirty="0" err="1"/>
+              <a:t>mysqldb</a:t>
+            </a:r>
+            <a:endParaRPr lang="en-US" dirty="0"/>
+          </a:p>
+        </p:txBody>
+      </p:sp>
+      <p:sp>
+        <p:nvSpPr>
+          <p:cNvPr id="14" name="Oval 13">
+            <a:extLst>
+              <a:ext uri="{FF2B5EF4-FFF2-40B4-BE49-F238E27FC236}">
+                <a16:creationId xmlns:a16="http://schemas.microsoft.com/office/drawing/2014/main" id="{FE32B4D2-C50E-4BC4-91D0-ECBBDBAEEE41}"/>
+              </a:ext>
+            </a:extLst>
+          </p:cNvPr>
+          <p:cNvSpPr/>
+          <p:nvPr/>
+        </p:nvSpPr>
+        <p:spPr>
+          <a:xfrm>
+            <a:off x="5729554" y="4202130"/>
+            <a:ext cx="1674687" cy="482886"/>
+          </a:xfrm>
+          <a:prstGeom prst="ellipse">
+            <a:avLst/>
+          </a:prstGeom>
+          <a:solidFill>
+            <a:schemeClr val="accent2"/>
+          </a:solidFill>
+        </p:spPr>
+        <p:style>
+          <a:lnRef idx="2">
+            <a:schemeClr val="accent1">
+              <a:shade val="50000"/>
+            </a:schemeClr>
+          </a:lnRef>
+          <a:fillRef idx="1">
+            <a:schemeClr val="accent1"/>
+          </a:fillRef>
+          <a:effectRef idx="0">
+            <a:schemeClr val="accent1"/>
+          </a:effectRef>
+          <a:fontRef idx="minor">
+            <a:schemeClr val="lt1"/>
+          </a:fontRef>
+        </p:style>
+        <p:txBody>
+          <a:bodyPr rtlCol="0" anchor="ctr"/>
+          <a:lstStyle/>
+          <a:p>
+            <a:pPr algn="ctr"/>
+            <a:r>
+              <a:rPr lang="en-US" dirty="0" err="1"/>
+              <a:t>oracledb</a:t>
+            </a:r>
+            <a:endParaRPr lang="en-US" dirty="0"/>
+          </a:p>
+        </p:txBody>
+      </p:sp>
+    </p:spTree>
+    <p:extLst>
+      <p:ext uri="{BB962C8B-B14F-4D97-AF65-F5344CB8AC3E}">
+        <p14:creationId xmlns:p14="http://schemas.microsoft.com/office/powerpoint/2010/main" val="2609410300"/>
+      </p:ext>
+    </p:extLst>
+  </p:cSld>
+  <p:clrMapOvr>
+    <a:masterClrMapping/>
+  </p:clrMapOvr>
+</p:sld>
+</file>
+
+<file path=ppt/slides/slide22.xml><?xml version="1.0" encoding="utf-8"?>
+<p:sld xmlns:a="http://schemas.openxmlformats.org/drawingml/2006/main" xmlns:r="http://schemas.openxmlformats.org/officeDocument/2006/relationships" xmlns:p="http://schemas.openxmlformats.org/presentationml/2006/main">
+  <p:cSld>
+    <p:spTree>
+      <p:nvGrpSpPr>
+        <p:cNvPr id="1" name=""/>
+        <p:cNvGrpSpPr/>
+        <p:nvPr/>
+      </p:nvGrpSpPr>
+      <p:grpSpPr>
+        <a:xfrm>
+          <a:off x="0" y="0"/>
+          <a:ext cx="0" cy="0"/>
+          <a:chOff x="0" y="0"/>
+          <a:chExt cx="0" cy="0"/>
+        </a:xfrm>
+      </p:grpSpPr>
+      <p:sp>
+        <p:nvSpPr>
+          <p:cNvPr id="2" name="Title 1">
+            <a:extLst>
+              <a:ext uri="{FF2B5EF4-FFF2-40B4-BE49-F238E27FC236}">
+                <a16:creationId xmlns:a16="http://schemas.microsoft.com/office/drawing/2014/main" id="{7A504625-647D-4F27-9E1B-94EA4046713A}"/>
+              </a:ext>
+            </a:extLst>
+          </p:cNvPr>
+          <p:cNvSpPr>
+            <a:spLocks noGrp="1"/>
+          </p:cNvSpPr>
+          <p:nvPr>
+            <p:ph type="title"/>
+          </p:nvPr>
+        </p:nvSpPr>
+        <p:spPr/>
+        <p:txBody>
+          <a:bodyPr/>
+          <a:lstStyle/>
+          <a:p>
+            <a:r>
+              <a:rPr lang="en-US" dirty="0"/>
+              <a:t>Embedded Server</a:t>
+            </a:r>
+          </a:p>
+        </p:txBody>
+      </p:sp>
+      <p:sp>
+        <p:nvSpPr>
+          <p:cNvPr id="3" name="Content Placeholder 2">
+            <a:extLst>
+              <a:ext uri="{FF2B5EF4-FFF2-40B4-BE49-F238E27FC236}">
+                <a16:creationId xmlns:a16="http://schemas.microsoft.com/office/drawing/2014/main" id="{A2BE0EBF-5C3C-45F8-800C-668B6A3C04F8}"/>
+              </a:ext>
+            </a:extLst>
+          </p:cNvPr>
+          <p:cNvSpPr>
+            <a:spLocks noGrp="1"/>
+          </p:cNvSpPr>
+          <p:nvPr>
+            <p:ph idx="1"/>
+          </p:nvPr>
+        </p:nvSpPr>
+        <p:spPr/>
+        <p:txBody>
+          <a:bodyPr/>
+          <a:lstStyle/>
+          <a:p>
+            <a:r>
+              <a:rPr lang="en-US" dirty="0"/>
+              <a:t>Change my embedded Server</a:t>
+            </a:r>
+          </a:p>
+          <a:p>
+            <a:pPr lvl="1"/>
+            <a:r>
+              <a:rPr lang="en-US" dirty="0"/>
+              <a:t>Jetty</a:t>
+            </a:r>
+          </a:p>
+        </p:txBody>
+      </p:sp>
+    </p:spTree>
+    <p:extLst>
+      <p:ext uri="{BB962C8B-B14F-4D97-AF65-F5344CB8AC3E}">
+        <p14:creationId xmlns:p14="http://schemas.microsoft.com/office/powerpoint/2010/main" val="1869275147"/>
+      </p:ext>
+    </p:extLst>
+  </p:cSld>
+  <p:clrMapOvr>
+    <a:masterClrMapping/>
+  </p:clrMapOvr>
+</p:sld>
+</file>
+
+<file path=ppt/slides/slide23.xml><?xml version="1.0" encoding="utf-8"?>
+<p:sld xmlns:a="http://schemas.openxmlformats.org/drawingml/2006/main" xmlns:r="http://schemas.openxmlformats.org/officeDocument/2006/relationships" xmlns:p="http://schemas.openxmlformats.org/presentationml/2006/main">
+  <p:cSld>
+    <p:spTree>
+      <p:nvGrpSpPr>
+        <p:cNvPr id="1" name=""/>
+        <p:cNvGrpSpPr/>
+        <p:nvPr/>
+      </p:nvGrpSpPr>
+      <p:grpSpPr>
+        <a:xfrm>
+          <a:off x="0" y="0"/>
+          <a:ext cx="0" cy="0"/>
+          <a:chOff x="0" y="0"/>
+          <a:chExt cx="0" cy="0"/>
+        </a:xfrm>
+      </p:grpSpPr>
+      <p:sp>
+        <p:nvSpPr>
+          <p:cNvPr id="2" name="Title 1">
+            <a:extLst>
+              <a:ext uri="{FF2B5EF4-FFF2-40B4-BE49-F238E27FC236}">
+                <a16:creationId xmlns:a16="http://schemas.microsoft.com/office/drawing/2014/main" id="{E9969C4F-0E62-4593-9830-2D5EA8297C7D}"/>
+              </a:ext>
+            </a:extLst>
+          </p:cNvPr>
+          <p:cNvSpPr>
+            <a:spLocks noGrp="1"/>
+          </p:cNvSpPr>
+          <p:nvPr>
+            <p:ph type="title"/>
+          </p:nvPr>
+        </p:nvSpPr>
+        <p:spPr/>
+        <p:txBody>
+          <a:bodyPr/>
+          <a:lstStyle/>
+          <a:p>
+            <a:r>
+              <a:rPr lang="en-US" dirty="0"/>
+              <a:t>Actuators</a:t>
+            </a:r>
+          </a:p>
+        </p:txBody>
+      </p:sp>
+      <p:sp>
+        <p:nvSpPr>
+          <p:cNvPr id="3" name="Content Placeholder 2">
+            <a:extLst>
+              <a:ext uri="{FF2B5EF4-FFF2-40B4-BE49-F238E27FC236}">
+                <a16:creationId xmlns:a16="http://schemas.microsoft.com/office/drawing/2014/main" id="{298A38B7-792B-49D3-B5C5-3F7FCA32684A}"/>
+              </a:ext>
+            </a:extLst>
+          </p:cNvPr>
+          <p:cNvSpPr>
+            <a:spLocks noGrp="1"/>
+          </p:cNvSpPr>
+          <p:nvPr>
+            <p:ph idx="1"/>
+          </p:nvPr>
+        </p:nvSpPr>
+        <p:spPr/>
+        <p:txBody>
+          <a:bodyPr/>
+          <a:lstStyle/>
+          <a:p>
+            <a:r>
+              <a:rPr lang="en-US" dirty="0"/>
+              <a:t>Monitoring Tool</a:t>
+            </a:r>
+          </a:p>
+          <a:p>
+            <a:r>
+              <a:rPr lang="en-US" dirty="0"/>
+              <a:t>Sub Project</a:t>
+            </a:r>
+          </a:p>
+          <a:p>
+            <a:r>
+              <a:rPr lang="en-US" dirty="0"/>
+              <a:t>Provides Endpoints</a:t>
+            </a:r>
+          </a:p>
+          <a:p>
+            <a:pPr lvl="1"/>
+            <a:r>
+              <a:rPr lang="en-US" dirty="0">
+                <a:highlight>
+                  <a:srgbClr val="FFFF00"/>
+                </a:highlight>
+              </a:rPr>
+              <a:t>Health</a:t>
+            </a:r>
+          </a:p>
+          <a:p>
+            <a:pPr lvl="1"/>
+            <a:r>
+              <a:rPr lang="en-US" dirty="0">
+                <a:highlight>
+                  <a:srgbClr val="FFFF00"/>
+                </a:highlight>
+              </a:rPr>
+              <a:t>Info</a:t>
+            </a:r>
+          </a:p>
+          <a:p>
+            <a:pPr lvl="1"/>
+            <a:r>
+              <a:rPr lang="en-US" dirty="0"/>
+              <a:t>Beans</a:t>
+            </a:r>
+          </a:p>
+          <a:p>
+            <a:pPr lvl="1"/>
+            <a:r>
+              <a:rPr lang="en-US" dirty="0"/>
+              <a:t>Env</a:t>
+            </a:r>
+          </a:p>
+          <a:p>
+            <a:pPr lvl="1"/>
+            <a:r>
+              <a:rPr lang="en-US" dirty="0"/>
+              <a:t>Memory</a:t>
+            </a:r>
+          </a:p>
+          <a:p>
+            <a:pPr lvl="1"/>
+            <a:r>
+              <a:rPr lang="en-US" dirty="0"/>
+              <a:t>Metrics</a:t>
+            </a:r>
+          </a:p>
+          <a:p>
+            <a:pPr lvl="1"/>
+            <a:r>
+              <a:rPr lang="en-US" dirty="0" err="1"/>
+              <a:t>Etc</a:t>
+            </a:r>
+            <a:r>
+              <a:rPr lang="en-US" dirty="0"/>
+              <a:t>…</a:t>
+            </a:r>
+          </a:p>
+          <a:p>
+            <a:pPr lvl="1"/>
+            <a:endParaRPr lang="en-US" dirty="0"/>
+          </a:p>
+        </p:txBody>
+      </p:sp>
+    </p:spTree>
+    <p:extLst>
+      <p:ext uri="{BB962C8B-B14F-4D97-AF65-F5344CB8AC3E}">
+        <p14:creationId xmlns:p14="http://schemas.microsoft.com/office/powerpoint/2010/main" val="1999739544"/>
+      </p:ext>
+    </p:extLst>
+  </p:cSld>
+  <p:clrMapOvr>
+    <a:masterClrMapping/>
+  </p:clrMapOvr>
+</p:sld>
+</file>
+
+<file path=ppt/slides/slide24.xml><?xml version="1.0" encoding="utf-8"?>
+<p:sld xmlns:a="http://schemas.openxmlformats.org/drawingml/2006/main" xmlns:r="http://schemas.openxmlformats.org/officeDocument/2006/relationships" xmlns:p="http://schemas.openxmlformats.org/presentationml/2006/main">
+  <p:cSld>
+    <p:spTree>
+      <p:nvGrpSpPr>
+        <p:cNvPr id="1" name=""/>
+        <p:cNvGrpSpPr/>
+        <p:nvPr/>
+      </p:nvGrpSpPr>
+      <p:grpSpPr>
+        <a:xfrm>
+          <a:off x="0" y="0"/>
+          <a:ext cx="0" cy="0"/>
+          <a:chOff x="0" y="0"/>
+          <a:chExt cx="0" cy="0"/>
+        </a:xfrm>
+      </p:grpSpPr>
+      <p:sp>
+        <p:nvSpPr>
+          <p:cNvPr id="2" name="Title 1">
+            <a:extLst>
+              <a:ext uri="{FF2B5EF4-FFF2-40B4-BE49-F238E27FC236}">
+                <a16:creationId xmlns:a16="http://schemas.microsoft.com/office/drawing/2014/main" id="{3363740D-ABA8-4B8C-9881-9AB930656331}"/>
+              </a:ext>
+            </a:extLst>
+          </p:cNvPr>
+          <p:cNvSpPr>
+            <a:spLocks noGrp="1"/>
+          </p:cNvSpPr>
+          <p:nvPr>
+            <p:ph type="title"/>
+          </p:nvPr>
+        </p:nvSpPr>
+        <p:spPr/>
+        <p:txBody>
+          <a:bodyPr/>
+          <a:lstStyle/>
+          <a:p>
+            <a:endParaRPr lang="en-US"/>
+          </a:p>
+        </p:txBody>
+      </p:sp>
+      <p:sp>
+        <p:nvSpPr>
+          <p:cNvPr id="3" name="Content Placeholder 2">
+            <a:extLst>
+              <a:ext uri="{FF2B5EF4-FFF2-40B4-BE49-F238E27FC236}">
+                <a16:creationId xmlns:a16="http://schemas.microsoft.com/office/drawing/2014/main" id="{E9535D36-368A-42C1-A037-41658B0A0AF1}"/>
+              </a:ext>
+            </a:extLst>
+          </p:cNvPr>
+          <p:cNvSpPr>
+            <a:spLocks noGrp="1"/>
+          </p:cNvSpPr>
+          <p:nvPr>
+            <p:ph idx="1"/>
+          </p:nvPr>
+        </p:nvSpPr>
+        <p:spPr/>
+        <p:txBody>
+          <a:bodyPr/>
+          <a:lstStyle/>
+          <a:p>
+            <a:r>
+              <a:rPr lang="en-US" dirty="0"/>
+              <a:t>Include actuator dependencies</a:t>
+            </a:r>
+          </a:p>
+          <a:p>
+            <a:pPr lvl="1"/>
+            <a:r>
+              <a:rPr lang="en-US" dirty="0"/>
+              <a:t>Auto Config</a:t>
+            </a:r>
+          </a:p>
+          <a:p>
+            <a:pPr lvl="1"/>
+            <a:r>
+              <a:rPr lang="en-US" dirty="0"/>
+              <a:t>Access the endpoints</a:t>
+            </a:r>
+          </a:p>
+          <a:p>
+            <a:pPr lvl="1"/>
+            <a:endParaRPr lang="en-US" dirty="0"/>
+          </a:p>
+          <a:p>
+            <a:r>
+              <a:rPr lang="en-US" dirty="0"/>
+              <a:t>Spring Security</a:t>
+            </a:r>
+          </a:p>
+          <a:p>
+            <a:pPr lvl="1"/>
+            <a:r>
+              <a:rPr lang="en-US" dirty="0"/>
+              <a:t>Authenticate</a:t>
+            </a:r>
+          </a:p>
+          <a:p>
+            <a:pPr lvl="1"/>
+            <a:r>
+              <a:rPr lang="en-US" dirty="0"/>
+              <a:t>Authorized</a:t>
+            </a:r>
+          </a:p>
+          <a:p>
+            <a:pPr lvl="1"/>
+            <a:endParaRPr lang="en-US" dirty="0"/>
+          </a:p>
+          <a:p>
+            <a:r>
+              <a:rPr lang="en-US" dirty="0"/>
+              <a:t>Json report</a:t>
+            </a:r>
+          </a:p>
+          <a:p>
+            <a:endParaRPr lang="en-US" dirty="0"/>
+          </a:p>
+          <a:p>
+            <a:pPr lvl="1"/>
+            <a:endParaRPr lang="en-US" dirty="0"/>
+          </a:p>
+        </p:txBody>
+      </p:sp>
+    </p:spTree>
+    <p:extLst>
+      <p:ext uri="{BB962C8B-B14F-4D97-AF65-F5344CB8AC3E}">
+        <p14:creationId xmlns:p14="http://schemas.microsoft.com/office/powerpoint/2010/main" val="2713973880"/>
+      </p:ext>
+    </p:extLst>
+  </p:cSld>
+  <p:clrMapOvr>
+    <a:masterClrMapping/>
+  </p:clrMapOvr>
+</p:sld>
+</file>
+
+<file path=ppt/slides/slide25.xml><?xml version="1.0" encoding="utf-8"?>
+<p:sld xmlns:a="http://schemas.openxmlformats.org/drawingml/2006/main" xmlns:r="http://schemas.openxmlformats.org/officeDocument/2006/relationships" xmlns:p="http://schemas.openxmlformats.org/presentationml/2006/main">
+  <p:cSld>
+    <p:spTree>
+      <p:nvGrpSpPr>
+        <p:cNvPr id="1" name=""/>
+        <p:cNvGrpSpPr/>
+        <p:nvPr/>
+      </p:nvGrpSpPr>
+      <p:grpSpPr>
+        <a:xfrm>
+          <a:off x="0" y="0"/>
+          <a:ext cx="0" cy="0"/>
+          <a:chOff x="0" y="0"/>
+          <a:chExt cx="0" cy="0"/>
+        </a:xfrm>
+      </p:grpSpPr>
+      <p:sp>
+        <p:nvSpPr>
+          <p:cNvPr id="2" name="Title 1">
+            <a:extLst>
+              <a:ext uri="{FF2B5EF4-FFF2-40B4-BE49-F238E27FC236}">
+                <a16:creationId xmlns:a16="http://schemas.microsoft.com/office/drawing/2014/main" id="{72825152-8C16-4343-BF28-AFC027B2A051}"/>
+              </a:ext>
+            </a:extLst>
+          </p:cNvPr>
+          <p:cNvSpPr>
+            <a:spLocks noGrp="1"/>
+          </p:cNvSpPr>
+          <p:nvPr>
+            <p:ph type="title"/>
+          </p:nvPr>
+        </p:nvSpPr>
+        <p:spPr/>
+        <p:txBody>
+          <a:bodyPr/>
+          <a:lstStyle/>
+          <a:p>
+            <a:r>
+              <a:rPr lang="en-US" dirty="0"/>
+              <a:t>Can I customize this endpoint?</a:t>
+            </a:r>
+          </a:p>
+        </p:txBody>
+      </p:sp>
+      <p:sp>
+        <p:nvSpPr>
+          <p:cNvPr id="3" name="Content Placeholder 2">
+            <a:extLst>
+              <a:ext uri="{FF2B5EF4-FFF2-40B4-BE49-F238E27FC236}">
+                <a16:creationId xmlns:a16="http://schemas.microsoft.com/office/drawing/2014/main" id="{12D9269F-F274-4476-BDCF-CD4FB9014AFD}"/>
+              </a:ext>
+            </a:extLst>
+          </p:cNvPr>
+          <p:cNvSpPr>
+            <a:spLocks noGrp="1"/>
+          </p:cNvSpPr>
+          <p:nvPr>
+            <p:ph idx="1"/>
+          </p:nvPr>
+        </p:nvSpPr>
+        <p:spPr/>
+        <p:txBody>
+          <a:bodyPr>
+            <a:normAutofit fontScale="62500" lnSpcReduction="20000"/>
+          </a:bodyPr>
+          <a:lstStyle/>
+          <a:p>
+            <a:r>
+              <a:rPr lang="en-US" dirty="0"/>
+              <a:t>{"_links":{"self":{"</a:t>
+            </a:r>
+            <a:r>
+              <a:rPr lang="en-US" dirty="0" err="1"/>
+              <a:t>href</a:t>
+            </a:r>
+            <a:r>
+              <a:rPr lang="en-US" dirty="0"/>
+              <a:t>":"http://localhost:8081/</a:t>
+            </a:r>
+            <a:r>
+              <a:rPr lang="en-US" dirty="0" err="1"/>
+              <a:t>api</a:t>
+            </a:r>
+            <a:r>
+              <a:rPr lang="en-US" dirty="0"/>
+              <a:t>/</a:t>
+            </a:r>
+            <a:r>
+              <a:rPr lang="en-US" dirty="0" err="1"/>
+              <a:t>actuator","templated":false</a:t>
+            </a:r>
+            <a:r>
+              <a:rPr lang="en-US" dirty="0"/>
+              <a:t>},"beans":{"</a:t>
+            </a:r>
+            <a:r>
+              <a:rPr lang="en-US" dirty="0" err="1"/>
+              <a:t>href</a:t>
+            </a:r>
+            <a:r>
+              <a:rPr lang="en-US" dirty="0"/>
+              <a:t>":"http://localhost:8081/</a:t>
+            </a:r>
+            <a:r>
+              <a:rPr lang="en-US" dirty="0" err="1"/>
+              <a:t>api</a:t>
+            </a:r>
+            <a:r>
+              <a:rPr lang="en-US" dirty="0"/>
+              <a:t>/actuator/</a:t>
+            </a:r>
+            <a:r>
+              <a:rPr lang="en-US" dirty="0" err="1"/>
+              <a:t>beans","templated":false</a:t>
+            </a:r>
+            <a:r>
+              <a:rPr lang="en-US" dirty="0"/>
+              <a:t>},"caches-cache":{"</a:t>
+            </a:r>
+            <a:r>
+              <a:rPr lang="en-US" dirty="0" err="1"/>
+              <a:t>href</a:t>
+            </a:r>
+            <a:r>
+              <a:rPr lang="en-US" dirty="0"/>
+              <a:t>":"http://localhost:8081/</a:t>
+            </a:r>
+            <a:r>
+              <a:rPr lang="en-US" dirty="0" err="1"/>
+              <a:t>api</a:t>
+            </a:r>
+            <a:r>
+              <a:rPr lang="en-US" dirty="0"/>
+              <a:t>/actuator/caches/{cache}","</a:t>
+            </a:r>
+            <a:r>
+              <a:rPr lang="en-US" dirty="0" err="1"/>
+              <a:t>templated":true</a:t>
+            </a:r>
+            <a:r>
+              <a:rPr lang="en-US" dirty="0"/>
+              <a:t>},"caches":{"</a:t>
+            </a:r>
+            <a:r>
+              <a:rPr lang="en-US" dirty="0" err="1"/>
+              <a:t>href</a:t>
+            </a:r>
+            <a:r>
+              <a:rPr lang="en-US" dirty="0"/>
+              <a:t>":"http://localhost:8081/</a:t>
+            </a:r>
+            <a:r>
+              <a:rPr lang="en-US" dirty="0" err="1"/>
+              <a:t>api</a:t>
+            </a:r>
+            <a:r>
+              <a:rPr lang="en-US" dirty="0"/>
+              <a:t>/actuator/</a:t>
+            </a:r>
+            <a:r>
+              <a:rPr lang="en-US" dirty="0" err="1"/>
+              <a:t>caches","templated":false</a:t>
+            </a:r>
+            <a:r>
+              <a:rPr lang="en-US" dirty="0"/>
+              <a:t>},"health":{"</a:t>
+            </a:r>
+            <a:r>
+              <a:rPr lang="en-US" dirty="0" err="1"/>
+              <a:t>href</a:t>
+            </a:r>
+            <a:r>
+              <a:rPr lang="en-US" dirty="0"/>
+              <a:t>":"http://localhost:8081/</a:t>
+            </a:r>
+            <a:r>
+              <a:rPr lang="en-US" dirty="0" err="1"/>
+              <a:t>api</a:t>
+            </a:r>
+            <a:r>
+              <a:rPr lang="en-US" dirty="0"/>
+              <a:t>/actuator/</a:t>
+            </a:r>
+            <a:r>
+              <a:rPr lang="en-US" dirty="0" err="1"/>
+              <a:t>health","templated":false</a:t>
+            </a:r>
+            <a:r>
+              <a:rPr lang="en-US" dirty="0"/>
+              <a:t>},"health-path":{"</a:t>
+            </a:r>
+            <a:r>
+              <a:rPr lang="en-US" dirty="0" err="1"/>
+              <a:t>href</a:t>
+            </a:r>
+            <a:r>
+              <a:rPr lang="en-US" dirty="0"/>
+              <a:t>":"http://localhost:8081/</a:t>
+            </a:r>
+            <a:r>
+              <a:rPr lang="en-US" dirty="0" err="1"/>
+              <a:t>api</a:t>
+            </a:r>
+            <a:r>
+              <a:rPr lang="en-US" dirty="0"/>
+              <a:t>/actuator/health/{*path}","</a:t>
+            </a:r>
+            <a:r>
+              <a:rPr lang="en-US" dirty="0" err="1"/>
+              <a:t>templated":true</a:t>
+            </a:r>
+            <a:r>
+              <a:rPr lang="en-US" dirty="0"/>
+              <a:t>},"info":{"</a:t>
+            </a:r>
+            <a:r>
+              <a:rPr lang="en-US" dirty="0" err="1"/>
+              <a:t>href</a:t>
+            </a:r>
+            <a:r>
+              <a:rPr lang="en-US" dirty="0"/>
+              <a:t>":"http://localhost:8081/</a:t>
+            </a:r>
+            <a:r>
+              <a:rPr lang="en-US" dirty="0" err="1"/>
+              <a:t>api</a:t>
+            </a:r>
+            <a:r>
+              <a:rPr lang="en-US" dirty="0"/>
+              <a:t>/actuator/</a:t>
+            </a:r>
+            <a:r>
+              <a:rPr lang="en-US" dirty="0" err="1"/>
+              <a:t>info","templated":false</a:t>
+            </a:r>
+            <a:r>
+              <a:rPr lang="en-US" dirty="0"/>
+              <a:t>},"conditions":{"</a:t>
+            </a:r>
+            <a:r>
+              <a:rPr lang="en-US" dirty="0" err="1"/>
+              <a:t>href</a:t>
+            </a:r>
+            <a:r>
+              <a:rPr lang="en-US" dirty="0"/>
+              <a:t>":"http://localhost:8081/</a:t>
+            </a:r>
+            <a:r>
+              <a:rPr lang="en-US" dirty="0" err="1"/>
+              <a:t>api</a:t>
+            </a:r>
+            <a:r>
+              <a:rPr lang="en-US" dirty="0"/>
+              <a:t>/actuator/</a:t>
+            </a:r>
+            <a:r>
+              <a:rPr lang="en-US" dirty="0" err="1"/>
+              <a:t>conditions","templated":false</a:t>
+            </a:r>
+            <a:r>
+              <a:rPr lang="en-US" dirty="0"/>
+              <a:t>},"</a:t>
+            </a:r>
+            <a:r>
+              <a:rPr lang="en-US" dirty="0" err="1"/>
+              <a:t>configprops</a:t>
+            </a:r>
+            <a:r>
+              <a:rPr lang="en-US" dirty="0"/>
+              <a:t>":{"</a:t>
+            </a:r>
+            <a:r>
+              <a:rPr lang="en-US" dirty="0" err="1"/>
+              <a:t>href</a:t>
+            </a:r>
+            <a:r>
+              <a:rPr lang="en-US" dirty="0"/>
+              <a:t>":"http://localhost:8081/</a:t>
+            </a:r>
+            <a:r>
+              <a:rPr lang="en-US" dirty="0" err="1"/>
+              <a:t>api</a:t>
+            </a:r>
+            <a:r>
+              <a:rPr lang="en-US" dirty="0"/>
+              <a:t>/actuator/</a:t>
+            </a:r>
+            <a:r>
+              <a:rPr lang="en-US" dirty="0" err="1"/>
+              <a:t>configprops</a:t>
+            </a:r>
+            <a:r>
+              <a:rPr lang="en-US" dirty="0"/>
+              <a:t>","</a:t>
+            </a:r>
+            <a:r>
+              <a:rPr lang="en-US" dirty="0" err="1"/>
+              <a:t>templated":false</a:t>
+            </a:r>
+            <a:r>
+              <a:rPr lang="en-US" dirty="0"/>
+              <a:t>},"env":{"</a:t>
+            </a:r>
+            <a:r>
+              <a:rPr lang="en-US" dirty="0" err="1"/>
+              <a:t>href</a:t>
+            </a:r>
+            <a:r>
+              <a:rPr lang="en-US" dirty="0"/>
+              <a:t>":"http://localhost:8081/</a:t>
+            </a:r>
+            <a:r>
+              <a:rPr lang="en-US" dirty="0" err="1"/>
+              <a:t>api</a:t>
+            </a:r>
+            <a:r>
+              <a:rPr lang="en-US" dirty="0"/>
+              <a:t>/actuator/</a:t>
+            </a:r>
+            <a:r>
+              <a:rPr lang="en-US" dirty="0" err="1"/>
+              <a:t>env","templated":false</a:t>
+            </a:r>
+            <a:r>
+              <a:rPr lang="en-US" dirty="0"/>
+              <a:t>},"env-</a:t>
+            </a:r>
+            <a:r>
+              <a:rPr lang="en-US" dirty="0" err="1"/>
+              <a:t>toMatch</a:t>
+            </a:r>
+            <a:r>
+              <a:rPr lang="en-US" dirty="0"/>
+              <a:t>":{"</a:t>
+            </a:r>
+            <a:r>
+              <a:rPr lang="en-US" dirty="0" err="1"/>
+              <a:t>href</a:t>
+            </a:r>
+            <a:r>
+              <a:rPr lang="en-US" dirty="0"/>
+              <a:t>":"http://localhost:8081/</a:t>
+            </a:r>
+            <a:r>
+              <a:rPr lang="en-US" dirty="0" err="1"/>
+              <a:t>api</a:t>
+            </a:r>
+            <a:r>
+              <a:rPr lang="en-US" dirty="0"/>
+              <a:t>/actuator/env/{</a:t>
+            </a:r>
+            <a:r>
+              <a:rPr lang="en-US" dirty="0" err="1"/>
+              <a:t>toMatch</a:t>
+            </a:r>
+            <a:r>
+              <a:rPr lang="en-US" dirty="0"/>
+              <a:t>}","</a:t>
+            </a:r>
+            <a:r>
+              <a:rPr lang="en-US" dirty="0" err="1"/>
+              <a:t>templated":true</a:t>
+            </a:r>
+            <a:r>
+              <a:rPr lang="en-US" dirty="0"/>
+              <a:t>},"loggers":{"</a:t>
+            </a:r>
+            <a:r>
+              <a:rPr lang="en-US" dirty="0" err="1"/>
+              <a:t>href</a:t>
+            </a:r>
+            <a:r>
+              <a:rPr lang="en-US" dirty="0"/>
+              <a:t>":"http://localhost:8081/</a:t>
+            </a:r>
+            <a:r>
+              <a:rPr lang="en-US" dirty="0" err="1"/>
+              <a:t>api</a:t>
+            </a:r>
+            <a:r>
+              <a:rPr lang="en-US" dirty="0"/>
+              <a:t>/actuator/</a:t>
+            </a:r>
+            <a:r>
+              <a:rPr lang="en-US" dirty="0" err="1"/>
+              <a:t>loggers","templated":false</a:t>
+            </a:r>
+            <a:r>
+              <a:rPr lang="en-US" dirty="0"/>
+              <a:t>},"loggers-name":{"</a:t>
+            </a:r>
+            <a:r>
+              <a:rPr lang="en-US" dirty="0" err="1"/>
+              <a:t>href</a:t>
+            </a:r>
+            <a:r>
+              <a:rPr lang="en-US" dirty="0"/>
+              <a:t>":"http://localhost:8081/</a:t>
+            </a:r>
+            <a:r>
+              <a:rPr lang="en-US" dirty="0" err="1"/>
+              <a:t>api</a:t>
+            </a:r>
+            <a:r>
+              <a:rPr lang="en-US" dirty="0"/>
+              <a:t>/actuator/loggers/{name}","</a:t>
+            </a:r>
+            <a:r>
+              <a:rPr lang="en-US" dirty="0" err="1"/>
+              <a:t>templated":true</a:t>
+            </a:r>
+            <a:r>
+              <a:rPr lang="en-US" dirty="0"/>
+              <a:t>},"</a:t>
+            </a:r>
+            <a:r>
+              <a:rPr lang="en-US" dirty="0" err="1"/>
+              <a:t>heapdump</a:t>
+            </a:r>
+            <a:r>
+              <a:rPr lang="en-US" dirty="0"/>
+              <a:t>":{"</a:t>
+            </a:r>
+            <a:r>
+              <a:rPr lang="en-US" dirty="0" err="1"/>
+              <a:t>href</a:t>
+            </a:r>
+            <a:r>
+              <a:rPr lang="en-US" dirty="0"/>
+              <a:t>":"http://localhost:8081/</a:t>
+            </a:r>
+            <a:r>
+              <a:rPr lang="en-US" dirty="0" err="1"/>
+              <a:t>api</a:t>
+            </a:r>
+            <a:r>
+              <a:rPr lang="en-US" dirty="0"/>
+              <a:t>/actuator/</a:t>
+            </a:r>
+            <a:r>
+              <a:rPr lang="en-US" dirty="0" err="1"/>
+              <a:t>heapdump</a:t>
+            </a:r>
+            <a:r>
+              <a:rPr lang="en-US" dirty="0"/>
+              <a:t>","</a:t>
+            </a:r>
+            <a:r>
+              <a:rPr lang="en-US" dirty="0" err="1"/>
+              <a:t>templated":false</a:t>
+            </a:r>
+            <a:r>
+              <a:rPr lang="en-US" dirty="0"/>
+              <a:t>},"</a:t>
+            </a:r>
+            <a:r>
+              <a:rPr lang="en-US" dirty="0" err="1"/>
+              <a:t>threaddump</a:t>
+            </a:r>
+            <a:r>
+              <a:rPr lang="en-US" dirty="0"/>
+              <a:t>":{"</a:t>
+            </a:r>
+            <a:r>
+              <a:rPr lang="en-US" dirty="0" err="1"/>
+              <a:t>href</a:t>
+            </a:r>
+            <a:r>
+              <a:rPr lang="en-US" dirty="0"/>
+              <a:t>":"http://localhost:8081/</a:t>
+            </a:r>
+            <a:r>
+              <a:rPr lang="en-US" dirty="0" err="1"/>
+              <a:t>api</a:t>
+            </a:r>
+            <a:r>
+              <a:rPr lang="en-US" dirty="0"/>
+              <a:t>/actuator/</a:t>
+            </a:r>
+            <a:r>
+              <a:rPr lang="en-US" dirty="0" err="1"/>
+              <a:t>threaddump</a:t>
+            </a:r>
+            <a:r>
+              <a:rPr lang="en-US" dirty="0"/>
+              <a:t>","</a:t>
+            </a:r>
+            <a:r>
+              <a:rPr lang="en-US" dirty="0" err="1"/>
+              <a:t>templated":false</a:t>
+            </a:r>
+            <a:r>
+              <a:rPr lang="en-US" dirty="0"/>
+              <a:t>},"metrics":{"</a:t>
+            </a:r>
+            <a:r>
+              <a:rPr lang="en-US" dirty="0" err="1"/>
+              <a:t>href</a:t>
+            </a:r>
+            <a:r>
+              <a:rPr lang="en-US" dirty="0"/>
+              <a:t>":"http://localhost:8081/</a:t>
+            </a:r>
+            <a:r>
+              <a:rPr lang="en-US" dirty="0" err="1"/>
+              <a:t>api</a:t>
+            </a:r>
+            <a:r>
+              <a:rPr lang="en-US" dirty="0"/>
+              <a:t>/actuator/</a:t>
+            </a:r>
+            <a:r>
+              <a:rPr lang="en-US" dirty="0" err="1"/>
+              <a:t>metrics","templated":false</a:t>
+            </a:r>
+            <a:r>
+              <a:rPr lang="en-US" dirty="0"/>
+              <a:t>},"metrics-</a:t>
+            </a:r>
+            <a:r>
+              <a:rPr lang="en-US" dirty="0" err="1"/>
+              <a:t>requiredMetricName</a:t>
+            </a:r>
+            <a:r>
+              <a:rPr lang="en-US" dirty="0"/>
+              <a:t>":{"</a:t>
+            </a:r>
+            <a:r>
+              <a:rPr lang="en-US" dirty="0" err="1"/>
+              <a:t>href</a:t>
+            </a:r>
+            <a:r>
+              <a:rPr lang="en-US" dirty="0"/>
+              <a:t>":"http://localhost:8081/</a:t>
+            </a:r>
+            <a:r>
+              <a:rPr lang="en-US" dirty="0" err="1"/>
+              <a:t>api</a:t>
+            </a:r>
+            <a:r>
+              <a:rPr lang="en-US" dirty="0"/>
+              <a:t>/actuator/metrics/{</a:t>
+            </a:r>
+            <a:r>
+              <a:rPr lang="en-US" dirty="0" err="1"/>
+              <a:t>requiredMetricName</a:t>
+            </a:r>
+            <a:r>
+              <a:rPr lang="en-US" dirty="0"/>
+              <a:t>}","</a:t>
+            </a:r>
+            <a:r>
+              <a:rPr lang="en-US" dirty="0" err="1"/>
+              <a:t>templated":true</a:t>
+            </a:r>
+            <a:r>
+              <a:rPr lang="en-US" dirty="0"/>
+              <a:t>},"</a:t>
+            </a:r>
+            <a:r>
+              <a:rPr lang="en-US" dirty="0" err="1"/>
+              <a:t>scheduledtasks</a:t>
+            </a:r>
+            <a:r>
+              <a:rPr lang="en-US" dirty="0"/>
+              <a:t>":{"</a:t>
+            </a:r>
+            <a:r>
+              <a:rPr lang="en-US" dirty="0" err="1"/>
+              <a:t>href</a:t>
+            </a:r>
+            <a:r>
+              <a:rPr lang="en-US" dirty="0"/>
+              <a:t>":"http://localhost:8081/</a:t>
+            </a:r>
+            <a:r>
+              <a:rPr lang="en-US" dirty="0" err="1"/>
+              <a:t>api</a:t>
+            </a:r>
+            <a:r>
+              <a:rPr lang="en-US" dirty="0"/>
+              <a:t>/actuator/</a:t>
+            </a:r>
+            <a:r>
+              <a:rPr lang="en-US" dirty="0" err="1"/>
+              <a:t>scheduledtasks</a:t>
+            </a:r>
+            <a:r>
+              <a:rPr lang="en-US" dirty="0"/>
+              <a:t>","</a:t>
+            </a:r>
+            <a:r>
+              <a:rPr lang="en-US" dirty="0" err="1"/>
+              <a:t>templated":false</a:t>
+            </a:r>
+            <a:r>
+              <a:rPr lang="en-US" dirty="0"/>
+              <a:t>},"mappings":{"</a:t>
+            </a:r>
+            <a:r>
+              <a:rPr lang="en-US" dirty="0" err="1"/>
+              <a:t>href</a:t>
+            </a:r>
+            <a:r>
+              <a:rPr lang="en-US" dirty="0"/>
+              <a:t>":"http://localhost:8081/</a:t>
+            </a:r>
+            <a:r>
+              <a:rPr lang="en-US" dirty="0" err="1"/>
+              <a:t>api</a:t>
+            </a:r>
+            <a:r>
+              <a:rPr lang="en-US" dirty="0"/>
+              <a:t>/actuator/</a:t>
+            </a:r>
+            <a:r>
+              <a:rPr lang="en-US" dirty="0" err="1"/>
+              <a:t>mappings","templated":false</a:t>
+            </a:r>
+            <a:r>
+              <a:rPr lang="en-US" dirty="0"/>
+              <a:t>}}}</a:t>
+            </a:r>
+          </a:p>
+        </p:txBody>
+      </p:sp>
+    </p:spTree>
+    <p:extLst>
+      <p:ext uri="{BB962C8B-B14F-4D97-AF65-F5344CB8AC3E}">
+        <p14:creationId xmlns:p14="http://schemas.microsoft.com/office/powerpoint/2010/main" val="2362690911"/>
+      </p:ext>
+    </p:extLst>
+  </p:cSld>
+  <p:clrMapOvr>
+    <a:masterClrMapping/>
+  </p:clrMapOvr>
+</p:sld>
+</file>
+
+<file path=ppt/slides/slide26.xml><?xml version="1.0" encoding="utf-8"?>
+<p:sld xmlns:a="http://schemas.openxmlformats.org/drawingml/2006/main" xmlns:r="http://schemas.openxmlformats.org/officeDocument/2006/relationships" xmlns:p="http://schemas.openxmlformats.org/presentationml/2006/main">
+  <p:cSld>
+    <p:spTree>
+      <p:nvGrpSpPr>
+        <p:cNvPr id="1" name=""/>
+        <p:cNvGrpSpPr/>
+        <p:nvPr/>
+      </p:nvGrpSpPr>
+      <p:grpSpPr>
+        <a:xfrm>
+          <a:off x="0" y="0"/>
+          <a:ext cx="0" cy="0"/>
+          <a:chOff x="0" y="0"/>
+          <a:chExt cx="0" cy="0"/>
+        </a:xfrm>
+      </p:grpSpPr>
+      <p:sp>
+        <p:nvSpPr>
+          <p:cNvPr id="2" name="Title 1">
+            <a:extLst>
+              <a:ext uri="{FF2B5EF4-FFF2-40B4-BE49-F238E27FC236}">
+                <a16:creationId xmlns:a16="http://schemas.microsoft.com/office/drawing/2014/main" id="{78038DAE-E60E-4A01-A1EF-D6F12EF74F37}"/>
+              </a:ext>
+            </a:extLst>
+          </p:cNvPr>
+          <p:cNvSpPr>
+            <a:spLocks noGrp="1"/>
+          </p:cNvSpPr>
+          <p:nvPr>
+            <p:ph type="title"/>
+          </p:nvPr>
+        </p:nvSpPr>
+        <p:spPr/>
+        <p:txBody>
+          <a:bodyPr/>
+          <a:lstStyle/>
+          <a:p>
+            <a:r>
+              <a:rPr lang="en-US" dirty="0"/>
+              <a:t>Customize endpoints  -&gt; yes</a:t>
+            </a:r>
+          </a:p>
+        </p:txBody>
+      </p:sp>
+      <p:sp>
+        <p:nvSpPr>
+          <p:cNvPr id="3" name="Content Placeholder 2">
+            <a:extLst>
+              <a:ext uri="{FF2B5EF4-FFF2-40B4-BE49-F238E27FC236}">
+                <a16:creationId xmlns:a16="http://schemas.microsoft.com/office/drawing/2014/main" id="{C77653DA-3D70-4D89-BDB2-83D33EDFEE1C}"/>
+              </a:ext>
+            </a:extLst>
+          </p:cNvPr>
+          <p:cNvSpPr>
+            <a:spLocks noGrp="1"/>
+          </p:cNvSpPr>
+          <p:nvPr>
+            <p:ph idx="1"/>
+          </p:nvPr>
+        </p:nvSpPr>
+        <p:spPr/>
+        <p:txBody>
+          <a:bodyPr/>
+          <a:lstStyle/>
+          <a:p>
+            <a:r>
+              <a:rPr lang="en-US" dirty="0"/>
+              <a:t>How?</a:t>
+            </a:r>
+          </a:p>
+          <a:p>
+            <a:pPr lvl="1"/>
+            <a:r>
+              <a:rPr lang="en-US" dirty="0" err="1"/>
+              <a:t>AbstractClass</a:t>
+            </a:r>
+            <a:r>
+              <a:rPr lang="en-US" dirty="0"/>
+              <a:t>/Interface</a:t>
+            </a:r>
+          </a:p>
+          <a:p>
+            <a:pPr lvl="1"/>
+            <a:endParaRPr lang="en-US" dirty="0"/>
+          </a:p>
+          <a:p>
+            <a:r>
+              <a:rPr lang="en-US" dirty="0"/>
+              <a:t>Beans</a:t>
+            </a:r>
+          </a:p>
+          <a:p>
+            <a:r>
+              <a:rPr lang="en-US" dirty="0"/>
+              <a:t>Health - </a:t>
+            </a:r>
+            <a:r>
+              <a:rPr lang="en-US" dirty="0" err="1"/>
+              <a:t>HealthIndicator</a:t>
+            </a:r>
+            <a:endParaRPr lang="en-US" dirty="0"/>
+          </a:p>
+          <a:p>
+            <a:endParaRPr lang="en-US" dirty="0"/>
+          </a:p>
+        </p:txBody>
+      </p:sp>
+    </p:spTree>
+    <p:extLst>
+      <p:ext uri="{BB962C8B-B14F-4D97-AF65-F5344CB8AC3E}">
+        <p14:creationId xmlns:p14="http://schemas.microsoft.com/office/powerpoint/2010/main" val="2495610917"/>
+      </p:ext>
+    </p:extLst>
+  </p:cSld>
+  <p:clrMapOvr>
+    <a:masterClrMapping/>
+  </p:clrMapOvr>
+</p:sld>
+</file>
+
+<file path=ppt/slides/slide27.xml><?xml version="1.0" encoding="utf-8"?>
+<p:sld xmlns:a="http://schemas.openxmlformats.org/drawingml/2006/main" xmlns:r="http://schemas.openxmlformats.org/officeDocument/2006/relationships" xmlns:p="http://schemas.openxmlformats.org/presentationml/2006/main">
+  <p:cSld>
+    <p:spTree>
+      <p:nvGrpSpPr>
+        <p:cNvPr id="1" name=""/>
+        <p:cNvGrpSpPr/>
+        <p:nvPr/>
+      </p:nvGrpSpPr>
+      <p:grpSpPr>
+        <a:xfrm>
+          <a:off x="0" y="0"/>
+          <a:ext cx="0" cy="0"/>
+          <a:chOff x="0" y="0"/>
+          <a:chExt cx="0" cy="0"/>
+        </a:xfrm>
+      </p:grpSpPr>
+      <p:sp>
+        <p:nvSpPr>
+          <p:cNvPr id="2" name="Title 1">
+            <a:extLst>
+              <a:ext uri="{FF2B5EF4-FFF2-40B4-BE49-F238E27FC236}">
+                <a16:creationId xmlns:a16="http://schemas.microsoft.com/office/drawing/2014/main" id="{74AD5427-E085-415F-AC3B-47EEC6C472C8}"/>
+              </a:ext>
+            </a:extLst>
+          </p:cNvPr>
+          <p:cNvSpPr>
+            <a:spLocks noGrp="1"/>
+          </p:cNvSpPr>
+          <p:nvPr>
+            <p:ph type="title"/>
+          </p:nvPr>
+        </p:nvSpPr>
+        <p:spPr/>
+        <p:txBody>
+          <a:bodyPr/>
+          <a:lstStyle/>
+          <a:p>
+            <a:r>
+              <a:rPr lang="en-US" dirty="0"/>
+              <a:t>Task</a:t>
+            </a:r>
+          </a:p>
+        </p:txBody>
+      </p:sp>
+      <p:sp>
+        <p:nvSpPr>
+          <p:cNvPr id="3" name="Content Placeholder 2">
+            <a:extLst>
+              <a:ext uri="{FF2B5EF4-FFF2-40B4-BE49-F238E27FC236}">
+                <a16:creationId xmlns:a16="http://schemas.microsoft.com/office/drawing/2014/main" id="{D1276CCA-27C2-4C78-A274-AE213C21D77D}"/>
+              </a:ext>
+            </a:extLst>
+          </p:cNvPr>
+          <p:cNvSpPr>
+            <a:spLocks noGrp="1"/>
+          </p:cNvSpPr>
+          <p:nvPr>
+            <p:ph idx="1"/>
+          </p:nvPr>
+        </p:nvSpPr>
+        <p:spPr/>
+        <p:txBody>
+          <a:bodyPr/>
+          <a:lstStyle/>
+          <a:p>
+            <a:r>
+              <a:rPr lang="en-US" dirty="0"/>
+              <a:t>How to customize Endpoints in Actuator</a:t>
+            </a:r>
+          </a:p>
+          <a:p>
+            <a:pPr lvl="1"/>
+            <a:r>
+              <a:rPr lang="en-US" dirty="0"/>
+              <a:t>Health</a:t>
+            </a:r>
+          </a:p>
+          <a:p>
+            <a:pPr lvl="1"/>
+            <a:r>
+              <a:rPr lang="en-US" dirty="0"/>
+              <a:t>Env</a:t>
+            </a:r>
+          </a:p>
+          <a:p>
+            <a:pPr lvl="1"/>
+            <a:r>
+              <a:rPr lang="en-US" dirty="0"/>
+              <a:t>mappings</a:t>
+            </a:r>
+          </a:p>
+        </p:txBody>
+      </p:sp>
+    </p:spTree>
+    <p:extLst>
+      <p:ext uri="{BB962C8B-B14F-4D97-AF65-F5344CB8AC3E}">
+        <p14:creationId xmlns:p14="http://schemas.microsoft.com/office/powerpoint/2010/main" val="3770222290"/>
       </p:ext>
     </p:extLst>
   </p:cSld>
@@ -8166,7 +10573,28 @@
                 </a:highlight>
                 <a:sym typeface="Wingdings" panose="05000000000000000000" pitchFamily="2" charset="2"/>
               </a:rPr>
-              <a:t> Tomcat, Jetty, undertow</a:t>
+              <a:t> </a:t>
+            </a:r>
+            <a:r>
+              <a:rPr lang="en-US" dirty="0">
+                <a:solidFill>
+                  <a:srgbClr val="FF0000"/>
+                </a:solidFill>
+                <a:highlight>
+                  <a:srgbClr val="FFFF00"/>
+                </a:highlight>
+                <a:sym typeface="Wingdings" panose="05000000000000000000" pitchFamily="2" charset="2"/>
+              </a:rPr>
+              <a:t>Tomcat</a:t>
+            </a:r>
+            <a:r>
+              <a:rPr lang="en-US" dirty="0">
+                <a:highlight>
+                  <a:srgbClr val="FFFF00"/>
+                </a:highlight>
+                <a:sym typeface="Wingdings" panose="05000000000000000000" pitchFamily="2" charset="2"/>
+              </a:rPr>
+              <a:t>, Jetty, undertow</a:t>
             </a:r>
           </a:p>
           <a:p>
@@ -8202,6 +10630,9 @@
           <a:p>
             <a:r>
               <a:rPr lang="en-US" dirty="0">
+                <a:highlight>
+                  <a:srgbClr val="FFFF00"/>
+                </a:highlight>
                 <a:sym typeface="Wingdings" panose="05000000000000000000" pitchFamily="2" charset="2"/>
               </a:rPr>
               <a:t>YAML</a:t>

--- a/FinishingSchool-June.pptx
+++ b/FinishingSchool-June.pptx
@@ -32,6 +32,13 @@
     <p:sldId id="280" r:id="rId26"/>
     <p:sldId id="281" r:id="rId27"/>
     <p:sldId id="282" r:id="rId28"/>
+    <p:sldId id="283" r:id="rId29"/>
+    <p:sldId id="285" r:id="rId30"/>
+    <p:sldId id="286" r:id="rId31"/>
+    <p:sldId id="284" r:id="rId32"/>
+    <p:sldId id="287" r:id="rId33"/>
+    <p:sldId id="288" r:id="rId34"/>
+    <p:sldId id="289" r:id="rId35"/>
   </p:sldIdLst>
   <p:sldSz cx="12192000" cy="6858000"/>
   <p:notesSz cx="6858000" cy="9144000"/>
@@ -285,7 +292,7 @@
           <a:p>
             <a:fld id="{5B46E487-55E8-4463-B193-585373129239}" type="datetimeFigureOut">
               <a:rPr lang="en-US" smtClean="0"/>
-              <a:t>6/16/2020</a:t>
+              <a:t>6/18/2020</a:t>
             </a:fld>
             <a:endParaRPr lang="en-US"/>
           </a:p>
@@ -483,7 +490,7 @@
           <a:p>
             <a:fld id="{5B46E487-55E8-4463-B193-585373129239}" type="datetimeFigureOut">
               <a:rPr lang="en-US" smtClean="0"/>
-              <a:t>6/16/2020</a:t>
+              <a:t>6/18/2020</a:t>
             </a:fld>
             <a:endParaRPr lang="en-US"/>
           </a:p>
@@ -691,7 +698,7 @@
           <a:p>
             <a:fld id="{5B46E487-55E8-4463-B193-585373129239}" type="datetimeFigureOut">
               <a:rPr lang="en-US" smtClean="0"/>
-              <a:t>6/16/2020</a:t>
+              <a:t>6/18/2020</a:t>
             </a:fld>
             <a:endParaRPr lang="en-US"/>
           </a:p>
@@ -889,7 +896,7 @@
           <a:p>
             <a:fld id="{5B46E487-55E8-4463-B193-585373129239}" type="datetimeFigureOut">
               <a:rPr lang="en-US" smtClean="0"/>
-              <a:t>6/16/2020</a:t>
+              <a:t>6/18/2020</a:t>
             </a:fld>
             <a:endParaRPr lang="en-US"/>
           </a:p>
@@ -1164,7 +1171,7 @@
           <a:p>
             <a:fld id="{5B46E487-55E8-4463-B193-585373129239}" type="datetimeFigureOut">
               <a:rPr lang="en-US" smtClean="0"/>
-              <a:t>6/16/2020</a:t>
+              <a:t>6/18/2020</a:t>
             </a:fld>
             <a:endParaRPr lang="en-US"/>
           </a:p>
@@ -1429,7 +1436,7 @@
           <a:p>
             <a:fld id="{5B46E487-55E8-4463-B193-585373129239}" type="datetimeFigureOut">
               <a:rPr lang="en-US" smtClean="0"/>
-              <a:t>6/16/2020</a:t>
+              <a:t>6/18/2020</a:t>
             </a:fld>
             <a:endParaRPr lang="en-US"/>
           </a:p>
@@ -1841,7 +1848,7 @@
           <a:p>
             <a:fld id="{5B46E487-55E8-4463-B193-585373129239}" type="datetimeFigureOut">
               <a:rPr lang="en-US" smtClean="0"/>
-              <a:t>6/16/2020</a:t>
+              <a:t>6/18/2020</a:t>
             </a:fld>
             <a:endParaRPr lang="en-US"/>
           </a:p>
@@ -1982,7 +1989,7 @@
           <a:p>
             <a:fld id="{5B46E487-55E8-4463-B193-585373129239}" type="datetimeFigureOut">
               <a:rPr lang="en-US" smtClean="0"/>
-              <a:t>6/16/2020</a:t>
+              <a:t>6/18/2020</a:t>
             </a:fld>
             <a:endParaRPr lang="en-US"/>
           </a:p>
@@ -2095,7 +2102,7 @@
           <a:p>
             <a:fld id="{5B46E487-55E8-4463-B193-585373129239}" type="datetimeFigureOut">
               <a:rPr lang="en-US" smtClean="0"/>
-              <a:t>6/16/2020</a:t>
+              <a:t>6/18/2020</a:t>
             </a:fld>
             <a:endParaRPr lang="en-US"/>
           </a:p>
@@ -2406,7 +2413,7 @@
           <a:p>
             <a:fld id="{5B46E487-55E8-4463-B193-585373129239}" type="datetimeFigureOut">
               <a:rPr lang="en-US" smtClean="0"/>
-              <a:t>6/16/2020</a:t>
+              <a:t>6/18/2020</a:t>
             </a:fld>
             <a:endParaRPr lang="en-US"/>
           </a:p>
@@ -2694,7 +2701,7 @@
           <a:p>
             <a:fld id="{5B46E487-55E8-4463-B193-585373129239}" type="datetimeFigureOut">
               <a:rPr lang="en-US" smtClean="0"/>
-              <a:t>6/16/2020</a:t>
+              <a:t>6/18/2020</a:t>
             </a:fld>
             <a:endParaRPr lang="en-US"/>
           </a:p>
@@ -2935,7 +2942,7 @@
           <a:p>
             <a:fld id="{5B46E487-55E8-4463-B193-585373129239}" type="datetimeFigureOut">
               <a:rPr lang="en-US" smtClean="0"/>
-              <a:t>6/16/2020</a:t>
+              <a:t>6/18/2020</a:t>
             </a:fld>
             <a:endParaRPr lang="en-US"/>
           </a:p>
@@ -8284,6 +8291,254 @@
 </p:sld>
 </file>
 
+<file path=ppt/slides/slide28.xml><?xml version="1.0" encoding="utf-8"?>
+<p:sld xmlns:a="http://schemas.openxmlformats.org/drawingml/2006/main" xmlns:r="http://schemas.openxmlformats.org/officeDocument/2006/relationships" xmlns:p="http://schemas.openxmlformats.org/presentationml/2006/main">
+  <p:cSld>
+    <p:spTree>
+      <p:nvGrpSpPr>
+        <p:cNvPr id="1" name=""/>
+        <p:cNvGrpSpPr/>
+        <p:nvPr/>
+      </p:nvGrpSpPr>
+      <p:grpSpPr>
+        <a:xfrm>
+          <a:off x="0" y="0"/>
+          <a:ext cx="0" cy="0"/>
+          <a:chOff x="0" y="0"/>
+          <a:chExt cx="0" cy="0"/>
+        </a:xfrm>
+      </p:grpSpPr>
+      <p:sp>
+        <p:nvSpPr>
+          <p:cNvPr id="2" name="Title 1">
+            <a:extLst>
+              <a:ext uri="{FF2B5EF4-FFF2-40B4-BE49-F238E27FC236}">
+                <a16:creationId xmlns:a16="http://schemas.microsoft.com/office/drawing/2014/main" id="{0DCCD3C0-969A-4369-9D49-17EECE22C5A3}"/>
+              </a:ext>
+            </a:extLst>
+          </p:cNvPr>
+          <p:cNvSpPr>
+            <a:spLocks noGrp="1"/>
+          </p:cNvSpPr>
+          <p:nvPr>
+            <p:ph type="title"/>
+          </p:nvPr>
+        </p:nvSpPr>
+        <p:spPr/>
+        <p:txBody>
+          <a:bodyPr/>
+          <a:lstStyle/>
+          <a:p>
+            <a:r>
+              <a:rPr lang="en-US" dirty="0"/>
+              <a:t>Spring Rest – Spring Data JPA</a:t>
+            </a:r>
+          </a:p>
+        </p:txBody>
+      </p:sp>
+      <p:sp>
+        <p:nvSpPr>
+          <p:cNvPr id="3" name="Content Placeholder 2">
+            <a:extLst>
+              <a:ext uri="{FF2B5EF4-FFF2-40B4-BE49-F238E27FC236}">
+                <a16:creationId xmlns:a16="http://schemas.microsoft.com/office/drawing/2014/main" id="{03AB5227-B10B-472F-89E1-503D040ACC88}"/>
+              </a:ext>
+            </a:extLst>
+          </p:cNvPr>
+          <p:cNvSpPr>
+            <a:spLocks noGrp="1"/>
+          </p:cNvSpPr>
+          <p:nvPr>
+            <p:ph idx="1"/>
+          </p:nvPr>
+        </p:nvSpPr>
+        <p:spPr/>
+        <p:txBody>
+          <a:bodyPr/>
+          <a:lstStyle/>
+          <a:p>
+            <a:r>
+              <a:rPr lang="en-US" dirty="0"/>
+              <a:t>Spring Data Rest?</a:t>
+            </a:r>
+          </a:p>
+          <a:p>
+            <a:pPr lvl="1"/>
+            <a:r>
+              <a:rPr lang="en-US" dirty="0"/>
+              <a:t>Spring Rest + Data JPA</a:t>
+            </a:r>
+          </a:p>
+          <a:p>
+            <a:pPr lvl="1"/>
+            <a:r>
+              <a:rPr lang="en-US" dirty="0"/>
+              <a:t>Sub project </a:t>
+            </a:r>
+            <a:r>
+              <a:rPr lang="en-US" dirty="0">
+                <a:sym typeface="Wingdings" panose="05000000000000000000" pitchFamily="2" charset="2"/>
+              </a:rPr>
+              <a:t> Build the rest application</a:t>
+            </a:r>
+          </a:p>
+          <a:p>
+            <a:r>
+              <a:rPr lang="en-US" dirty="0">
+                <a:sym typeface="Wingdings" panose="05000000000000000000" pitchFamily="2" charset="2"/>
+              </a:rPr>
+              <a:t>Hal Browser</a:t>
+            </a:r>
+          </a:p>
+          <a:p>
+            <a:pPr lvl="1"/>
+            <a:r>
+              <a:rPr lang="en-US" dirty="0">
+                <a:sym typeface="Wingdings" panose="05000000000000000000" pitchFamily="2" charset="2"/>
+              </a:rPr>
+              <a:t>Spring Data Rest  Testing</a:t>
+            </a:r>
+          </a:p>
+          <a:p>
+            <a:pPr lvl="1"/>
+            <a:r>
+              <a:rPr lang="en-US" dirty="0" err="1">
+                <a:sym typeface="Wingdings" panose="05000000000000000000" pitchFamily="2" charset="2"/>
+              </a:rPr>
+              <a:t>Hal+JSOn</a:t>
+            </a:r>
+            <a:endParaRPr lang="en-US" dirty="0"/>
+          </a:p>
+        </p:txBody>
+      </p:sp>
+    </p:spTree>
+    <p:extLst>
+      <p:ext uri="{BB962C8B-B14F-4D97-AF65-F5344CB8AC3E}">
+        <p14:creationId xmlns:p14="http://schemas.microsoft.com/office/powerpoint/2010/main" val="2488245615"/>
+      </p:ext>
+    </p:extLst>
+  </p:cSld>
+  <p:clrMapOvr>
+    <a:masterClrMapping/>
+  </p:clrMapOvr>
+</p:sld>
+</file>
+
+<file path=ppt/slides/slide29.xml><?xml version="1.0" encoding="utf-8"?>
+<p:sld xmlns:a="http://schemas.openxmlformats.org/drawingml/2006/main" xmlns:r="http://schemas.openxmlformats.org/officeDocument/2006/relationships" xmlns:p="http://schemas.openxmlformats.org/presentationml/2006/main">
+  <p:cSld>
+    <p:spTree>
+      <p:nvGrpSpPr>
+        <p:cNvPr id="1" name=""/>
+        <p:cNvGrpSpPr/>
+        <p:nvPr/>
+      </p:nvGrpSpPr>
+      <p:grpSpPr>
+        <a:xfrm>
+          <a:off x="0" y="0"/>
+          <a:ext cx="0" cy="0"/>
+          <a:chOff x="0" y="0"/>
+          <a:chExt cx="0" cy="0"/>
+        </a:xfrm>
+      </p:grpSpPr>
+      <p:sp>
+        <p:nvSpPr>
+          <p:cNvPr id="2" name="Title 1">
+            <a:extLst>
+              <a:ext uri="{FF2B5EF4-FFF2-40B4-BE49-F238E27FC236}">
+                <a16:creationId xmlns:a16="http://schemas.microsoft.com/office/drawing/2014/main" id="{F408DAED-65A9-42DA-9DE3-FAD29A68FB5E}"/>
+              </a:ext>
+            </a:extLst>
+          </p:cNvPr>
+          <p:cNvSpPr>
+            <a:spLocks noGrp="1"/>
+          </p:cNvSpPr>
+          <p:nvPr>
+            <p:ph type="title"/>
+          </p:nvPr>
+        </p:nvSpPr>
+        <p:spPr/>
+        <p:txBody>
+          <a:bodyPr/>
+          <a:lstStyle/>
+          <a:p>
+            <a:endParaRPr lang="en-US"/>
+          </a:p>
+        </p:txBody>
+      </p:sp>
+      <p:sp>
+        <p:nvSpPr>
+          <p:cNvPr id="3" name="Content Placeholder 2">
+            <a:extLst>
+              <a:ext uri="{FF2B5EF4-FFF2-40B4-BE49-F238E27FC236}">
+                <a16:creationId xmlns:a16="http://schemas.microsoft.com/office/drawing/2014/main" id="{E7703E83-AC4C-48F7-95EB-C28C1D0D7F58}"/>
+              </a:ext>
+            </a:extLst>
+          </p:cNvPr>
+          <p:cNvSpPr>
+            <a:spLocks noGrp="1"/>
+          </p:cNvSpPr>
+          <p:nvPr>
+            <p:ph idx="1"/>
+          </p:nvPr>
+        </p:nvSpPr>
+        <p:spPr/>
+        <p:txBody>
+          <a:bodyPr/>
+          <a:lstStyle/>
+          <a:p>
+            <a:r>
+              <a:rPr lang="en-US" dirty="0" err="1"/>
+              <a:t>RestTemplate</a:t>
+            </a:r>
+            <a:endParaRPr lang="en-US" dirty="0"/>
+          </a:p>
+          <a:p>
+            <a:pPr lvl="1"/>
+            <a:r>
+              <a:rPr lang="en-US" dirty="0"/>
+              <a:t>Complete URL</a:t>
+            </a:r>
+          </a:p>
+          <a:p>
+            <a:pPr lvl="1"/>
+            <a:endParaRPr lang="en-US" dirty="0"/>
+          </a:p>
+          <a:p>
+            <a:r>
+              <a:rPr lang="en-US" dirty="0"/>
+              <a:t>Eureka Service Registry</a:t>
+            </a:r>
+          </a:p>
+          <a:p>
+            <a:pPr lvl="1"/>
+            <a:r>
+              <a:rPr lang="en-US" dirty="0"/>
+              <a:t>Microservice </a:t>
+            </a:r>
+            <a:r>
+              <a:rPr lang="en-US" dirty="0">
+                <a:sym typeface="Wingdings" panose="05000000000000000000" pitchFamily="2" charset="2"/>
+              </a:rPr>
+              <a:t> Service Name</a:t>
+            </a:r>
+            <a:endParaRPr lang="en-US" dirty="0"/>
+          </a:p>
+        </p:txBody>
+      </p:sp>
+    </p:spTree>
+    <p:extLst>
+      <p:ext uri="{BB962C8B-B14F-4D97-AF65-F5344CB8AC3E}">
+        <p14:creationId xmlns:p14="http://schemas.microsoft.com/office/powerpoint/2010/main" val="3827106762"/>
+      </p:ext>
+    </p:extLst>
+  </p:cSld>
+  <p:clrMapOvr>
+    <a:masterClrMapping/>
+  </p:clrMapOvr>
+</p:sld>
+</file>
+
 <file path=ppt/slides/slide3.xml><?xml version="1.0" encoding="utf-8"?>
 <p:sld xmlns:a="http://schemas.openxmlformats.org/drawingml/2006/main" xmlns:r="http://schemas.openxmlformats.org/officeDocument/2006/relationships" xmlns:p="http://schemas.openxmlformats.org/presentationml/2006/main">
   <p:cSld>
@@ -9011,6 +9266,651 @@
     <p:extLst>
       <p:ext uri="{BB962C8B-B14F-4D97-AF65-F5344CB8AC3E}">
         <p14:creationId xmlns:p14="http://schemas.microsoft.com/office/powerpoint/2010/main" val="1984935093"/>
+      </p:ext>
+    </p:extLst>
+  </p:cSld>
+  <p:clrMapOvr>
+    <a:masterClrMapping/>
+  </p:clrMapOvr>
+</p:sld>
+</file>
+
+<file path=ppt/slides/slide30.xml><?xml version="1.0" encoding="utf-8"?>
+<p:sld xmlns:a="http://schemas.openxmlformats.org/drawingml/2006/main" xmlns:r="http://schemas.openxmlformats.org/officeDocument/2006/relationships" xmlns:p="http://schemas.openxmlformats.org/presentationml/2006/main">
+  <p:cSld>
+    <p:spTree>
+      <p:nvGrpSpPr>
+        <p:cNvPr id="1" name=""/>
+        <p:cNvGrpSpPr/>
+        <p:nvPr/>
+      </p:nvGrpSpPr>
+      <p:grpSpPr>
+        <a:xfrm>
+          <a:off x="0" y="0"/>
+          <a:ext cx="0" cy="0"/>
+          <a:chOff x="0" y="0"/>
+          <a:chExt cx="0" cy="0"/>
+        </a:xfrm>
+      </p:grpSpPr>
+      <p:sp>
+        <p:nvSpPr>
+          <p:cNvPr id="2" name="Title 1">
+            <a:extLst>
+              <a:ext uri="{FF2B5EF4-FFF2-40B4-BE49-F238E27FC236}">
+                <a16:creationId xmlns:a16="http://schemas.microsoft.com/office/drawing/2014/main" id="{6A5B9FE8-6275-412F-9A87-98F076346E52}"/>
+              </a:ext>
+            </a:extLst>
+          </p:cNvPr>
+          <p:cNvSpPr>
+            <a:spLocks noGrp="1"/>
+          </p:cNvSpPr>
+          <p:nvPr>
+            <p:ph type="title"/>
+          </p:nvPr>
+        </p:nvSpPr>
+        <p:spPr/>
+        <p:txBody>
+          <a:bodyPr/>
+          <a:lstStyle/>
+          <a:p>
+            <a:r>
+              <a:rPr lang="en-US" dirty="0"/>
+              <a:t>Spring Security</a:t>
+            </a:r>
+          </a:p>
+        </p:txBody>
+      </p:sp>
+      <p:sp>
+        <p:nvSpPr>
+          <p:cNvPr id="3" name="Content Placeholder 2">
+            <a:extLst>
+              <a:ext uri="{FF2B5EF4-FFF2-40B4-BE49-F238E27FC236}">
+                <a16:creationId xmlns:a16="http://schemas.microsoft.com/office/drawing/2014/main" id="{6B2CEDE6-9258-4947-963D-DF80E68DD84A}"/>
+              </a:ext>
+            </a:extLst>
+          </p:cNvPr>
+          <p:cNvSpPr>
+            <a:spLocks noGrp="1"/>
+          </p:cNvSpPr>
+          <p:nvPr>
+            <p:ph idx="1"/>
+          </p:nvPr>
+        </p:nvSpPr>
+        <p:spPr/>
+        <p:txBody>
+          <a:bodyPr/>
+          <a:lstStyle/>
+          <a:p>
+            <a:r>
+              <a:rPr lang="en-US" dirty="0"/>
+              <a:t>Default Authentication</a:t>
+            </a:r>
+          </a:p>
+          <a:p>
+            <a:r>
+              <a:rPr lang="en-US" dirty="0"/>
+              <a:t>LDAP</a:t>
+            </a:r>
+          </a:p>
+          <a:p>
+            <a:pPr lvl="1"/>
+            <a:r>
+              <a:rPr lang="en-US" dirty="0"/>
+              <a:t>DB</a:t>
+            </a:r>
+          </a:p>
+          <a:p>
+            <a:r>
+              <a:rPr lang="en-US" dirty="0"/>
+              <a:t>OAUTH2</a:t>
+            </a:r>
+          </a:p>
+          <a:p>
+            <a:pPr lvl="1"/>
+            <a:r>
+              <a:rPr lang="en-US" dirty="0"/>
+              <a:t>Tokens</a:t>
+            </a:r>
+          </a:p>
+          <a:p>
+            <a:r>
+              <a:rPr lang="en-US" dirty="0"/>
+              <a:t>JWT with Session </a:t>
+            </a:r>
+            <a:r>
+              <a:rPr lang="en-US" dirty="0">
+                <a:sym typeface="Wingdings" panose="05000000000000000000" pitchFamily="2" charset="2"/>
+              </a:rPr>
+              <a:t> Load Balancer</a:t>
+            </a:r>
+            <a:endParaRPr lang="en-US" dirty="0"/>
+          </a:p>
+          <a:p>
+            <a:pPr lvl="1"/>
+            <a:endParaRPr lang="en-US" dirty="0"/>
+          </a:p>
+          <a:p>
+            <a:endParaRPr lang="en-US" dirty="0"/>
+          </a:p>
+        </p:txBody>
+      </p:sp>
+    </p:spTree>
+    <p:extLst>
+      <p:ext uri="{BB962C8B-B14F-4D97-AF65-F5344CB8AC3E}">
+        <p14:creationId xmlns:p14="http://schemas.microsoft.com/office/powerpoint/2010/main" val="3095774100"/>
+      </p:ext>
+    </p:extLst>
+  </p:cSld>
+  <p:clrMapOvr>
+    <a:masterClrMapping/>
+  </p:clrMapOvr>
+</p:sld>
+</file>
+
+<file path=ppt/slides/slide31.xml><?xml version="1.0" encoding="utf-8"?>
+<p:sld xmlns:a="http://schemas.openxmlformats.org/drawingml/2006/main" xmlns:r="http://schemas.openxmlformats.org/officeDocument/2006/relationships" xmlns:p="http://schemas.openxmlformats.org/presentationml/2006/main">
+  <p:cSld>
+    <p:spTree>
+      <p:nvGrpSpPr>
+        <p:cNvPr id="1" name=""/>
+        <p:cNvGrpSpPr/>
+        <p:nvPr/>
+      </p:nvGrpSpPr>
+      <p:grpSpPr>
+        <a:xfrm>
+          <a:off x="0" y="0"/>
+          <a:ext cx="0" cy="0"/>
+          <a:chOff x="0" y="0"/>
+          <a:chExt cx="0" cy="0"/>
+        </a:xfrm>
+      </p:grpSpPr>
+      <p:sp>
+        <p:nvSpPr>
+          <p:cNvPr id="2" name="Title 1">
+            <a:extLst>
+              <a:ext uri="{FF2B5EF4-FFF2-40B4-BE49-F238E27FC236}">
+                <a16:creationId xmlns:a16="http://schemas.microsoft.com/office/drawing/2014/main" id="{76AB0DD8-6671-4CCE-88DF-6B442DAA6789}"/>
+              </a:ext>
+            </a:extLst>
+          </p:cNvPr>
+          <p:cNvSpPr>
+            <a:spLocks noGrp="1"/>
+          </p:cNvSpPr>
+          <p:nvPr>
+            <p:ph type="title"/>
+          </p:nvPr>
+        </p:nvSpPr>
+        <p:spPr/>
+        <p:txBody>
+          <a:bodyPr/>
+          <a:lstStyle/>
+          <a:p>
+            <a:r>
+              <a:rPr lang="en-US" dirty="0"/>
+              <a:t>Configure Server</a:t>
+            </a:r>
+          </a:p>
+        </p:txBody>
+      </p:sp>
+      <p:sp>
+        <p:nvSpPr>
+          <p:cNvPr id="3" name="Content Placeholder 2">
+            <a:extLst>
+              <a:ext uri="{FF2B5EF4-FFF2-40B4-BE49-F238E27FC236}">
+                <a16:creationId xmlns:a16="http://schemas.microsoft.com/office/drawing/2014/main" id="{8A1807E3-E742-43C7-B5C0-893C6BC1F3C1}"/>
+              </a:ext>
+            </a:extLst>
+          </p:cNvPr>
+          <p:cNvSpPr>
+            <a:spLocks noGrp="1"/>
+          </p:cNvSpPr>
+          <p:nvPr>
+            <p:ph idx="1"/>
+          </p:nvPr>
+        </p:nvSpPr>
+        <p:spPr/>
+        <p:txBody>
+          <a:bodyPr/>
+          <a:lstStyle/>
+          <a:p>
+            <a:r>
+              <a:rPr lang="en-US" dirty="0"/>
+              <a:t>Properties</a:t>
+            </a:r>
+          </a:p>
+          <a:p>
+            <a:r>
+              <a:rPr lang="en-US" dirty="0"/>
+              <a:t>YAML</a:t>
+            </a:r>
+          </a:p>
+          <a:p>
+            <a:r>
+              <a:rPr lang="en-US" dirty="0"/>
+              <a:t>12-Factor design Principles</a:t>
+            </a:r>
+          </a:p>
+          <a:p>
+            <a:pPr lvl="1"/>
+            <a:r>
+              <a:rPr lang="en-US" dirty="0"/>
+              <a:t>Decouple application</a:t>
+            </a:r>
+          </a:p>
+          <a:p>
+            <a:pPr lvl="2"/>
+            <a:endParaRPr lang="en-US" dirty="0"/>
+          </a:p>
+          <a:p>
+            <a:pPr lvl="2"/>
+            <a:endParaRPr lang="en-US" dirty="0"/>
+          </a:p>
+        </p:txBody>
+      </p:sp>
+    </p:spTree>
+    <p:extLst>
+      <p:ext uri="{BB962C8B-B14F-4D97-AF65-F5344CB8AC3E}">
+        <p14:creationId xmlns:p14="http://schemas.microsoft.com/office/powerpoint/2010/main" val="3356304172"/>
+      </p:ext>
+    </p:extLst>
+  </p:cSld>
+  <p:clrMapOvr>
+    <a:masterClrMapping/>
+  </p:clrMapOvr>
+</p:sld>
+</file>
+
+<file path=ppt/slides/slide32.xml><?xml version="1.0" encoding="utf-8"?>
+<p:sld xmlns:a="http://schemas.openxmlformats.org/drawingml/2006/main" xmlns:r="http://schemas.openxmlformats.org/officeDocument/2006/relationships" xmlns:p="http://schemas.openxmlformats.org/presentationml/2006/main">
+  <p:cSld>
+    <p:spTree>
+      <p:nvGrpSpPr>
+        <p:cNvPr id="1" name=""/>
+        <p:cNvGrpSpPr/>
+        <p:nvPr/>
+      </p:nvGrpSpPr>
+      <p:grpSpPr>
+        <a:xfrm>
+          <a:off x="0" y="0"/>
+          <a:ext cx="0" cy="0"/>
+          <a:chOff x="0" y="0"/>
+          <a:chExt cx="0" cy="0"/>
+        </a:xfrm>
+      </p:grpSpPr>
+      <p:sp>
+        <p:nvSpPr>
+          <p:cNvPr id="2" name="Title 1">
+            <a:extLst>
+              <a:ext uri="{FF2B5EF4-FFF2-40B4-BE49-F238E27FC236}">
+                <a16:creationId xmlns:a16="http://schemas.microsoft.com/office/drawing/2014/main" id="{06919435-B414-4F42-8813-C6109AAA69DA}"/>
+              </a:ext>
+            </a:extLst>
+          </p:cNvPr>
+          <p:cNvSpPr>
+            <a:spLocks noGrp="1"/>
+          </p:cNvSpPr>
+          <p:nvPr>
+            <p:ph type="title"/>
+          </p:nvPr>
+        </p:nvSpPr>
+        <p:spPr/>
+        <p:txBody>
+          <a:bodyPr/>
+          <a:lstStyle/>
+          <a:p>
+            <a:r>
+              <a:rPr lang="en-US" dirty="0"/>
+              <a:t>Spring Cloud</a:t>
+            </a:r>
+          </a:p>
+        </p:txBody>
+      </p:sp>
+      <p:sp>
+        <p:nvSpPr>
+          <p:cNvPr id="3" name="Content Placeholder 2">
+            <a:extLst>
+              <a:ext uri="{FF2B5EF4-FFF2-40B4-BE49-F238E27FC236}">
+                <a16:creationId xmlns:a16="http://schemas.microsoft.com/office/drawing/2014/main" id="{056213A9-3C00-43B8-AE86-A4ADC9930E49}"/>
+              </a:ext>
+            </a:extLst>
+          </p:cNvPr>
+          <p:cNvSpPr>
+            <a:spLocks noGrp="1"/>
+          </p:cNvSpPr>
+          <p:nvPr>
+            <p:ph idx="1"/>
+          </p:nvPr>
+        </p:nvSpPr>
+        <p:spPr/>
+        <p:txBody>
+          <a:bodyPr/>
+          <a:lstStyle/>
+          <a:p>
+            <a:pPr lvl="1"/>
+            <a:r>
+              <a:rPr lang="en-US" dirty="0">
+                <a:highlight>
+                  <a:srgbClr val="FFFF00"/>
+                </a:highlight>
+              </a:rPr>
+              <a:t>Configuration Server</a:t>
+            </a:r>
+          </a:p>
+          <a:p>
+            <a:pPr lvl="1"/>
+            <a:r>
+              <a:rPr lang="en-US" dirty="0"/>
+              <a:t>Eureka Service Registry</a:t>
+            </a:r>
+          </a:p>
+          <a:p>
+            <a:pPr lvl="1"/>
+            <a:r>
+              <a:rPr lang="en-US" dirty="0"/>
+              <a:t>Memory Management</a:t>
+            </a:r>
+          </a:p>
+          <a:p>
+            <a:pPr lvl="1"/>
+            <a:r>
+              <a:rPr lang="en-US" dirty="0"/>
+              <a:t>Cloud Env</a:t>
+            </a:r>
+          </a:p>
+          <a:p>
+            <a:pPr lvl="2"/>
+            <a:r>
+              <a:rPr lang="en-US" dirty="0"/>
+              <a:t>Cloud Foundry</a:t>
+            </a:r>
+          </a:p>
+          <a:p>
+            <a:pPr lvl="2"/>
+            <a:r>
+              <a:rPr lang="en-US" dirty="0"/>
+              <a:t>AWS</a:t>
+            </a:r>
+          </a:p>
+          <a:p>
+            <a:pPr lvl="2"/>
+            <a:r>
+              <a:rPr lang="en-US" dirty="0"/>
+              <a:t>Azure</a:t>
+            </a:r>
+          </a:p>
+        </p:txBody>
+      </p:sp>
+    </p:spTree>
+    <p:extLst>
+      <p:ext uri="{BB962C8B-B14F-4D97-AF65-F5344CB8AC3E}">
+        <p14:creationId xmlns:p14="http://schemas.microsoft.com/office/powerpoint/2010/main" val="4017389696"/>
+      </p:ext>
+    </p:extLst>
+  </p:cSld>
+  <p:clrMapOvr>
+    <a:masterClrMapping/>
+  </p:clrMapOvr>
+</p:sld>
+</file>
+
+<file path=ppt/slides/slide33.xml><?xml version="1.0" encoding="utf-8"?>
+<p:sld xmlns:a="http://schemas.openxmlformats.org/drawingml/2006/main" xmlns:r="http://schemas.openxmlformats.org/officeDocument/2006/relationships" xmlns:p="http://schemas.openxmlformats.org/presentationml/2006/main">
+  <p:cSld>
+    <p:spTree>
+      <p:nvGrpSpPr>
+        <p:cNvPr id="1" name=""/>
+        <p:cNvGrpSpPr/>
+        <p:nvPr/>
+      </p:nvGrpSpPr>
+      <p:grpSpPr>
+        <a:xfrm>
+          <a:off x="0" y="0"/>
+          <a:ext cx="0" cy="0"/>
+          <a:chOff x="0" y="0"/>
+          <a:chExt cx="0" cy="0"/>
+        </a:xfrm>
+      </p:grpSpPr>
+      <p:sp>
+        <p:nvSpPr>
+          <p:cNvPr id="2" name="Title 1">
+            <a:extLst>
+              <a:ext uri="{FF2B5EF4-FFF2-40B4-BE49-F238E27FC236}">
+                <a16:creationId xmlns:a16="http://schemas.microsoft.com/office/drawing/2014/main" id="{CA8C8C40-99D0-4BD7-B299-6029973F0782}"/>
+              </a:ext>
+            </a:extLst>
+          </p:cNvPr>
+          <p:cNvSpPr>
+            <a:spLocks noGrp="1"/>
+          </p:cNvSpPr>
+          <p:nvPr>
+            <p:ph type="title"/>
+          </p:nvPr>
+        </p:nvSpPr>
+        <p:spPr/>
+        <p:txBody>
+          <a:bodyPr/>
+          <a:lstStyle/>
+          <a:p>
+            <a:r>
+              <a:rPr lang="en-US" dirty="0"/>
+              <a:t>Configuration Server</a:t>
+            </a:r>
+          </a:p>
+        </p:txBody>
+      </p:sp>
+      <p:sp>
+        <p:nvSpPr>
+          <p:cNvPr id="3" name="Content Placeholder 2">
+            <a:extLst>
+              <a:ext uri="{FF2B5EF4-FFF2-40B4-BE49-F238E27FC236}">
+                <a16:creationId xmlns:a16="http://schemas.microsoft.com/office/drawing/2014/main" id="{55739FA1-A637-4B03-AFB8-10AFFFF95CC4}"/>
+              </a:ext>
+            </a:extLst>
+          </p:cNvPr>
+          <p:cNvSpPr>
+            <a:spLocks noGrp="1"/>
+          </p:cNvSpPr>
+          <p:nvPr>
+            <p:ph idx="1"/>
+          </p:nvPr>
+        </p:nvSpPr>
+        <p:spPr/>
+        <p:txBody>
+          <a:bodyPr/>
+          <a:lstStyle/>
+          <a:p>
+            <a:r>
+              <a:rPr lang="en-US" dirty="0"/>
+              <a:t>Setup Config Server</a:t>
+            </a:r>
+          </a:p>
+          <a:p>
+            <a:r>
+              <a:rPr lang="en-US" dirty="0" err="1"/>
+              <a:t>Github</a:t>
+            </a:r>
+            <a:r>
+              <a:rPr lang="en-US" dirty="0"/>
+              <a:t> move to git repositories</a:t>
+            </a:r>
+          </a:p>
+          <a:p>
+            <a:pPr lvl="1"/>
+            <a:r>
+              <a:rPr lang="en-US" dirty="0"/>
+              <a:t>Production ready</a:t>
+            </a:r>
+          </a:p>
+          <a:p>
+            <a:pPr lvl="1"/>
+            <a:r>
+              <a:rPr lang="en-US" dirty="0"/>
+              <a:t>Security Config</a:t>
+            </a:r>
+          </a:p>
+          <a:p>
+            <a:pPr lvl="2"/>
+            <a:r>
+              <a:rPr lang="en-US" dirty="0"/>
+              <a:t>Username</a:t>
+            </a:r>
+          </a:p>
+          <a:p>
+            <a:pPr lvl="2"/>
+            <a:r>
+              <a:rPr lang="en-US" dirty="0"/>
+              <a:t>Password</a:t>
+            </a:r>
+          </a:p>
+          <a:p>
+            <a:pPr lvl="2"/>
+            <a:endParaRPr lang="en-US" dirty="0"/>
+          </a:p>
+        </p:txBody>
+      </p:sp>
+    </p:spTree>
+    <p:extLst>
+      <p:ext uri="{BB962C8B-B14F-4D97-AF65-F5344CB8AC3E}">
+        <p14:creationId xmlns:p14="http://schemas.microsoft.com/office/powerpoint/2010/main" val="3227911678"/>
+      </p:ext>
+    </p:extLst>
+  </p:cSld>
+  <p:clrMapOvr>
+    <a:masterClrMapping/>
+  </p:clrMapOvr>
+</p:sld>
+</file>
+
+<file path=ppt/slides/slide34.xml><?xml version="1.0" encoding="utf-8"?>
+<p:sld xmlns:a="http://schemas.openxmlformats.org/drawingml/2006/main" xmlns:r="http://schemas.openxmlformats.org/officeDocument/2006/relationships" xmlns:p="http://schemas.openxmlformats.org/presentationml/2006/main">
+  <p:cSld>
+    <p:spTree>
+      <p:nvGrpSpPr>
+        <p:cNvPr id="1" name=""/>
+        <p:cNvGrpSpPr/>
+        <p:nvPr/>
+      </p:nvGrpSpPr>
+      <p:grpSpPr>
+        <a:xfrm>
+          <a:off x="0" y="0"/>
+          <a:ext cx="0" cy="0"/>
+          <a:chOff x="0" y="0"/>
+          <a:chExt cx="0" cy="0"/>
+        </a:xfrm>
+      </p:grpSpPr>
+      <p:sp>
+        <p:nvSpPr>
+          <p:cNvPr id="2" name="Title 1">
+            <a:extLst>
+              <a:ext uri="{FF2B5EF4-FFF2-40B4-BE49-F238E27FC236}">
+                <a16:creationId xmlns:a16="http://schemas.microsoft.com/office/drawing/2014/main" id="{5861E88B-C068-4648-9915-8183723C78D8}"/>
+              </a:ext>
+            </a:extLst>
+          </p:cNvPr>
+          <p:cNvSpPr>
+            <a:spLocks noGrp="1"/>
+          </p:cNvSpPr>
+          <p:nvPr>
+            <p:ph type="title"/>
+          </p:nvPr>
+        </p:nvSpPr>
+        <p:spPr/>
+        <p:txBody>
+          <a:bodyPr/>
+          <a:lstStyle/>
+          <a:p>
+            <a:r>
+              <a:rPr lang="en-US" dirty="0"/>
+              <a:t>Task</a:t>
+            </a:r>
+          </a:p>
+        </p:txBody>
+      </p:sp>
+      <p:sp>
+        <p:nvSpPr>
+          <p:cNvPr id="3" name="Content Placeholder 2">
+            <a:extLst>
+              <a:ext uri="{FF2B5EF4-FFF2-40B4-BE49-F238E27FC236}">
+                <a16:creationId xmlns:a16="http://schemas.microsoft.com/office/drawing/2014/main" id="{97549E9B-3AD0-4226-A773-06AF14B681CE}"/>
+              </a:ext>
+            </a:extLst>
+          </p:cNvPr>
+          <p:cNvSpPr>
+            <a:spLocks noGrp="1"/>
+          </p:cNvSpPr>
+          <p:nvPr>
+            <p:ph idx="1"/>
+          </p:nvPr>
+        </p:nvSpPr>
+        <p:spPr/>
+        <p:txBody>
+          <a:bodyPr/>
+          <a:lstStyle/>
+          <a:p>
+            <a:r>
+              <a:rPr lang="en-US" dirty="0"/>
+              <a:t>Spring Rest with JPA –Config Client</a:t>
+            </a:r>
+          </a:p>
+          <a:p>
+            <a:pPr lvl="1"/>
+            <a:r>
+              <a:rPr lang="en-US" dirty="0"/>
+              <a:t>Employee, Address, Department</a:t>
+            </a:r>
+          </a:p>
+          <a:p>
+            <a:pPr lvl="1"/>
+            <a:r>
+              <a:rPr lang="en-US" dirty="0"/>
+              <a:t>Create Config Server in GIT</a:t>
+            </a:r>
+          </a:p>
+          <a:p>
+            <a:pPr lvl="1"/>
+            <a:r>
+              <a:rPr lang="en-US" dirty="0"/>
+              <a:t>YAML Config</a:t>
+            </a:r>
+          </a:p>
+          <a:p>
+            <a:pPr lvl="1"/>
+            <a:r>
+              <a:rPr lang="en-US" dirty="0"/>
+              <a:t>Activate Profiling with Cloud Config</a:t>
+            </a:r>
+          </a:p>
+          <a:p>
+            <a:pPr lvl="2"/>
+            <a:r>
+              <a:rPr lang="en-US" dirty="0"/>
+              <a:t>Dev</a:t>
+            </a:r>
+          </a:p>
+          <a:p>
+            <a:pPr lvl="2"/>
+            <a:r>
+              <a:rPr lang="en-US" dirty="0"/>
+              <a:t>Test</a:t>
+            </a:r>
+          </a:p>
+          <a:p>
+            <a:pPr lvl="2"/>
+            <a:r>
+              <a:rPr lang="en-US" dirty="0"/>
+              <a:t>Prod</a:t>
+            </a:r>
+          </a:p>
+          <a:p>
+            <a:pPr lvl="2"/>
+            <a:endParaRPr lang="en-US" dirty="0"/>
+          </a:p>
+        </p:txBody>
+      </p:sp>
+    </p:spTree>
+    <p:extLst>
+      <p:ext uri="{BB962C8B-B14F-4D97-AF65-F5344CB8AC3E}">
+        <p14:creationId xmlns:p14="http://schemas.microsoft.com/office/powerpoint/2010/main" val="3757370147"/>
       </p:ext>
     </p:extLst>
   </p:cSld>

--- a/FinishingSchool-June.pptx
+++ b/FinishingSchool-June.pptx
@@ -39,6 +39,12 @@
     <p:sldId id="287" r:id="rId33"/>
     <p:sldId id="288" r:id="rId34"/>
     <p:sldId id="289" r:id="rId35"/>
+    <p:sldId id="291" r:id="rId36"/>
+    <p:sldId id="290" r:id="rId37"/>
+    <p:sldId id="292" r:id="rId38"/>
+    <p:sldId id="293" r:id="rId39"/>
+    <p:sldId id="294" r:id="rId40"/>
+    <p:sldId id="295" r:id="rId41"/>
   </p:sldIdLst>
   <p:sldSz cx="12192000" cy="6858000"/>
   <p:notesSz cx="6858000" cy="9144000"/>
@@ -292,7 +298,7 @@
           <a:p>
             <a:fld id="{5B46E487-55E8-4463-B193-585373129239}" type="datetimeFigureOut">
               <a:rPr lang="en-US" smtClean="0"/>
-              <a:t>6/18/2020</a:t>
+              <a:t>6/23/2020</a:t>
             </a:fld>
             <a:endParaRPr lang="en-US"/>
           </a:p>
@@ -490,7 +496,7 @@
           <a:p>
             <a:fld id="{5B46E487-55E8-4463-B193-585373129239}" type="datetimeFigureOut">
               <a:rPr lang="en-US" smtClean="0"/>
-              <a:t>6/18/2020</a:t>
+              <a:t>6/23/2020</a:t>
             </a:fld>
             <a:endParaRPr lang="en-US"/>
           </a:p>
@@ -698,7 +704,7 @@
           <a:p>
             <a:fld id="{5B46E487-55E8-4463-B193-585373129239}" type="datetimeFigureOut">
               <a:rPr lang="en-US" smtClean="0"/>
-              <a:t>6/18/2020</a:t>
+              <a:t>6/23/2020</a:t>
             </a:fld>
             <a:endParaRPr lang="en-US"/>
           </a:p>
@@ -896,7 +902,7 @@
           <a:p>
             <a:fld id="{5B46E487-55E8-4463-B193-585373129239}" type="datetimeFigureOut">
               <a:rPr lang="en-US" smtClean="0"/>
-              <a:t>6/18/2020</a:t>
+              <a:t>6/23/2020</a:t>
             </a:fld>
             <a:endParaRPr lang="en-US"/>
           </a:p>
@@ -1171,7 +1177,7 @@
           <a:p>
             <a:fld id="{5B46E487-55E8-4463-B193-585373129239}" type="datetimeFigureOut">
               <a:rPr lang="en-US" smtClean="0"/>
-              <a:t>6/18/2020</a:t>
+              <a:t>6/23/2020</a:t>
             </a:fld>
             <a:endParaRPr lang="en-US"/>
           </a:p>
@@ -1436,7 +1442,7 @@
           <a:p>
             <a:fld id="{5B46E487-55E8-4463-B193-585373129239}" type="datetimeFigureOut">
               <a:rPr lang="en-US" smtClean="0"/>
-              <a:t>6/18/2020</a:t>
+              <a:t>6/23/2020</a:t>
             </a:fld>
             <a:endParaRPr lang="en-US"/>
           </a:p>
@@ -1848,7 +1854,7 @@
           <a:p>
             <a:fld id="{5B46E487-55E8-4463-B193-585373129239}" type="datetimeFigureOut">
               <a:rPr lang="en-US" smtClean="0"/>
-              <a:t>6/18/2020</a:t>
+              <a:t>6/23/2020</a:t>
             </a:fld>
             <a:endParaRPr lang="en-US"/>
           </a:p>
@@ -1989,7 +1995,7 @@
           <a:p>
             <a:fld id="{5B46E487-55E8-4463-B193-585373129239}" type="datetimeFigureOut">
               <a:rPr lang="en-US" smtClean="0"/>
-              <a:t>6/18/2020</a:t>
+              <a:t>6/23/2020</a:t>
             </a:fld>
             <a:endParaRPr lang="en-US"/>
           </a:p>
@@ -2102,7 +2108,7 @@
           <a:p>
             <a:fld id="{5B46E487-55E8-4463-B193-585373129239}" type="datetimeFigureOut">
               <a:rPr lang="en-US" smtClean="0"/>
-              <a:t>6/18/2020</a:t>
+              <a:t>6/23/2020</a:t>
             </a:fld>
             <a:endParaRPr lang="en-US"/>
           </a:p>
@@ -2413,7 +2419,7 @@
           <a:p>
             <a:fld id="{5B46E487-55E8-4463-B193-585373129239}" type="datetimeFigureOut">
               <a:rPr lang="en-US" smtClean="0"/>
-              <a:t>6/18/2020</a:t>
+              <a:t>6/23/2020</a:t>
             </a:fld>
             <a:endParaRPr lang="en-US"/>
           </a:p>
@@ -2701,7 +2707,7 @@
           <a:p>
             <a:fld id="{5B46E487-55E8-4463-B193-585373129239}" type="datetimeFigureOut">
               <a:rPr lang="en-US" smtClean="0"/>
-              <a:t>6/18/2020</a:t>
+              <a:t>6/23/2020</a:t>
             </a:fld>
             <a:endParaRPr lang="en-US"/>
           </a:p>
@@ -2942,7 +2948,7 @@
           <a:p>
             <a:fld id="{5B46E487-55E8-4463-B193-585373129239}" type="datetimeFigureOut">
               <a:rPr lang="en-US" smtClean="0"/>
-              <a:t>6/18/2020</a:t>
+              <a:t>6/23/2020</a:t>
             </a:fld>
             <a:endParaRPr lang="en-US"/>
           </a:p>
@@ -9920,6 +9926,703 @@
 </p:sld>
 </file>
 
+<file path=ppt/slides/slide35.xml><?xml version="1.0" encoding="utf-8"?>
+<p:sld xmlns:a="http://schemas.openxmlformats.org/drawingml/2006/main" xmlns:r="http://schemas.openxmlformats.org/officeDocument/2006/relationships" xmlns:p="http://schemas.openxmlformats.org/presentationml/2006/main">
+  <p:cSld>
+    <p:spTree>
+      <p:nvGrpSpPr>
+        <p:cNvPr id="1" name=""/>
+        <p:cNvGrpSpPr/>
+        <p:nvPr/>
+      </p:nvGrpSpPr>
+      <p:grpSpPr>
+        <a:xfrm>
+          <a:off x="0" y="0"/>
+          <a:ext cx="0" cy="0"/>
+          <a:chOff x="0" y="0"/>
+          <a:chExt cx="0" cy="0"/>
+        </a:xfrm>
+      </p:grpSpPr>
+      <p:sp>
+        <p:nvSpPr>
+          <p:cNvPr id="4" name="Title 3">
+            <a:extLst>
+              <a:ext uri="{FF2B5EF4-FFF2-40B4-BE49-F238E27FC236}">
+                <a16:creationId xmlns:a16="http://schemas.microsoft.com/office/drawing/2014/main" id="{5D951A28-D69A-4BF2-8C4E-DF34CE9CF8B5}"/>
+              </a:ext>
+            </a:extLst>
+          </p:cNvPr>
+          <p:cNvSpPr>
+            <a:spLocks noGrp="1"/>
+          </p:cNvSpPr>
+          <p:nvPr>
+            <p:ph type="ctrTitle"/>
+          </p:nvPr>
+        </p:nvSpPr>
+        <p:spPr/>
+        <p:txBody>
+          <a:bodyPr/>
+          <a:lstStyle/>
+          <a:p>
+            <a:r>
+              <a:rPr lang="en-US" dirty="0" err="1"/>
+              <a:t>MicroServices</a:t>
+            </a:r>
+            <a:endParaRPr lang="en-US" dirty="0"/>
+          </a:p>
+        </p:txBody>
+      </p:sp>
+      <p:sp>
+        <p:nvSpPr>
+          <p:cNvPr id="5" name="Subtitle 4">
+            <a:extLst>
+              <a:ext uri="{FF2B5EF4-FFF2-40B4-BE49-F238E27FC236}">
+                <a16:creationId xmlns:a16="http://schemas.microsoft.com/office/drawing/2014/main" id="{461EF880-E0C0-4707-B9B3-4E96EC9E8D42}"/>
+              </a:ext>
+            </a:extLst>
+          </p:cNvPr>
+          <p:cNvSpPr>
+            <a:spLocks noGrp="1"/>
+          </p:cNvSpPr>
+          <p:nvPr>
+            <p:ph type="subTitle" idx="1"/>
+          </p:nvPr>
+        </p:nvSpPr>
+        <p:spPr/>
+        <p:txBody>
+          <a:bodyPr/>
+          <a:lstStyle/>
+          <a:p>
+            <a:endParaRPr lang="en-US"/>
+          </a:p>
+        </p:txBody>
+      </p:sp>
+    </p:spTree>
+    <p:extLst>
+      <p:ext uri="{BB962C8B-B14F-4D97-AF65-F5344CB8AC3E}">
+        <p14:creationId xmlns:p14="http://schemas.microsoft.com/office/powerpoint/2010/main" val="3015232724"/>
+      </p:ext>
+    </p:extLst>
+  </p:cSld>
+  <p:clrMapOvr>
+    <a:masterClrMapping/>
+  </p:clrMapOvr>
+</p:sld>
+</file>
+
+<file path=ppt/slides/slide36.xml><?xml version="1.0" encoding="utf-8"?>
+<p:sld xmlns:a="http://schemas.openxmlformats.org/drawingml/2006/main" xmlns:r="http://schemas.openxmlformats.org/officeDocument/2006/relationships" xmlns:p="http://schemas.openxmlformats.org/presentationml/2006/main">
+  <p:cSld>
+    <p:spTree>
+      <p:nvGrpSpPr>
+        <p:cNvPr id="1" name=""/>
+        <p:cNvGrpSpPr/>
+        <p:nvPr/>
+      </p:nvGrpSpPr>
+      <p:grpSpPr>
+        <a:xfrm>
+          <a:off x="0" y="0"/>
+          <a:ext cx="0" cy="0"/>
+          <a:chOff x="0" y="0"/>
+          <a:chExt cx="0" cy="0"/>
+        </a:xfrm>
+      </p:grpSpPr>
+      <p:sp>
+        <p:nvSpPr>
+          <p:cNvPr id="2" name="Title 1">
+            <a:extLst>
+              <a:ext uri="{FF2B5EF4-FFF2-40B4-BE49-F238E27FC236}">
+                <a16:creationId xmlns:a16="http://schemas.microsoft.com/office/drawing/2014/main" id="{213C2AEA-8B70-4252-BF63-941869BDA683}"/>
+              </a:ext>
+            </a:extLst>
+          </p:cNvPr>
+          <p:cNvSpPr>
+            <a:spLocks noGrp="1"/>
+          </p:cNvSpPr>
+          <p:nvPr>
+            <p:ph type="title"/>
+          </p:nvPr>
+        </p:nvSpPr>
+        <p:spPr/>
+        <p:txBody>
+          <a:bodyPr/>
+          <a:lstStyle/>
+          <a:p>
+            <a:r>
+              <a:rPr lang="en-US" dirty="0"/>
+              <a:t>Design Principles	</a:t>
+            </a:r>
+          </a:p>
+        </p:txBody>
+      </p:sp>
+      <p:sp>
+        <p:nvSpPr>
+          <p:cNvPr id="3" name="Content Placeholder 2">
+            <a:extLst>
+              <a:ext uri="{FF2B5EF4-FFF2-40B4-BE49-F238E27FC236}">
+                <a16:creationId xmlns:a16="http://schemas.microsoft.com/office/drawing/2014/main" id="{0F9CB037-7FC4-4A9B-AD69-E18D9F18FC99}"/>
+              </a:ext>
+            </a:extLst>
+          </p:cNvPr>
+          <p:cNvSpPr>
+            <a:spLocks noGrp="1"/>
+          </p:cNvSpPr>
+          <p:nvPr>
+            <p:ph idx="1"/>
+          </p:nvPr>
+        </p:nvSpPr>
+        <p:spPr/>
+        <p:txBody>
+          <a:bodyPr>
+            <a:normAutofit fontScale="92500" lnSpcReduction="10000"/>
+          </a:bodyPr>
+          <a:lstStyle/>
+          <a:p>
+            <a:r>
+              <a:rPr lang="en-US" dirty="0"/>
+              <a:t>Resilience</a:t>
+            </a:r>
+          </a:p>
+          <a:p>
+            <a:r>
+              <a:rPr lang="en-US" dirty="0"/>
+              <a:t>Observable</a:t>
+            </a:r>
+          </a:p>
+          <a:p>
+            <a:pPr lvl="1"/>
+            <a:r>
+              <a:rPr lang="en-US" dirty="0"/>
+              <a:t>Centralized Logging and Monitoring</a:t>
+            </a:r>
+          </a:p>
+          <a:p>
+            <a:r>
+              <a:rPr lang="en-US" dirty="0"/>
+              <a:t>Business Domain Centric</a:t>
+            </a:r>
+          </a:p>
+          <a:p>
+            <a:r>
+              <a:rPr lang="en-US" dirty="0"/>
+              <a:t>Automation</a:t>
+            </a:r>
+          </a:p>
+          <a:p>
+            <a:pPr lvl="1"/>
+            <a:r>
+              <a:rPr lang="en-US" dirty="0"/>
+              <a:t>Automate </a:t>
+            </a:r>
+            <a:r>
+              <a:rPr lang="en-US" dirty="0">
+                <a:sym typeface="Wingdings" panose="05000000000000000000" pitchFamily="2" charset="2"/>
+              </a:rPr>
+              <a:t> testing, CI-CD  DevOps tools</a:t>
+            </a:r>
+          </a:p>
+          <a:p>
+            <a:r>
+              <a:rPr lang="en-US" dirty="0">
+                <a:sym typeface="Wingdings" panose="05000000000000000000" pitchFamily="2" charset="2"/>
+              </a:rPr>
+              <a:t>High Cohesion</a:t>
+            </a:r>
+          </a:p>
+          <a:p>
+            <a:pPr lvl="1"/>
+            <a:r>
+              <a:rPr lang="en-US" dirty="0">
+                <a:sym typeface="Wingdings" panose="05000000000000000000" pitchFamily="2" charset="2"/>
+              </a:rPr>
+              <a:t>OOPs  single focus on </a:t>
+            </a:r>
+            <a:r>
+              <a:rPr lang="en-US" dirty="0" err="1">
+                <a:sym typeface="Wingdings" panose="05000000000000000000" pitchFamily="2" charset="2"/>
+              </a:rPr>
+              <a:t>fn</a:t>
+            </a:r>
+            <a:endParaRPr lang="en-US" dirty="0">
+              <a:sym typeface="Wingdings" panose="05000000000000000000" pitchFamily="2" charset="2"/>
+            </a:endParaRPr>
+          </a:p>
+          <a:p>
+            <a:r>
+              <a:rPr lang="en-US" dirty="0">
+                <a:sym typeface="Wingdings" panose="05000000000000000000" pitchFamily="2" charset="2"/>
+              </a:rPr>
+              <a:t>Autonomous</a:t>
+            </a:r>
+          </a:p>
+          <a:p>
+            <a:pPr lvl="1"/>
+            <a:r>
+              <a:rPr lang="en-US" dirty="0">
+                <a:sym typeface="Wingdings" panose="05000000000000000000" pitchFamily="2" charset="2"/>
+              </a:rPr>
+              <a:t>Versioning</a:t>
+            </a:r>
+          </a:p>
+          <a:p>
+            <a:pPr lvl="1"/>
+            <a:r>
+              <a:rPr lang="en-US" dirty="0">
+                <a:sym typeface="Wingdings" panose="05000000000000000000" pitchFamily="2" charset="2"/>
+              </a:rPr>
+              <a:t>Stateless Containers</a:t>
+            </a:r>
+            <a:endParaRPr lang="en-US" dirty="0"/>
+          </a:p>
+          <a:p>
+            <a:endParaRPr lang="en-US" dirty="0"/>
+          </a:p>
+        </p:txBody>
+      </p:sp>
+    </p:spTree>
+    <p:extLst>
+      <p:ext uri="{BB962C8B-B14F-4D97-AF65-F5344CB8AC3E}">
+        <p14:creationId xmlns:p14="http://schemas.microsoft.com/office/powerpoint/2010/main" val="539047961"/>
+      </p:ext>
+    </p:extLst>
+  </p:cSld>
+  <p:clrMapOvr>
+    <a:masterClrMapping/>
+  </p:clrMapOvr>
+</p:sld>
+</file>
+
+<file path=ppt/slides/slide37.xml><?xml version="1.0" encoding="utf-8"?>
+<p:sld xmlns:a="http://schemas.openxmlformats.org/drawingml/2006/main" xmlns:r="http://schemas.openxmlformats.org/officeDocument/2006/relationships" xmlns:p="http://schemas.openxmlformats.org/presentationml/2006/main">
+  <p:cSld>
+    <p:spTree>
+      <p:nvGrpSpPr>
+        <p:cNvPr id="1" name=""/>
+        <p:cNvGrpSpPr/>
+        <p:nvPr/>
+      </p:nvGrpSpPr>
+      <p:grpSpPr>
+        <a:xfrm>
+          <a:off x="0" y="0"/>
+          <a:ext cx="0" cy="0"/>
+          <a:chOff x="0" y="0"/>
+          <a:chExt cx="0" cy="0"/>
+        </a:xfrm>
+      </p:grpSpPr>
+      <p:sp>
+        <p:nvSpPr>
+          <p:cNvPr id="2" name="Title 1">
+            <a:extLst>
+              <a:ext uri="{FF2B5EF4-FFF2-40B4-BE49-F238E27FC236}">
+                <a16:creationId xmlns:a16="http://schemas.microsoft.com/office/drawing/2014/main" id="{CE0D14DE-2D61-4EEC-9204-26AFB54B39BA}"/>
+              </a:ext>
+            </a:extLst>
+          </p:cNvPr>
+          <p:cNvSpPr>
+            <a:spLocks noGrp="1"/>
+          </p:cNvSpPr>
+          <p:nvPr>
+            <p:ph type="title"/>
+          </p:nvPr>
+        </p:nvSpPr>
+        <p:spPr/>
+        <p:txBody>
+          <a:bodyPr/>
+          <a:lstStyle/>
+          <a:p>
+            <a:r>
+              <a:rPr lang="en-US" dirty="0"/>
+              <a:t>Technologies used </a:t>
+            </a:r>
+          </a:p>
+        </p:txBody>
+      </p:sp>
+      <p:sp>
+        <p:nvSpPr>
+          <p:cNvPr id="3" name="Content Placeholder 2">
+            <a:extLst>
+              <a:ext uri="{FF2B5EF4-FFF2-40B4-BE49-F238E27FC236}">
+                <a16:creationId xmlns:a16="http://schemas.microsoft.com/office/drawing/2014/main" id="{40940602-13AE-454C-AFC6-2356E778D7CC}"/>
+              </a:ext>
+            </a:extLst>
+          </p:cNvPr>
+          <p:cNvSpPr>
+            <a:spLocks noGrp="1"/>
+          </p:cNvSpPr>
+          <p:nvPr>
+            <p:ph idx="1"/>
+          </p:nvPr>
+        </p:nvSpPr>
+        <p:spPr/>
+        <p:txBody>
+          <a:bodyPr/>
+          <a:lstStyle/>
+          <a:p>
+            <a:r>
+              <a:rPr lang="en-US" dirty="0"/>
+              <a:t>API Gateway</a:t>
+            </a:r>
+          </a:p>
+          <a:p>
+            <a:pPr lvl="1"/>
+            <a:r>
+              <a:rPr lang="en-US" dirty="0"/>
+              <a:t>Service Registry</a:t>
+            </a:r>
+          </a:p>
+          <a:p>
+            <a:pPr lvl="1"/>
+            <a:r>
+              <a:rPr lang="en-US" dirty="0"/>
+              <a:t>Load Balancer</a:t>
+            </a:r>
+          </a:p>
+          <a:p>
+            <a:pPr lvl="2"/>
+            <a:r>
+              <a:rPr lang="en-US" dirty="0"/>
+              <a:t>URL </a:t>
+            </a:r>
+            <a:r>
+              <a:rPr lang="en-US" dirty="0">
+                <a:sym typeface="Wingdings" panose="05000000000000000000" pitchFamily="2" charset="2"/>
+              </a:rPr>
+              <a:t> bad</a:t>
+            </a:r>
+          </a:p>
+          <a:p>
+            <a:pPr lvl="2"/>
+            <a:r>
+              <a:rPr lang="en-US" dirty="0">
+                <a:sym typeface="Wingdings" panose="05000000000000000000" pitchFamily="2" charset="2"/>
+              </a:rPr>
+              <a:t>Register the Service  service name</a:t>
+            </a:r>
+          </a:p>
+          <a:p>
+            <a:pPr lvl="2"/>
+            <a:r>
+              <a:rPr lang="en-US" dirty="0">
+                <a:sym typeface="Wingdings" panose="05000000000000000000" pitchFamily="2" charset="2"/>
+              </a:rPr>
+              <a:t>Lookup  service name</a:t>
+            </a:r>
+          </a:p>
+          <a:p>
+            <a:pPr lvl="1"/>
+            <a:endParaRPr lang="en-US" dirty="0">
+              <a:sym typeface="Wingdings" panose="05000000000000000000" pitchFamily="2" charset="2"/>
+            </a:endParaRPr>
+          </a:p>
+          <a:p>
+            <a:pPr lvl="1"/>
+            <a:r>
+              <a:rPr lang="en-US" dirty="0">
+                <a:sym typeface="Wingdings" panose="05000000000000000000" pitchFamily="2" charset="2"/>
+              </a:rPr>
+              <a:t>Client –Side   Digital Banking Use case</a:t>
+            </a:r>
+          </a:p>
+          <a:p>
+            <a:pPr lvl="1"/>
+            <a:r>
+              <a:rPr lang="en-US" dirty="0">
+                <a:sym typeface="Wingdings" panose="05000000000000000000" pitchFamily="2" charset="2"/>
+              </a:rPr>
+              <a:t>Server  - Side  Eureka Service Registry</a:t>
+            </a:r>
+          </a:p>
+          <a:p>
+            <a:pPr lvl="1"/>
+            <a:endParaRPr lang="en-US" dirty="0"/>
+          </a:p>
+          <a:p>
+            <a:pPr lvl="1"/>
+            <a:endParaRPr lang="en-US" dirty="0"/>
+          </a:p>
+        </p:txBody>
+      </p:sp>
+    </p:spTree>
+    <p:extLst>
+      <p:ext uri="{BB962C8B-B14F-4D97-AF65-F5344CB8AC3E}">
+        <p14:creationId xmlns:p14="http://schemas.microsoft.com/office/powerpoint/2010/main" val="1043999391"/>
+      </p:ext>
+    </p:extLst>
+  </p:cSld>
+  <p:clrMapOvr>
+    <a:masterClrMapping/>
+  </p:clrMapOvr>
+</p:sld>
+</file>
+
+<file path=ppt/slides/slide38.xml><?xml version="1.0" encoding="utf-8"?>
+<p:sld xmlns:a="http://schemas.openxmlformats.org/drawingml/2006/main" xmlns:r="http://schemas.openxmlformats.org/officeDocument/2006/relationships" xmlns:p="http://schemas.openxmlformats.org/presentationml/2006/main">
+  <p:cSld>
+    <p:spTree>
+      <p:nvGrpSpPr>
+        <p:cNvPr id="1" name=""/>
+        <p:cNvGrpSpPr/>
+        <p:nvPr/>
+      </p:nvGrpSpPr>
+      <p:grpSpPr>
+        <a:xfrm>
+          <a:off x="0" y="0"/>
+          <a:ext cx="0" cy="0"/>
+          <a:chOff x="0" y="0"/>
+          <a:chExt cx="0" cy="0"/>
+        </a:xfrm>
+      </p:grpSpPr>
+      <p:sp>
+        <p:nvSpPr>
+          <p:cNvPr id="2" name="Title 1">
+            <a:extLst>
+              <a:ext uri="{FF2B5EF4-FFF2-40B4-BE49-F238E27FC236}">
+                <a16:creationId xmlns:a16="http://schemas.microsoft.com/office/drawing/2014/main" id="{0FC2A429-EF1C-4825-8605-13300EFAF190}"/>
+              </a:ext>
+            </a:extLst>
+          </p:cNvPr>
+          <p:cNvSpPr>
+            <a:spLocks noGrp="1"/>
+          </p:cNvSpPr>
+          <p:nvPr>
+            <p:ph type="title"/>
+          </p:nvPr>
+        </p:nvSpPr>
+        <p:spPr/>
+        <p:txBody>
+          <a:bodyPr/>
+          <a:lstStyle/>
+          <a:p>
+            <a:r>
+              <a:rPr lang="en-US" dirty="0"/>
+              <a:t>Digital Banking – Use case</a:t>
+            </a:r>
+          </a:p>
+        </p:txBody>
+      </p:sp>
+      <p:sp>
+        <p:nvSpPr>
+          <p:cNvPr id="3" name="Content Placeholder 2">
+            <a:extLst>
+              <a:ext uri="{FF2B5EF4-FFF2-40B4-BE49-F238E27FC236}">
+                <a16:creationId xmlns:a16="http://schemas.microsoft.com/office/drawing/2014/main" id="{021F6375-485D-468A-9E93-E99909787383}"/>
+              </a:ext>
+            </a:extLst>
+          </p:cNvPr>
+          <p:cNvSpPr>
+            <a:spLocks noGrp="1"/>
+          </p:cNvSpPr>
+          <p:nvPr>
+            <p:ph idx="1"/>
+          </p:nvPr>
+        </p:nvSpPr>
+        <p:spPr/>
+        <p:txBody>
+          <a:bodyPr/>
+          <a:lstStyle/>
+          <a:p>
+            <a:r>
+              <a:rPr lang="en-US" dirty="0">
+                <a:hlinkClick r:id="rId2"/>
+              </a:rPr>
+              <a:t>https://github.com/caprepo/digitalbanking-microservice</a:t>
+            </a:r>
+            <a:r>
+              <a:rPr lang="en-US" dirty="0"/>
+              <a:t> </a:t>
+            </a:r>
+          </a:p>
+        </p:txBody>
+      </p:sp>
+    </p:spTree>
+    <p:extLst>
+      <p:ext uri="{BB962C8B-B14F-4D97-AF65-F5344CB8AC3E}">
+        <p14:creationId xmlns:p14="http://schemas.microsoft.com/office/powerpoint/2010/main" val="285543063"/>
+      </p:ext>
+    </p:extLst>
+  </p:cSld>
+  <p:clrMapOvr>
+    <a:masterClrMapping/>
+  </p:clrMapOvr>
+</p:sld>
+</file>
+
+<file path=ppt/slides/slide39.xml><?xml version="1.0" encoding="utf-8"?>
+<p:sld xmlns:a="http://schemas.openxmlformats.org/drawingml/2006/main" xmlns:r="http://schemas.openxmlformats.org/officeDocument/2006/relationships" xmlns:p="http://schemas.openxmlformats.org/presentationml/2006/main">
+  <p:cSld>
+    <p:spTree>
+      <p:nvGrpSpPr>
+        <p:cNvPr id="1" name=""/>
+        <p:cNvGrpSpPr/>
+        <p:nvPr/>
+      </p:nvGrpSpPr>
+      <p:grpSpPr>
+        <a:xfrm>
+          <a:off x="0" y="0"/>
+          <a:ext cx="0" cy="0"/>
+          <a:chOff x="0" y="0"/>
+          <a:chExt cx="0" cy="0"/>
+        </a:xfrm>
+      </p:grpSpPr>
+      <p:sp>
+        <p:nvSpPr>
+          <p:cNvPr id="2" name="Title 1">
+            <a:extLst>
+              <a:ext uri="{FF2B5EF4-FFF2-40B4-BE49-F238E27FC236}">
+                <a16:creationId xmlns:a16="http://schemas.microsoft.com/office/drawing/2014/main" id="{48EBFB7D-0503-4EFE-AC11-AC1C832195CC}"/>
+              </a:ext>
+            </a:extLst>
+          </p:cNvPr>
+          <p:cNvSpPr>
+            <a:spLocks noGrp="1"/>
+          </p:cNvSpPr>
+          <p:nvPr>
+            <p:ph type="title"/>
+          </p:nvPr>
+        </p:nvSpPr>
+        <p:spPr/>
+        <p:txBody>
+          <a:bodyPr/>
+          <a:lstStyle/>
+          <a:p>
+            <a:r>
+              <a:rPr lang="en-US" dirty="0"/>
+              <a:t>Task</a:t>
+            </a:r>
+          </a:p>
+        </p:txBody>
+      </p:sp>
+      <p:sp>
+        <p:nvSpPr>
+          <p:cNvPr id="3" name="Content Placeholder 2">
+            <a:extLst>
+              <a:ext uri="{FF2B5EF4-FFF2-40B4-BE49-F238E27FC236}">
+                <a16:creationId xmlns:a16="http://schemas.microsoft.com/office/drawing/2014/main" id="{A93BE7F6-B12B-40AF-AFE8-E7AA954D1FDF}"/>
+              </a:ext>
+            </a:extLst>
+          </p:cNvPr>
+          <p:cNvSpPr>
+            <a:spLocks noGrp="1"/>
+          </p:cNvSpPr>
+          <p:nvPr>
+            <p:ph idx="1"/>
+          </p:nvPr>
+        </p:nvSpPr>
+        <p:spPr/>
+        <p:txBody>
+          <a:bodyPr/>
+          <a:lstStyle/>
+          <a:p>
+            <a:r>
+              <a:rPr lang="en-US" dirty="0"/>
+              <a:t>Download Service</a:t>
+            </a:r>
+          </a:p>
+          <a:p>
+            <a:pPr lvl="1"/>
+            <a:r>
+              <a:rPr lang="en-US" dirty="0" err="1">
+                <a:highlight>
+                  <a:srgbClr val="FFFF00"/>
+                </a:highlight>
+              </a:rPr>
+              <a:t>Digitalbanking</a:t>
+            </a:r>
+            <a:r>
+              <a:rPr lang="en-US" dirty="0">
+                <a:highlight>
+                  <a:srgbClr val="FFFF00"/>
+                </a:highlight>
+              </a:rPr>
+              <a:t>-screens</a:t>
+            </a:r>
+          </a:p>
+          <a:p>
+            <a:pPr lvl="1"/>
+            <a:r>
+              <a:rPr lang="en-US" dirty="0">
+                <a:highlight>
+                  <a:srgbClr val="FFFF00"/>
+                </a:highlight>
+              </a:rPr>
+              <a:t>Account Service</a:t>
+            </a:r>
+          </a:p>
+          <a:p>
+            <a:pPr lvl="1"/>
+            <a:r>
+              <a:rPr lang="en-US" dirty="0">
+                <a:highlight>
+                  <a:srgbClr val="FFFF00"/>
+                </a:highlight>
+              </a:rPr>
+              <a:t>Card Service</a:t>
+            </a:r>
+          </a:p>
+          <a:p>
+            <a:pPr lvl="1"/>
+            <a:r>
+              <a:rPr lang="en-US" dirty="0"/>
+              <a:t>Loan Service</a:t>
+            </a:r>
+          </a:p>
+          <a:p>
+            <a:pPr lvl="1"/>
+            <a:r>
+              <a:rPr lang="en-US" dirty="0"/>
+              <a:t>Transfer Service</a:t>
+            </a:r>
+          </a:p>
+          <a:p>
+            <a:pPr lvl="2"/>
+            <a:r>
+              <a:rPr lang="en-US" dirty="0">
+                <a:hlinkClick r:id="rId2"/>
+              </a:rPr>
+              <a:t>https://github.com/caprepo/digitalbanking-txfrjava.git</a:t>
+            </a:r>
+            <a:r>
+              <a:rPr lang="en-US" dirty="0"/>
+              <a:t>	</a:t>
+            </a:r>
+          </a:p>
+          <a:p>
+            <a:r>
+              <a:rPr lang="en-US" dirty="0"/>
+              <a:t>XAMPP – Server </a:t>
+            </a:r>
+            <a:r>
+              <a:rPr lang="en-US" dirty="0">
+                <a:sym typeface="Wingdings" panose="05000000000000000000" pitchFamily="2" charset="2"/>
+              </a:rPr>
+              <a:t> Install it</a:t>
+            </a:r>
+          </a:p>
+          <a:p>
+            <a:pPr lvl="1"/>
+            <a:r>
+              <a:rPr lang="en-US" dirty="0">
+                <a:hlinkClick r:id="rId3"/>
+              </a:rPr>
+              <a:t>https://sourceforge.net/projects/xampp/files/XAMPP%20Windows/</a:t>
+            </a:r>
+            <a:endParaRPr lang="en-US" dirty="0"/>
+          </a:p>
+        </p:txBody>
+      </p:sp>
+    </p:spTree>
+    <p:extLst>
+      <p:ext uri="{BB962C8B-B14F-4D97-AF65-F5344CB8AC3E}">
+        <p14:creationId xmlns:p14="http://schemas.microsoft.com/office/powerpoint/2010/main" val="2908756285"/>
+      </p:ext>
+    </p:extLst>
+  </p:cSld>
+  <p:clrMapOvr>
+    <a:masterClrMapping/>
+  </p:clrMapOvr>
+</p:sld>
+</file>
+
 <file path=ppt/slides/slide4.xml><?xml version="1.0" encoding="utf-8"?>
 <p:sld xmlns:a="http://schemas.openxmlformats.org/drawingml/2006/main" xmlns:r="http://schemas.openxmlformats.org/officeDocument/2006/relationships" xmlns:p="http://schemas.openxmlformats.org/presentationml/2006/main">
   <p:cSld>
@@ -10638,6 +11341,172 @@
     <p:extLst>
       <p:ext uri="{BB962C8B-B14F-4D97-AF65-F5344CB8AC3E}">
         <p14:creationId xmlns:p14="http://schemas.microsoft.com/office/powerpoint/2010/main" val="2548734031"/>
+      </p:ext>
+    </p:extLst>
+  </p:cSld>
+  <p:clrMapOvr>
+    <a:masterClrMapping/>
+  </p:clrMapOvr>
+</p:sld>
+</file>
+
+<file path=ppt/slides/slide40.xml><?xml version="1.0" encoding="utf-8"?>
+<p:sld xmlns:a="http://schemas.openxmlformats.org/drawingml/2006/main" xmlns:r="http://schemas.openxmlformats.org/officeDocument/2006/relationships" xmlns:p="http://schemas.openxmlformats.org/presentationml/2006/main">
+  <p:cSld>
+    <p:spTree>
+      <p:nvGrpSpPr>
+        <p:cNvPr id="1" name=""/>
+        <p:cNvGrpSpPr/>
+        <p:nvPr/>
+      </p:nvGrpSpPr>
+      <p:grpSpPr>
+        <a:xfrm>
+          <a:off x="0" y="0"/>
+          <a:ext cx="0" cy="0"/>
+          <a:chOff x="0" y="0"/>
+          <a:chExt cx="0" cy="0"/>
+        </a:xfrm>
+      </p:grpSpPr>
+      <p:sp>
+        <p:nvSpPr>
+          <p:cNvPr id="2" name="Title 1">
+            <a:extLst>
+              <a:ext uri="{FF2B5EF4-FFF2-40B4-BE49-F238E27FC236}">
+                <a16:creationId xmlns:a16="http://schemas.microsoft.com/office/drawing/2014/main" id="{0C85B810-01FB-4FBE-A00E-3CD47D95E45C}"/>
+              </a:ext>
+            </a:extLst>
+          </p:cNvPr>
+          <p:cNvSpPr>
+            <a:spLocks noGrp="1"/>
+          </p:cNvSpPr>
+          <p:nvPr>
+            <p:ph type="title"/>
+          </p:nvPr>
+        </p:nvSpPr>
+        <p:spPr/>
+        <p:txBody>
+          <a:bodyPr/>
+          <a:lstStyle/>
+          <a:p>
+            <a:r>
+              <a:rPr lang="en-US" dirty="0"/>
+              <a:t>API Gateway Registry</a:t>
+            </a:r>
+          </a:p>
+        </p:txBody>
+      </p:sp>
+      <p:sp>
+        <p:nvSpPr>
+          <p:cNvPr id="3" name="Content Placeholder 2">
+            <a:extLst>
+              <a:ext uri="{FF2B5EF4-FFF2-40B4-BE49-F238E27FC236}">
+                <a16:creationId xmlns:a16="http://schemas.microsoft.com/office/drawing/2014/main" id="{3B169FA6-A2B9-4355-82A2-EA9113C14C3A}"/>
+              </a:ext>
+            </a:extLst>
+          </p:cNvPr>
+          <p:cNvSpPr>
+            <a:spLocks noGrp="1"/>
+          </p:cNvSpPr>
+          <p:nvPr>
+            <p:ph idx="1"/>
+          </p:nvPr>
+        </p:nvSpPr>
+        <p:spPr/>
+        <p:txBody>
+          <a:bodyPr/>
+          <a:lstStyle/>
+          <a:p>
+            <a:r>
+              <a:rPr lang="en-US" dirty="0"/>
+              <a:t>Client Side </a:t>
+            </a:r>
+          </a:p>
+          <a:p>
+            <a:pPr lvl="1"/>
+            <a:r>
+              <a:rPr lang="en-US" dirty="0"/>
+              <a:t>All service config </a:t>
+            </a:r>
+            <a:r>
+              <a:rPr lang="en-US" dirty="0">
+                <a:sym typeface="Wingdings" panose="05000000000000000000" pitchFamily="2" charset="2"/>
+              </a:rPr>
+              <a:t> apache server </a:t>
+            </a:r>
+            <a:r>
+              <a:rPr lang="en-US" dirty="0" err="1">
+                <a:sym typeface="Wingdings" panose="05000000000000000000" pitchFamily="2" charset="2"/>
+              </a:rPr>
+              <a:t>httpd.config</a:t>
+            </a:r>
+            <a:endParaRPr lang="en-US" dirty="0">
+              <a:sym typeface="Wingdings" panose="05000000000000000000" pitchFamily="2" charset="2"/>
+            </a:endParaRPr>
+          </a:p>
+          <a:p>
+            <a:pPr lvl="1"/>
+            <a:r>
+              <a:rPr lang="en-US" dirty="0">
+                <a:highlight>
+                  <a:srgbClr val="FFFF00"/>
+                </a:highlight>
+                <a:sym typeface="Wingdings" panose="05000000000000000000" pitchFamily="2" charset="2"/>
+              </a:rPr>
+              <a:t>Manual</a:t>
+            </a:r>
+            <a:r>
+              <a:rPr lang="en-US" dirty="0">
+                <a:sym typeface="Wingdings" panose="05000000000000000000" pitchFamily="2" charset="2"/>
+              </a:rPr>
+              <a:t> Config</a:t>
+            </a:r>
+          </a:p>
+          <a:p>
+            <a:pPr lvl="1"/>
+            <a:r>
+              <a:rPr lang="en-US" dirty="0">
+                <a:sym typeface="Wingdings" panose="05000000000000000000" pitchFamily="2" charset="2"/>
+              </a:rPr>
+              <a:t>Not Suitable for Production</a:t>
+            </a:r>
+          </a:p>
+          <a:p>
+            <a:pPr lvl="1"/>
+            <a:r>
+              <a:rPr lang="en-US" dirty="0">
+                <a:sym typeface="Wingdings" panose="05000000000000000000" pitchFamily="2" charset="2"/>
+              </a:rPr>
+              <a:t>Angular (</a:t>
+            </a:r>
+            <a:r>
+              <a:rPr lang="en-US" dirty="0">
+                <a:highlight>
+                  <a:srgbClr val="FFFF00"/>
+                </a:highlight>
+                <a:sym typeface="Wingdings" panose="05000000000000000000" pitchFamily="2" charset="2"/>
+              </a:rPr>
+              <a:t>manually</a:t>
+            </a:r>
+            <a:r>
+              <a:rPr lang="en-US" dirty="0">
+                <a:sym typeface="Wingdings" panose="05000000000000000000" pitchFamily="2" charset="2"/>
+              </a:rPr>
+              <a:t>)</a:t>
+            </a:r>
+            <a:endParaRPr lang="en-US" dirty="0"/>
+          </a:p>
+          <a:p>
+            <a:r>
+              <a:rPr lang="en-US" dirty="0"/>
+              <a:t>Server Side</a:t>
+            </a:r>
+          </a:p>
+        </p:txBody>
+      </p:sp>
+    </p:spTree>
+    <p:extLst>
+      <p:ext uri="{BB962C8B-B14F-4D97-AF65-F5344CB8AC3E}">
+        <p14:creationId xmlns:p14="http://schemas.microsoft.com/office/powerpoint/2010/main" val="3522744884"/>
       </p:ext>
     </p:extLst>
   </p:cSld>
